--- a/Part 2/WiX Part 2.pptx
+++ b/Part 2/WiX Part 2.pptx
@@ -5,16 +5,15 @@
     <p:sldMasterId id="2147483660" r:id="rId2"/>
   </p:sldMasterIdLst>
   <p:notesMasterIdLst>
-    <p:notesMasterId r:id="rId7"/>
+    <p:notesMasterId r:id="rId6"/>
   </p:notesMasterIdLst>
   <p:handoutMasterIdLst>
-    <p:handoutMasterId r:id="rId8"/>
+    <p:handoutMasterId r:id="rId7"/>
   </p:handoutMasterIdLst>
   <p:sldIdLst>
     <p:sldId id="256" r:id="rId3"/>
     <p:sldId id="261" r:id="rId4"/>
     <p:sldId id="268" r:id="rId5"/>
-    <p:sldId id="267" r:id="rId6"/>
   </p:sldIdLst>
   <p:sldSz cx="12192000" cy="6858000"/>
   <p:notesSz cx="6858000" cy="9144000"/>
@@ -206,7 +205,7 @@
           <a:p>
             <a:fld id="{BE6FE14A-16AB-4C40-A7D8-3F677DBFF089}" type="datetimeFigureOut">
               <a:rPr lang="ru-RU" smtClean="0"/>
-              <a:t>03.01.2016</a:t>
+              <a:t>04.01.2016</a:t>
             </a:fld>
             <a:endParaRPr lang="ru-RU" dirty="0"/>
           </a:p>
@@ -371,7 +370,7 @@
           <a:p>
             <a:fld id="{C15A5BB7-EDD2-4B8D-93DB-AF0055258AEF}" type="datetimeFigureOut">
               <a:rPr lang="ru-RU" smtClean="0"/>
-              <a:t>03.01.2016</a:t>
+              <a:t>04.01.2016</a:t>
             </a:fld>
             <a:endParaRPr lang="ru-RU" dirty="0"/>
           </a:p>
@@ -1708,7 +1707,7 @@
           <a:p>
             <a:fld id="{FF11F0EC-4F60-4544-9956-271209A740FE}" type="datetimeFigureOut">
               <a:rPr lang="ru-RU" smtClean="0"/>
-              <a:t>03.01.2016</a:t>
+              <a:t>04.01.2016</a:t>
             </a:fld>
             <a:endParaRPr lang="ru-RU" dirty="0"/>
           </a:p>
@@ -1959,7 +1958,7 @@
           <a:p>
             <a:fld id="{FF11F0EC-4F60-4544-9956-271209A740FE}" type="datetimeFigureOut">
               <a:rPr lang="ru-RU" smtClean="0"/>
-              <a:t>03.01.2016</a:t>
+              <a:t>04.01.2016</a:t>
             </a:fld>
             <a:endParaRPr lang="ru-RU" dirty="0"/>
           </a:p>
@@ -2210,7 +2209,7 @@
           <a:p>
             <a:fld id="{FF11F0EC-4F60-4544-9956-271209A740FE}" type="datetimeFigureOut">
               <a:rPr lang="ru-RU" smtClean="0"/>
-              <a:t>03.01.2016</a:t>
+              <a:t>04.01.2016</a:t>
             </a:fld>
             <a:endParaRPr lang="ru-RU" dirty="0"/>
           </a:p>
@@ -2788,7 +2787,7 @@
           <a:p>
             <a:fld id="{FF11F0EC-4F60-4544-9956-271209A740FE}" type="datetimeFigureOut">
               <a:rPr lang="ru-RU" smtClean="0"/>
-              <a:t>03.01.2016</a:t>
+              <a:t>04.01.2016</a:t>
             </a:fld>
             <a:endParaRPr lang="ru-RU" dirty="0"/>
           </a:p>
@@ -3039,7 +3038,7 @@
           <a:p>
             <a:fld id="{FF11F0EC-4F60-4544-9956-271209A740FE}" type="datetimeFigureOut">
               <a:rPr lang="ru-RU" smtClean="0"/>
-              <a:t>03.01.2016</a:t>
+              <a:t>04.01.2016</a:t>
             </a:fld>
             <a:endParaRPr lang="ru-RU" dirty="0"/>
           </a:p>
@@ -3617,7 +3616,7 @@
           <a:p>
             <a:fld id="{FF11F0EC-4F60-4544-9956-271209A740FE}" type="datetimeFigureOut">
               <a:rPr lang="ru-RU" smtClean="0"/>
-              <a:t>03.01.2016</a:t>
+              <a:t>04.01.2016</a:t>
             </a:fld>
             <a:endParaRPr lang="ru-RU" dirty="0"/>
           </a:p>
@@ -3847,7 +3846,7 @@
           <a:p>
             <a:fld id="{FF11F0EC-4F60-4544-9956-271209A740FE}" type="datetimeFigureOut">
               <a:rPr lang="ru-RU" smtClean="0"/>
-              <a:t>03.01.2016</a:t>
+              <a:t>04.01.2016</a:t>
             </a:fld>
             <a:endParaRPr lang="ru-RU" dirty="0"/>
           </a:p>
@@ -4027,7 +4026,7 @@
           <a:p>
             <a:fld id="{FF11F0EC-4F60-4544-9956-271209A740FE}" type="datetimeFigureOut">
               <a:rPr lang="ru-RU" smtClean="0"/>
-              <a:t>03.01.2016</a:t>
+              <a:t>04.01.2016</a:t>
             </a:fld>
             <a:endParaRPr lang="ru-RU" dirty="0"/>
           </a:p>
@@ -4203,7 +4202,7 @@
           <a:p>
             <a:fld id="{FF11F0EC-4F60-4544-9956-271209A740FE}" type="datetimeFigureOut">
               <a:rPr lang="ru-RU" smtClean="0"/>
-              <a:t>03.01.2016</a:t>
+              <a:t>04.01.2016</a:t>
             </a:fld>
             <a:endParaRPr lang="ru-RU" dirty="0"/>
           </a:p>
@@ -4450,7 +4449,7 @@
           <a:p>
             <a:fld id="{FF11F0EC-4F60-4544-9956-271209A740FE}" type="datetimeFigureOut">
               <a:rPr lang="ru-RU" smtClean="0"/>
-              <a:t>03.01.2016</a:t>
+              <a:t>04.01.2016</a:t>
             </a:fld>
             <a:endParaRPr lang="ru-RU" dirty="0"/>
           </a:p>
@@ -4682,7 +4681,7 @@
           <a:p>
             <a:fld id="{FF11F0EC-4F60-4544-9956-271209A740FE}" type="datetimeFigureOut">
               <a:rPr lang="ru-RU" smtClean="0"/>
-              <a:t>03.01.2016</a:t>
+              <a:t>04.01.2016</a:t>
             </a:fld>
             <a:endParaRPr lang="ru-RU" dirty="0"/>
           </a:p>
@@ -5056,7 +5055,7 @@
           <a:p>
             <a:fld id="{FF11F0EC-4F60-4544-9956-271209A740FE}" type="datetimeFigureOut">
               <a:rPr lang="ru-RU" smtClean="0"/>
-              <a:t>03.01.2016</a:t>
+              <a:t>04.01.2016</a:t>
             </a:fld>
             <a:endParaRPr lang="ru-RU" dirty="0"/>
           </a:p>
@@ -5179,7 +5178,7 @@
           <a:p>
             <a:fld id="{FF11F0EC-4F60-4544-9956-271209A740FE}" type="datetimeFigureOut">
               <a:rPr lang="ru-RU" smtClean="0"/>
-              <a:t>03.01.2016</a:t>
+              <a:t>04.01.2016</a:t>
             </a:fld>
             <a:endParaRPr lang="ru-RU" dirty="0"/>
           </a:p>
@@ -5274,7 +5273,7 @@
           <a:p>
             <a:fld id="{FF11F0EC-4F60-4544-9956-271209A740FE}" type="datetimeFigureOut">
               <a:rPr lang="ru-RU" smtClean="0"/>
-              <a:t>03.01.2016</a:t>
+              <a:t>04.01.2016</a:t>
             </a:fld>
             <a:endParaRPr lang="ru-RU" dirty="0"/>
           </a:p>
@@ -5529,7 +5528,7 @@
           <a:p>
             <a:fld id="{FF11F0EC-4F60-4544-9956-271209A740FE}" type="datetimeFigureOut">
               <a:rPr lang="ru-RU" smtClean="0"/>
-              <a:t>03.01.2016</a:t>
+              <a:t>04.01.2016</a:t>
             </a:fld>
             <a:endParaRPr lang="ru-RU" dirty="0"/>
           </a:p>
@@ -5792,7 +5791,7 @@
           <a:p>
             <a:fld id="{FF11F0EC-4F60-4544-9956-271209A740FE}" type="datetimeFigureOut">
               <a:rPr lang="ru-RU" smtClean="0"/>
-              <a:t>03.01.2016</a:t>
+              <a:t>04.01.2016</a:t>
             </a:fld>
             <a:endParaRPr lang="ru-RU" dirty="0"/>
           </a:p>
@@ -6876,7 +6875,7 @@
           <a:p>
             <a:fld id="{FF11F0EC-4F60-4544-9956-271209A740FE}" type="datetimeFigureOut">
               <a:rPr lang="ru-RU" smtClean="0"/>
-              <a:t>03.01.2016</a:t>
+              <a:t>04.01.2016</a:t>
             </a:fld>
             <a:endParaRPr lang="ru-RU" dirty="0"/>
           </a:p>
@@ -7551,6 +7550,13 @@
   <p:clrMapOvr>
     <a:masterClrMapping/>
   </p:clrMapOvr>
+  <p:timing>
+    <p:tnLst>
+      <p:par>
+        <p:cTn id="1" dur="indefinite" restart="never" nodeType="tmRoot"/>
+      </p:par>
+    </p:tnLst>
+  </p:timing>
 </p:sld>
 </file>
 
@@ -7595,11 +7601,7 @@
           <a:p>
             <a:r>
               <a:rPr lang="en-US" sz="6000" dirty="0" smtClean="0"/>
-              <a:t>Part </a:t>
-            </a:r>
-            <a:r>
-              <a:rPr lang="en-US" sz="6000" dirty="0" smtClean="0"/>
-              <a:t>2</a:t>
+              <a:t>Part 2</a:t>
             </a:r>
             <a:endParaRPr lang="ru-RU" sz="6000" dirty="0"/>
           </a:p>
@@ -7645,6 +7647,13 @@
   <p:clrMapOvr>
     <a:masterClrMapping/>
   </p:clrMapOvr>
+  <p:timing>
+    <p:tnLst>
+      <p:par>
+        <p:cTn id="1" dur="indefinite" restart="never" nodeType="tmRoot"/>
+      </p:par>
+    </p:tnLst>
+  </p:timing>
 </p:sld>
 </file>
 
@@ -7707,7 +7716,7 @@
         <p:spPr>
           <a:xfrm>
             <a:off x="1136824" y="867837"/>
-            <a:ext cx="4150752" cy="3416320"/>
+            <a:ext cx="4150752" cy="3831818"/>
           </a:xfrm>
           <a:prstGeom prst="rect">
             <a:avLst/>
@@ -7797,8 +7806,12 @@
               <a:buChar char="•"/>
             </a:pPr>
             <a:r>
+              <a:rPr lang="en-US" dirty="0" err="1" smtClean="0"/>
+              <a:t>AppData</a:t>
+            </a:r>
+            <a:r>
               <a:rPr lang="en-US" dirty="0" smtClean="0"/>
-              <a:t>Registry</a:t>
+              <a:t> folders</a:t>
             </a:r>
             <a:endParaRPr lang="en-US" dirty="0" smtClean="0"/>
           </a:p>
@@ -7812,17 +7825,8 @@
             </a:pPr>
             <a:r>
               <a:rPr lang="en-US" dirty="0" smtClean="0"/>
-              <a:t>Upgrade </a:t>
-            </a:r>
-            <a:r>
-              <a:rPr lang="en-US" dirty="0" smtClean="0"/>
-              <a:t>p</a:t>
-            </a:r>
-            <a:r>
-              <a:rPr lang="en-US" dirty="0" smtClean="0"/>
-              <a:t>ossibility</a:t>
-            </a:r>
-            <a:endParaRPr lang="en-US" dirty="0"/>
+              <a:t>Registry</a:t>
+            </a:r>
           </a:p>
           <a:p>
             <a:pPr marL="285750" indent="-285750">
@@ -7834,9 +7838,22 @@
             </a:pPr>
             <a:r>
               <a:rPr lang="en-US" dirty="0" smtClean="0"/>
+              <a:t>Upgrade possibility</a:t>
+            </a:r>
+            <a:endParaRPr lang="en-US" dirty="0"/>
+          </a:p>
+          <a:p>
+            <a:pPr marL="285750" indent="-285750">
+              <a:lnSpc>
+                <a:spcPct val="150000"/>
+              </a:lnSpc>
+              <a:buFont typeface="Arial" panose="020B0604020202020204" pitchFamily="34" charset="0"/>
+              <a:buChar char="•"/>
+            </a:pPr>
+            <a:r>
+              <a:rPr lang="en-US" dirty="0" smtClean="0"/>
               <a:t>Opening Readme.txt file at the end</a:t>
             </a:r>
-            <a:endParaRPr lang="en-US" dirty="0" smtClean="0"/>
           </a:p>
         </p:txBody>
       </p:sp>
@@ -7850,158 +7867,13 @@
   <p:clrMapOvr>
     <a:masterClrMapping/>
   </p:clrMapOvr>
-</p:sld>
-</file>
-
-<file path=ppt/slides/slide4.xml><?xml version="1.0" encoding="utf-8"?>
-<p:sld xmlns:a="http://schemas.openxmlformats.org/drawingml/2006/main" xmlns:r="http://schemas.openxmlformats.org/officeDocument/2006/relationships" xmlns:p="http://schemas.openxmlformats.org/presentationml/2006/main">
-  <p:cSld>
-    <p:spTree>
-      <p:nvGrpSpPr>
-        <p:cNvPr id="1" name=""/>
-        <p:cNvGrpSpPr/>
-        <p:nvPr/>
-      </p:nvGrpSpPr>
-      <p:grpSpPr>
-        <a:xfrm>
-          <a:off x="0" y="0"/>
-          <a:ext cx="0" cy="0"/>
-          <a:chOff x="0" y="0"/>
-          <a:chExt cx="0" cy="0"/>
-        </a:xfrm>
-      </p:grpSpPr>
-      <p:sp>
-        <p:nvSpPr>
-          <p:cNvPr id="6" name="Прямоугольник 5"/>
-          <p:cNvSpPr/>
-          <p:nvPr/>
-        </p:nvSpPr>
-        <p:spPr>
-          <a:xfrm>
-            <a:off x="713449" y="344617"/>
-            <a:ext cx="3257623" cy="523220"/>
-          </a:xfrm>
-          <a:prstGeom prst="rect">
-            <a:avLst/>
-          </a:prstGeom>
-        </p:spPr>
-        <p:txBody>
-          <a:bodyPr wrap="none">
-            <a:spAutoFit/>
-          </a:bodyPr>
-          <a:lstStyle/>
-          <a:p>
-            <a:r>
-              <a:rPr lang="en-US" sz="2800" dirty="0" smtClean="0"/>
-              <a:t>Built-in UI wizards:</a:t>
-            </a:r>
-            <a:endParaRPr lang="ru-RU" sz="2800" dirty="0"/>
-          </a:p>
-        </p:txBody>
-      </p:sp>
-      <p:sp>
-        <p:nvSpPr>
-          <p:cNvPr id="7" name="TextBox 6"/>
-          <p:cNvSpPr txBox="1"/>
-          <p:nvPr/>
-        </p:nvSpPr>
-        <p:spPr>
-          <a:xfrm>
-            <a:off x="1136824" y="867837"/>
-            <a:ext cx="2440412" cy="2118978"/>
-          </a:xfrm>
-          <a:prstGeom prst="rect">
-            <a:avLst/>
-          </a:prstGeom>
-          <a:noFill/>
-        </p:spPr>
-        <p:txBody>
-          <a:bodyPr wrap="none" rtlCol="0">
-            <a:spAutoFit/>
-          </a:bodyPr>
-          <a:lstStyle/>
-          <a:p>
-            <a:pPr marL="285750" indent="-285750">
-              <a:lnSpc>
-                <a:spcPct val="150000"/>
-              </a:lnSpc>
-              <a:buFont typeface="Arial" panose="020B0604020202020204" pitchFamily="34" charset="0"/>
-              <a:buChar char="•"/>
-            </a:pPr>
-            <a:r>
-              <a:rPr lang="en-US" dirty="0" err="1"/>
-              <a:t>WixUI_Advanced</a:t>
-            </a:r>
-            <a:endParaRPr lang="en-US" dirty="0"/>
-          </a:p>
-          <a:p>
-            <a:pPr marL="285750" indent="-285750">
-              <a:lnSpc>
-                <a:spcPct val="150000"/>
-              </a:lnSpc>
-              <a:buFont typeface="Arial" panose="020B0604020202020204" pitchFamily="34" charset="0"/>
-              <a:buChar char="•"/>
-            </a:pPr>
-            <a:r>
-              <a:rPr lang="en-US" dirty="0" err="1"/>
-              <a:t>WixUI_FeatureTree</a:t>
-            </a:r>
-            <a:endParaRPr lang="en-US" dirty="0"/>
-          </a:p>
-          <a:p>
-            <a:pPr marL="285750" indent="-285750">
-              <a:lnSpc>
-                <a:spcPct val="150000"/>
-              </a:lnSpc>
-              <a:buFont typeface="Arial" panose="020B0604020202020204" pitchFamily="34" charset="0"/>
-              <a:buChar char="•"/>
-            </a:pPr>
-            <a:r>
-              <a:rPr lang="en-US" dirty="0" err="1"/>
-              <a:t>WixUI_InstallDir</a:t>
-            </a:r>
-            <a:endParaRPr lang="en-US" dirty="0"/>
-          </a:p>
-          <a:p>
-            <a:pPr marL="285750" indent="-285750">
-              <a:lnSpc>
-                <a:spcPct val="150000"/>
-              </a:lnSpc>
-              <a:buFont typeface="Arial" panose="020B0604020202020204" pitchFamily="34" charset="0"/>
-              <a:buChar char="•"/>
-            </a:pPr>
-            <a:r>
-              <a:rPr lang="en-US" dirty="0" err="1"/>
-              <a:t>WixUI_Minimal</a:t>
-            </a:r>
-            <a:endParaRPr lang="en-US" dirty="0"/>
-          </a:p>
-          <a:p>
-            <a:pPr marL="285750" indent="-285750">
-              <a:lnSpc>
-                <a:spcPct val="150000"/>
-              </a:lnSpc>
-              <a:buFont typeface="Arial" panose="020B0604020202020204" pitchFamily="34" charset="0"/>
-              <a:buChar char="•"/>
-            </a:pPr>
-            <a:r>
-              <a:rPr lang="en-US" dirty="0" err="1"/>
-              <a:t>WixUI_Mondo</a:t>
-            </a:r>
-            <a:endParaRPr lang="en-US" dirty="0"/>
-          </a:p>
-        </p:txBody>
-      </p:sp>
-    </p:spTree>
-    <p:extLst>
-      <p:ext uri="{BB962C8B-B14F-4D97-AF65-F5344CB8AC3E}">
-        <p14:creationId xmlns:p14="http://schemas.microsoft.com/office/powerpoint/2010/main" val="2213262725"/>
-      </p:ext>
-    </p:extLst>
-  </p:cSld>
-  <p:clrMapOvr>
-    <a:masterClrMapping/>
-  </p:clrMapOvr>
+  <p:timing>
+    <p:tnLst>
+      <p:par>
+        <p:cTn id="1" dur="indefinite" restart="never" nodeType="tmRoot"/>
+      </p:par>
+    </p:tnLst>
+  </p:timing>
 </p:sld>
 </file>
 

--- a/Part 2/WiX Part 2.pptx
+++ b/Part 2/WiX Part 2.pptx
@@ -5,15 +5,16 @@
     <p:sldMasterId id="2147483660" r:id="rId2"/>
   </p:sldMasterIdLst>
   <p:notesMasterIdLst>
-    <p:notesMasterId r:id="rId6"/>
+    <p:notesMasterId r:id="rId7"/>
   </p:notesMasterIdLst>
   <p:handoutMasterIdLst>
-    <p:handoutMasterId r:id="rId7"/>
+    <p:handoutMasterId r:id="rId8"/>
   </p:handoutMasterIdLst>
   <p:sldIdLst>
     <p:sldId id="256" r:id="rId3"/>
     <p:sldId id="261" r:id="rId4"/>
     <p:sldId id="268" r:id="rId5"/>
+    <p:sldId id="269" r:id="rId6"/>
   </p:sldIdLst>
   <p:sldSz cx="12192000" cy="6858000"/>
   <p:notesSz cx="6858000" cy="9144000"/>
@@ -205,7 +206,7 @@
           <a:p>
             <a:fld id="{BE6FE14A-16AB-4C40-A7D8-3F677DBFF089}" type="datetimeFigureOut">
               <a:rPr lang="ru-RU" smtClean="0"/>
-              <a:t>04.01.2016</a:t>
+              <a:t>06.01.2016</a:t>
             </a:fld>
             <a:endParaRPr lang="ru-RU" dirty="0"/>
           </a:p>
@@ -370,7 +371,7 @@
           <a:p>
             <a:fld id="{C15A5BB7-EDD2-4B8D-93DB-AF0055258AEF}" type="datetimeFigureOut">
               <a:rPr lang="ru-RU" smtClean="0"/>
-              <a:t>04.01.2016</a:t>
+              <a:t>06.01.2016</a:t>
             </a:fld>
             <a:endParaRPr lang="ru-RU" dirty="0"/>
           </a:p>
@@ -1707,7 +1708,7 @@
           <a:p>
             <a:fld id="{FF11F0EC-4F60-4544-9956-271209A740FE}" type="datetimeFigureOut">
               <a:rPr lang="ru-RU" smtClean="0"/>
-              <a:t>04.01.2016</a:t>
+              <a:t>06.01.2016</a:t>
             </a:fld>
             <a:endParaRPr lang="ru-RU" dirty="0"/>
           </a:p>
@@ -1958,7 +1959,7 @@
           <a:p>
             <a:fld id="{FF11F0EC-4F60-4544-9956-271209A740FE}" type="datetimeFigureOut">
               <a:rPr lang="ru-RU" smtClean="0"/>
-              <a:t>04.01.2016</a:t>
+              <a:t>06.01.2016</a:t>
             </a:fld>
             <a:endParaRPr lang="ru-RU" dirty="0"/>
           </a:p>
@@ -2209,7 +2210,7 @@
           <a:p>
             <a:fld id="{FF11F0EC-4F60-4544-9956-271209A740FE}" type="datetimeFigureOut">
               <a:rPr lang="ru-RU" smtClean="0"/>
-              <a:t>04.01.2016</a:t>
+              <a:t>06.01.2016</a:t>
             </a:fld>
             <a:endParaRPr lang="ru-RU" dirty="0"/>
           </a:p>
@@ -2787,7 +2788,7 @@
           <a:p>
             <a:fld id="{FF11F0EC-4F60-4544-9956-271209A740FE}" type="datetimeFigureOut">
               <a:rPr lang="ru-RU" smtClean="0"/>
-              <a:t>04.01.2016</a:t>
+              <a:t>06.01.2016</a:t>
             </a:fld>
             <a:endParaRPr lang="ru-RU" dirty="0"/>
           </a:p>
@@ -3038,7 +3039,7 @@
           <a:p>
             <a:fld id="{FF11F0EC-4F60-4544-9956-271209A740FE}" type="datetimeFigureOut">
               <a:rPr lang="ru-RU" smtClean="0"/>
-              <a:t>04.01.2016</a:t>
+              <a:t>06.01.2016</a:t>
             </a:fld>
             <a:endParaRPr lang="ru-RU" dirty="0"/>
           </a:p>
@@ -3616,7 +3617,7 @@
           <a:p>
             <a:fld id="{FF11F0EC-4F60-4544-9956-271209A740FE}" type="datetimeFigureOut">
               <a:rPr lang="ru-RU" smtClean="0"/>
-              <a:t>04.01.2016</a:t>
+              <a:t>06.01.2016</a:t>
             </a:fld>
             <a:endParaRPr lang="ru-RU" dirty="0"/>
           </a:p>
@@ -3846,7 +3847,7 @@
           <a:p>
             <a:fld id="{FF11F0EC-4F60-4544-9956-271209A740FE}" type="datetimeFigureOut">
               <a:rPr lang="ru-RU" smtClean="0"/>
-              <a:t>04.01.2016</a:t>
+              <a:t>06.01.2016</a:t>
             </a:fld>
             <a:endParaRPr lang="ru-RU" dirty="0"/>
           </a:p>
@@ -4026,7 +4027,7 @@
           <a:p>
             <a:fld id="{FF11F0EC-4F60-4544-9956-271209A740FE}" type="datetimeFigureOut">
               <a:rPr lang="ru-RU" smtClean="0"/>
-              <a:t>04.01.2016</a:t>
+              <a:t>06.01.2016</a:t>
             </a:fld>
             <a:endParaRPr lang="ru-RU" dirty="0"/>
           </a:p>
@@ -4202,7 +4203,7 @@
           <a:p>
             <a:fld id="{FF11F0EC-4F60-4544-9956-271209A740FE}" type="datetimeFigureOut">
               <a:rPr lang="ru-RU" smtClean="0"/>
-              <a:t>04.01.2016</a:t>
+              <a:t>06.01.2016</a:t>
             </a:fld>
             <a:endParaRPr lang="ru-RU" dirty="0"/>
           </a:p>
@@ -4449,7 +4450,7 @@
           <a:p>
             <a:fld id="{FF11F0EC-4F60-4544-9956-271209A740FE}" type="datetimeFigureOut">
               <a:rPr lang="ru-RU" smtClean="0"/>
-              <a:t>04.01.2016</a:t>
+              <a:t>06.01.2016</a:t>
             </a:fld>
             <a:endParaRPr lang="ru-RU" dirty="0"/>
           </a:p>
@@ -4681,7 +4682,7 @@
           <a:p>
             <a:fld id="{FF11F0EC-4F60-4544-9956-271209A740FE}" type="datetimeFigureOut">
               <a:rPr lang="ru-RU" smtClean="0"/>
-              <a:t>04.01.2016</a:t>
+              <a:t>06.01.2016</a:t>
             </a:fld>
             <a:endParaRPr lang="ru-RU" dirty="0"/>
           </a:p>
@@ -5055,7 +5056,7 @@
           <a:p>
             <a:fld id="{FF11F0EC-4F60-4544-9956-271209A740FE}" type="datetimeFigureOut">
               <a:rPr lang="ru-RU" smtClean="0"/>
-              <a:t>04.01.2016</a:t>
+              <a:t>06.01.2016</a:t>
             </a:fld>
             <a:endParaRPr lang="ru-RU" dirty="0"/>
           </a:p>
@@ -5178,7 +5179,7 @@
           <a:p>
             <a:fld id="{FF11F0EC-4F60-4544-9956-271209A740FE}" type="datetimeFigureOut">
               <a:rPr lang="ru-RU" smtClean="0"/>
-              <a:t>04.01.2016</a:t>
+              <a:t>06.01.2016</a:t>
             </a:fld>
             <a:endParaRPr lang="ru-RU" dirty="0"/>
           </a:p>
@@ -5273,7 +5274,7 @@
           <a:p>
             <a:fld id="{FF11F0EC-4F60-4544-9956-271209A740FE}" type="datetimeFigureOut">
               <a:rPr lang="ru-RU" smtClean="0"/>
-              <a:t>04.01.2016</a:t>
+              <a:t>06.01.2016</a:t>
             </a:fld>
             <a:endParaRPr lang="ru-RU" dirty="0"/>
           </a:p>
@@ -5528,7 +5529,7 @@
           <a:p>
             <a:fld id="{FF11F0EC-4F60-4544-9956-271209A740FE}" type="datetimeFigureOut">
               <a:rPr lang="ru-RU" smtClean="0"/>
-              <a:t>04.01.2016</a:t>
+              <a:t>06.01.2016</a:t>
             </a:fld>
             <a:endParaRPr lang="ru-RU" dirty="0"/>
           </a:p>
@@ -5791,7 +5792,7 @@
           <a:p>
             <a:fld id="{FF11F0EC-4F60-4544-9956-271209A740FE}" type="datetimeFigureOut">
               <a:rPr lang="ru-RU" smtClean="0"/>
-              <a:t>04.01.2016</a:t>
+              <a:t>06.01.2016</a:t>
             </a:fld>
             <a:endParaRPr lang="ru-RU" dirty="0"/>
           </a:p>
@@ -6875,7 +6876,7 @@
           <a:p>
             <a:fld id="{FF11F0EC-4F60-4544-9956-271209A740FE}" type="datetimeFigureOut">
               <a:rPr lang="ru-RU" smtClean="0"/>
-              <a:t>04.01.2016</a:t>
+              <a:t>06.01.2016</a:t>
             </a:fld>
             <a:endParaRPr lang="ru-RU" dirty="0"/>
           </a:p>
@@ -7813,7 +7814,6 @@
               <a:rPr lang="en-US" dirty="0" smtClean="0"/>
               <a:t> folders</a:t>
             </a:r>
-            <a:endParaRPr lang="en-US" dirty="0" smtClean="0"/>
           </a:p>
           <a:p>
             <a:pPr marL="285750" indent="-285750">
@@ -7861,6 +7861,288 @@
     <p:extLst>
       <p:ext uri="{BB962C8B-B14F-4D97-AF65-F5344CB8AC3E}">
         <p14:creationId xmlns:p14="http://schemas.microsoft.com/office/powerpoint/2010/main" val="2689822490"/>
+      </p:ext>
+    </p:extLst>
+  </p:cSld>
+  <p:clrMapOvr>
+    <a:masterClrMapping/>
+  </p:clrMapOvr>
+  <p:timing>
+    <p:tnLst>
+      <p:par>
+        <p:cTn id="1" dur="indefinite" restart="never" nodeType="tmRoot"/>
+      </p:par>
+    </p:tnLst>
+  </p:timing>
+</p:sld>
+</file>
+
+<file path=ppt/slides/slide4.xml><?xml version="1.0" encoding="utf-8"?>
+<p:sld xmlns:a="http://schemas.openxmlformats.org/drawingml/2006/main" xmlns:r="http://schemas.openxmlformats.org/officeDocument/2006/relationships" xmlns:p="http://schemas.openxmlformats.org/presentationml/2006/main">
+  <p:cSld>
+    <p:spTree>
+      <p:nvGrpSpPr>
+        <p:cNvPr id="1" name=""/>
+        <p:cNvGrpSpPr/>
+        <p:nvPr/>
+      </p:nvGrpSpPr>
+      <p:grpSpPr>
+        <a:xfrm>
+          <a:off x="0" y="0"/>
+          <a:ext cx="0" cy="0"/>
+          <a:chOff x="0" y="0"/>
+          <a:chExt cx="0" cy="0"/>
+        </a:xfrm>
+      </p:grpSpPr>
+      <p:sp>
+        <p:nvSpPr>
+          <p:cNvPr id="6" name="Прямоугольник 5"/>
+          <p:cNvSpPr/>
+          <p:nvPr/>
+        </p:nvSpPr>
+        <p:spPr>
+          <a:xfrm>
+            <a:off x="713449" y="344617"/>
+            <a:ext cx="3790846" cy="523220"/>
+          </a:xfrm>
+          <a:prstGeom prst="rect">
+            <a:avLst/>
+          </a:prstGeom>
+        </p:spPr>
+        <p:txBody>
+          <a:bodyPr wrap="none">
+            <a:spAutoFit/>
+          </a:bodyPr>
+          <a:lstStyle/>
+          <a:p>
+            <a:r>
+              <a:rPr lang="en-US" sz="2800" dirty="0" smtClean="0"/>
+              <a:t>A Start Menu shortcut:</a:t>
+            </a:r>
+            <a:endParaRPr lang="ru-RU" sz="2800" dirty="0"/>
+          </a:p>
+        </p:txBody>
+      </p:sp>
+      <p:sp>
+        <p:nvSpPr>
+          <p:cNvPr id="7" name="TextBox 6"/>
+          <p:cNvSpPr txBox="1"/>
+          <p:nvPr/>
+        </p:nvSpPr>
+        <p:spPr>
+          <a:xfrm>
+            <a:off x="1136824" y="867837"/>
+            <a:ext cx="7742825" cy="4247317"/>
+          </a:xfrm>
+          <a:prstGeom prst="rect">
+            <a:avLst/>
+          </a:prstGeom>
+          <a:noFill/>
+        </p:spPr>
+        <p:txBody>
+          <a:bodyPr wrap="none" rtlCol="0">
+            <a:spAutoFit/>
+          </a:bodyPr>
+          <a:lstStyle/>
+          <a:p>
+            <a:pPr marL="285750" indent="-285750">
+              <a:lnSpc>
+                <a:spcPct val="150000"/>
+              </a:lnSpc>
+              <a:buFont typeface="Arial" panose="020B0604020202020204" pitchFamily="34" charset="0"/>
+              <a:buChar char="•"/>
+            </a:pPr>
+            <a:r>
+              <a:rPr lang="en-US" dirty="0" smtClean="0"/>
+              <a:t>Under </a:t>
+            </a:r>
+            <a:r>
+              <a:rPr lang="en-US" dirty="0" err="1" smtClean="0">
+                <a:solidFill>
+                  <a:srgbClr val="FF0000"/>
+                </a:solidFill>
+              </a:rPr>
+              <a:t>ProgramMenuFolder</a:t>
+            </a:r>
+            <a:r>
+              <a:rPr lang="en-US" dirty="0" smtClean="0"/>
+              <a:t> in the directories structure.</a:t>
+            </a:r>
+          </a:p>
+          <a:p>
+            <a:pPr marL="285750" indent="-285750">
+              <a:lnSpc>
+                <a:spcPct val="150000"/>
+              </a:lnSpc>
+              <a:buFont typeface="Arial" panose="020B0604020202020204" pitchFamily="34" charset="0"/>
+              <a:buChar char="•"/>
+            </a:pPr>
+            <a:r>
+              <a:rPr lang="en-US" dirty="0" smtClean="0"/>
+              <a:t>A separate components that contains:</a:t>
+            </a:r>
+          </a:p>
+          <a:p>
+            <a:pPr marL="742950" lvl="1" indent="-285750">
+              <a:lnSpc>
+                <a:spcPct val="150000"/>
+              </a:lnSpc>
+              <a:buFont typeface="Arial" panose="020B0604020202020204" pitchFamily="34" charset="0"/>
+              <a:buChar char="•"/>
+            </a:pPr>
+            <a:r>
+              <a:rPr lang="en-US" dirty="0" smtClean="0">
+                <a:solidFill>
+                  <a:srgbClr val="FF0000"/>
+                </a:solidFill>
+              </a:rPr>
+              <a:t>Shortcut</a:t>
+            </a:r>
+            <a:r>
+              <a:rPr lang="en-US" dirty="0" smtClean="0"/>
+              <a:t> element that describes shortcut itself:</a:t>
+            </a:r>
+          </a:p>
+          <a:p>
+            <a:pPr marL="1200150" lvl="2" indent="-285750">
+              <a:lnSpc>
+                <a:spcPct val="150000"/>
+              </a:lnSpc>
+              <a:buFont typeface="Arial" panose="020B0604020202020204" pitchFamily="34" charset="0"/>
+              <a:buChar char="•"/>
+            </a:pPr>
+            <a:r>
+              <a:rPr lang="en-US" dirty="0" smtClean="0"/>
+              <a:t>Target EXE file of the application </a:t>
+            </a:r>
+            <a:r>
+              <a:rPr lang="en-US" dirty="0"/>
+              <a:t>as </a:t>
+            </a:r>
+            <a:r>
+              <a:rPr lang="en-US" dirty="0">
+                <a:solidFill>
+                  <a:srgbClr val="FF0000"/>
+                </a:solidFill>
+              </a:rPr>
+              <a:t>Target="[#MyApp.exe</a:t>
+            </a:r>
+            <a:r>
+              <a:rPr lang="en-US" dirty="0" smtClean="0">
+                <a:solidFill>
+                  <a:srgbClr val="FF0000"/>
+                </a:solidFill>
+              </a:rPr>
+              <a:t>]"</a:t>
+            </a:r>
+            <a:r>
+              <a:rPr lang="en-US" dirty="0" smtClean="0"/>
+              <a:t>,</a:t>
+            </a:r>
+            <a:br>
+              <a:rPr lang="en-US" dirty="0" smtClean="0"/>
+            </a:br>
+            <a:r>
+              <a:rPr lang="en-US" dirty="0" smtClean="0"/>
+              <a:t>where </a:t>
+            </a:r>
+            <a:r>
+              <a:rPr lang="en-US" dirty="0" smtClean="0">
+                <a:solidFill>
+                  <a:srgbClr val="FF0000"/>
+                </a:solidFill>
+              </a:rPr>
+              <a:t>MyApp.exe</a:t>
+            </a:r>
+            <a:r>
+              <a:rPr lang="en-US" dirty="0" smtClean="0"/>
+              <a:t> – EXE file component ID.</a:t>
+            </a:r>
+          </a:p>
+          <a:p>
+            <a:pPr marL="742950" lvl="1" indent="-285750">
+              <a:lnSpc>
+                <a:spcPct val="150000"/>
+              </a:lnSpc>
+              <a:buFont typeface="Arial" panose="020B0604020202020204" pitchFamily="34" charset="0"/>
+              <a:buChar char="•"/>
+            </a:pPr>
+            <a:r>
+              <a:rPr lang="en-US" dirty="0" err="1" smtClean="0">
+                <a:solidFill>
+                  <a:srgbClr val="FF0000"/>
+                </a:solidFill>
+              </a:rPr>
+              <a:t>RemoveFolder</a:t>
+            </a:r>
+            <a:r>
+              <a:rPr lang="en-US" dirty="0" smtClean="0"/>
+              <a:t> element to delete folder from Start Menu</a:t>
+            </a:r>
+            <a:br>
+              <a:rPr lang="en-US" dirty="0" smtClean="0"/>
+            </a:br>
+            <a:r>
+              <a:rPr lang="en-US" dirty="0" smtClean="0"/>
+              <a:t>if it is created for the application,</a:t>
+            </a:r>
+          </a:p>
+          <a:p>
+            <a:pPr marL="742950" lvl="1" indent="-285750">
+              <a:lnSpc>
+                <a:spcPct val="150000"/>
+              </a:lnSpc>
+              <a:buFont typeface="Arial" panose="020B0604020202020204" pitchFamily="34" charset="0"/>
+              <a:buChar char="•"/>
+            </a:pPr>
+            <a:r>
+              <a:rPr lang="en-US" dirty="0" err="1" smtClean="0">
+                <a:solidFill>
+                  <a:srgbClr val="FF0000"/>
+                </a:solidFill>
+              </a:rPr>
+              <a:t>RegistryValue</a:t>
+            </a:r>
+            <a:r>
+              <a:rPr lang="en-US" dirty="0" smtClean="0"/>
+              <a:t> element for shortcut </a:t>
+            </a:r>
+            <a:r>
+              <a:rPr lang="en-US" dirty="0" err="1" smtClean="0"/>
+              <a:t>KeyPath</a:t>
+            </a:r>
+            <a:r>
+              <a:rPr lang="en-US" dirty="0" smtClean="0"/>
+              <a:t>.</a:t>
+            </a:r>
+            <a:endParaRPr lang="en-US" dirty="0"/>
+          </a:p>
+          <a:p>
+            <a:pPr marL="285750" indent="-285750">
+              <a:lnSpc>
+                <a:spcPct val="150000"/>
+              </a:lnSpc>
+              <a:buFont typeface="Arial" panose="020B0604020202020204" pitchFamily="34" charset="0"/>
+              <a:buChar char="•"/>
+            </a:pPr>
+            <a:r>
+              <a:rPr lang="en-US" dirty="0" smtClean="0"/>
+              <a:t>Shortcut component should be a part of the same feature that installs</a:t>
+            </a:r>
+            <a:br>
+              <a:rPr lang="en-US" dirty="0" smtClean="0"/>
+            </a:br>
+            <a:r>
+              <a:rPr lang="en-US" dirty="0" smtClean="0"/>
+              <a:t>application files.</a:t>
+            </a:r>
+          </a:p>
+        </p:txBody>
+      </p:sp>
+    </p:spTree>
+    <p:extLst>
+      <p:ext uri="{BB962C8B-B14F-4D97-AF65-F5344CB8AC3E}">
+        <p14:creationId xmlns:p14="http://schemas.microsoft.com/office/powerpoint/2010/main" val="4280660789"/>
       </p:ext>
     </p:extLst>
   </p:cSld>

--- a/Part 2/WiX Part 2.pptx
+++ b/Part 2/WiX Part 2.pptx
@@ -5,16 +5,17 @@
     <p:sldMasterId id="2147483660" r:id="rId2"/>
   </p:sldMasterIdLst>
   <p:notesMasterIdLst>
-    <p:notesMasterId r:id="rId7"/>
+    <p:notesMasterId r:id="rId8"/>
   </p:notesMasterIdLst>
   <p:handoutMasterIdLst>
-    <p:handoutMasterId r:id="rId8"/>
+    <p:handoutMasterId r:id="rId9"/>
   </p:handoutMasterIdLst>
   <p:sldIdLst>
     <p:sldId id="256" r:id="rId3"/>
     <p:sldId id="261" r:id="rId4"/>
     <p:sldId id="268" r:id="rId5"/>
-    <p:sldId id="269" r:id="rId6"/>
+    <p:sldId id="270" r:id="rId6"/>
+    <p:sldId id="269" r:id="rId7"/>
   </p:sldIdLst>
   <p:sldSz cx="12192000" cy="6858000"/>
   <p:notesSz cx="6858000" cy="9144000"/>
@@ -7878,6 +7879,453 @@
 </file>
 
 <file path=ppt/slides/slide4.xml><?xml version="1.0" encoding="utf-8"?>
+<p:sld xmlns:a="http://schemas.openxmlformats.org/drawingml/2006/main" xmlns:r="http://schemas.openxmlformats.org/officeDocument/2006/relationships" xmlns:p="http://schemas.openxmlformats.org/presentationml/2006/main">
+  <p:cSld>
+    <p:spTree>
+      <p:nvGrpSpPr>
+        <p:cNvPr id="1" name=""/>
+        <p:cNvGrpSpPr/>
+        <p:nvPr/>
+      </p:nvGrpSpPr>
+      <p:grpSpPr>
+        <a:xfrm>
+          <a:off x="0" y="0"/>
+          <a:ext cx="0" cy="0"/>
+          <a:chOff x="0" y="0"/>
+          <a:chExt cx="0" cy="0"/>
+        </a:xfrm>
+      </p:grpSpPr>
+      <p:sp>
+        <p:nvSpPr>
+          <p:cNvPr id="6" name="Прямоугольник 5"/>
+          <p:cNvSpPr/>
+          <p:nvPr/>
+        </p:nvSpPr>
+        <p:spPr>
+          <a:xfrm>
+            <a:off x="713449" y="344617"/>
+            <a:ext cx="2912016" cy="523220"/>
+          </a:xfrm>
+          <a:prstGeom prst="rect">
+            <a:avLst/>
+          </a:prstGeom>
+        </p:spPr>
+        <p:txBody>
+          <a:bodyPr wrap="none">
+            <a:spAutoFit/>
+          </a:bodyPr>
+          <a:lstStyle/>
+          <a:p>
+            <a:r>
+              <a:rPr lang="en-US" sz="2800" dirty="0" smtClean="0"/>
+              <a:t>Binder Variables:</a:t>
+            </a:r>
+            <a:endParaRPr lang="ru-RU" sz="2800" dirty="0"/>
+          </a:p>
+        </p:txBody>
+      </p:sp>
+      <p:sp>
+        <p:nvSpPr>
+          <p:cNvPr id="7" name="TextBox 6"/>
+          <p:cNvSpPr txBox="1"/>
+          <p:nvPr/>
+        </p:nvSpPr>
+        <p:spPr>
+          <a:xfrm>
+            <a:off x="1136824" y="867837"/>
+            <a:ext cx="4221027" cy="2169825"/>
+          </a:xfrm>
+          <a:prstGeom prst="rect">
+            <a:avLst/>
+          </a:prstGeom>
+          <a:noFill/>
+        </p:spPr>
+        <p:txBody>
+          <a:bodyPr wrap="none" rtlCol="0">
+            <a:spAutoFit/>
+          </a:bodyPr>
+          <a:lstStyle/>
+          <a:p>
+            <a:pPr>
+              <a:lnSpc>
+                <a:spcPct val="150000"/>
+              </a:lnSpc>
+            </a:pPr>
+            <a:r>
+              <a:rPr lang="en-US" dirty="0" smtClean="0"/>
+              <a:t>The version can be bound as following:</a:t>
+            </a:r>
+          </a:p>
+          <a:p>
+            <a:pPr>
+              <a:lnSpc>
+                <a:spcPct val="150000"/>
+              </a:lnSpc>
+            </a:pPr>
+            <a:endParaRPr lang="en-US" dirty="0"/>
+          </a:p>
+          <a:p>
+            <a:pPr>
+              <a:lnSpc>
+                <a:spcPct val="150000"/>
+              </a:lnSpc>
+            </a:pPr>
+            <a:endParaRPr lang="en-US" dirty="0"/>
+          </a:p>
+          <a:p>
+            <a:pPr>
+              <a:lnSpc>
+                <a:spcPct val="150000"/>
+              </a:lnSpc>
+            </a:pPr>
+            <a:r>
+              <a:rPr lang="en-US" dirty="0" smtClean="0"/>
+              <a:t>Binder construction:</a:t>
+            </a:r>
+          </a:p>
+          <a:p>
+            <a:pPr>
+              <a:lnSpc>
+                <a:spcPct val="150000"/>
+              </a:lnSpc>
+            </a:pPr>
+            <a:r>
+              <a:rPr lang="en-US" dirty="0"/>
+              <a:t> </a:t>
+            </a:r>
+            <a:r>
+              <a:rPr lang="en-US" dirty="0" smtClean="0"/>
+              <a:t>   !(</a:t>
+            </a:r>
+            <a:r>
+              <a:rPr lang="en-US" dirty="0" err="1"/>
+              <a:t>bind.</a:t>
+            </a:r>
+            <a:r>
+              <a:rPr lang="en-US" dirty="0" err="1">
+                <a:solidFill>
+                  <a:srgbClr val="FF0000"/>
+                </a:solidFill>
+              </a:rPr>
+              <a:t>VariableName</a:t>
+            </a:r>
+            <a:r>
+              <a:rPr lang="en-US" dirty="0" err="1"/>
+              <a:t>.</a:t>
+            </a:r>
+            <a:r>
+              <a:rPr lang="en-US" dirty="0" err="1">
+                <a:solidFill>
+                  <a:srgbClr val="00B050"/>
+                </a:solidFill>
+              </a:rPr>
+              <a:t>FileId</a:t>
+            </a:r>
+            <a:r>
+              <a:rPr lang="en-US" dirty="0"/>
+              <a:t>)</a:t>
+            </a:r>
+            <a:endParaRPr lang="en-US" dirty="0" smtClean="0"/>
+          </a:p>
+        </p:txBody>
+      </p:sp>
+      <p:sp>
+        <p:nvSpPr>
+          <p:cNvPr id="2" name="Rectangle 1"/>
+          <p:cNvSpPr>
+            <a:spLocks noChangeArrowheads="1"/>
+          </p:cNvSpPr>
+          <p:nvPr/>
+        </p:nvSpPr>
+        <p:spPr bwMode="auto">
+          <a:xfrm>
+            <a:off x="1446415" y="1391057"/>
+            <a:ext cx="5054138" cy="307777"/>
+          </a:xfrm>
+          <a:prstGeom prst="rect">
+            <a:avLst/>
+          </a:prstGeom>
+          <a:solidFill>
+            <a:srgbClr val="FFFFFF"/>
+          </a:solidFill>
+          <a:ln>
+            <a:noFill/>
+          </a:ln>
+          <a:effectLst/>
+          <a:extLst>
+            <a:ext uri="{91240B29-F687-4F45-9708-019B960494DF}">
+              <a14:hiddenLine xmlns:a14="http://schemas.microsoft.com/office/drawing/2010/main" w="9525">
+                <a:solidFill>
+                  <a:schemeClr val="tx1"/>
+                </a:solidFill>
+                <a:miter lim="800000"/>
+                <a:headEnd/>
+                <a:tailEnd/>
+              </a14:hiddenLine>
+            </a:ext>
+            <a:ext uri="{AF507438-7753-43E0-B8FC-AC1667EBCBE1}">
+              <a14:hiddenEffects xmlns:a14="http://schemas.microsoft.com/office/drawing/2010/main">
+                <a:effectLst>
+                  <a:outerShdw dist="35921" dir="2700000" algn="ctr" rotWithShape="0">
+                    <a:schemeClr val="bg2"/>
+                  </a:outerShdw>
+                </a:effectLst>
+              </a14:hiddenEffects>
+            </a:ext>
+          </a:extLst>
+        </p:spPr>
+        <p:txBody>
+          <a:bodyPr vert="horz" wrap="square" lIns="91440" tIns="45720" rIns="91440" bIns="45720" numCol="1" anchor="ctr" anchorCtr="0" compatLnSpc="1">
+            <a:prstTxWarp prst="textNoShape">
+              <a:avLst/>
+            </a:prstTxWarp>
+            <a:spAutoFit/>
+          </a:bodyPr>
+          <a:lstStyle/>
+          <a:p>
+            <a:pPr marL="0" marR="0" lvl="0" indent="0" algn="l" defTabSz="914400" rtl="0" eaLnBrk="0" fontAlgn="base" latinLnBrk="0" hangingPunct="0">
+              <a:lnSpc>
+                <a:spcPct val="100000"/>
+              </a:lnSpc>
+              <a:spcBef>
+                <a:spcPct val="0"/>
+              </a:spcBef>
+              <a:spcAft>
+                <a:spcPct val="0"/>
+              </a:spcAft>
+              <a:buClrTx/>
+              <a:buSzTx/>
+              <a:buFontTx/>
+              <a:buNone/>
+              <a:tabLst/>
+            </a:pPr>
+            <a:r>
+              <a:rPr kumimoji="0" lang="ru-RU" altLang="ru-RU" sz="1400" b="0" i="0" u="none" strike="noStrike" cap="none" normalizeH="0" baseline="0" dirty="0" smtClean="0">
+                <a:ln>
+                  <a:noFill/>
+                </a:ln>
+                <a:solidFill>
+                  <a:srgbClr val="0000FF"/>
+                </a:solidFill>
+                <a:effectLst/>
+                <a:latin typeface="Consolas" panose="020B0609020204030204" pitchFamily="49" charset="0"/>
+                <a:cs typeface="Consolas" panose="020B0609020204030204" pitchFamily="49" charset="0"/>
+              </a:rPr>
+              <a:t>&lt;</a:t>
+            </a:r>
+            <a:r>
+              <a:rPr kumimoji="0" lang="ru-RU" altLang="ru-RU" sz="1400" b="0" i="0" u="none" strike="noStrike" cap="none" normalizeH="0" baseline="0" dirty="0" err="1" smtClean="0">
+                <a:ln>
+                  <a:noFill/>
+                </a:ln>
+                <a:solidFill>
+                  <a:srgbClr val="A31515"/>
+                </a:solidFill>
+                <a:effectLst/>
+                <a:latin typeface="Consolas" panose="020B0609020204030204" pitchFamily="49" charset="0"/>
+                <a:cs typeface="Consolas" panose="020B0609020204030204" pitchFamily="49" charset="0"/>
+              </a:rPr>
+              <a:t>Product</a:t>
+            </a:r>
+            <a:r>
+              <a:rPr kumimoji="0" lang="ru-RU" altLang="ru-RU" sz="1400" b="0" i="0" u="none" strike="noStrike" cap="none" normalizeH="0" baseline="0" dirty="0" smtClean="0">
+                <a:ln>
+                  <a:noFill/>
+                </a:ln>
+                <a:solidFill>
+                  <a:srgbClr val="0000FF"/>
+                </a:solidFill>
+                <a:effectLst/>
+                <a:latin typeface="Consolas" panose="020B0609020204030204" pitchFamily="49" charset="0"/>
+                <a:cs typeface="Consolas" panose="020B0609020204030204" pitchFamily="49" charset="0"/>
+              </a:rPr>
+              <a:t> </a:t>
+            </a:r>
+            <a:r>
+              <a:rPr kumimoji="0" lang="ru-RU" altLang="ru-RU" sz="1400" b="0" i="0" u="none" strike="noStrike" cap="none" normalizeH="0" baseline="0" dirty="0" err="1" smtClean="0">
+                <a:ln>
+                  <a:noFill/>
+                </a:ln>
+                <a:solidFill>
+                  <a:srgbClr val="FF0000"/>
+                </a:solidFill>
+                <a:effectLst/>
+                <a:latin typeface="Consolas" panose="020B0609020204030204" pitchFamily="49" charset="0"/>
+                <a:cs typeface="Consolas" panose="020B0609020204030204" pitchFamily="49" charset="0"/>
+              </a:rPr>
+              <a:t>Version</a:t>
+            </a:r>
+            <a:r>
+              <a:rPr kumimoji="0" lang="ru-RU" altLang="ru-RU" sz="1400" b="0" i="0" u="none" strike="noStrike" cap="none" normalizeH="0" baseline="0" dirty="0" smtClean="0">
+                <a:ln>
+                  <a:noFill/>
+                </a:ln>
+                <a:solidFill>
+                  <a:srgbClr val="0000FF"/>
+                </a:solidFill>
+                <a:effectLst/>
+                <a:latin typeface="Consolas" panose="020B0609020204030204" pitchFamily="49" charset="0"/>
+                <a:cs typeface="Consolas" panose="020B0609020204030204" pitchFamily="49" charset="0"/>
+              </a:rPr>
+              <a:t>=</a:t>
+            </a:r>
+            <a:r>
+              <a:rPr kumimoji="0" lang="ru-RU" altLang="ru-RU" sz="1400" b="0" i="0" u="none" strike="noStrike" cap="none" normalizeH="0" baseline="0" dirty="0" smtClean="0">
+                <a:ln>
+                  <a:noFill/>
+                </a:ln>
+                <a:solidFill>
+                  <a:srgbClr val="000000"/>
+                </a:solidFill>
+                <a:effectLst/>
+                <a:latin typeface="Consolas" panose="020B0609020204030204" pitchFamily="49" charset="0"/>
+                <a:cs typeface="Consolas" panose="020B0609020204030204" pitchFamily="49" charset="0"/>
+              </a:rPr>
+              <a:t>"</a:t>
+            </a:r>
+            <a:r>
+              <a:rPr kumimoji="0" lang="ru-RU" altLang="ru-RU" sz="1400" b="0" i="0" u="none" strike="noStrike" cap="none" normalizeH="0" baseline="0" dirty="0" smtClean="0">
+                <a:ln>
+                  <a:noFill/>
+                </a:ln>
+                <a:solidFill>
+                  <a:srgbClr val="0000FF"/>
+                </a:solidFill>
+                <a:effectLst/>
+                <a:latin typeface="Consolas" panose="020B0609020204030204" pitchFamily="49" charset="0"/>
+                <a:cs typeface="Consolas" panose="020B0609020204030204" pitchFamily="49" charset="0"/>
+              </a:rPr>
+              <a:t>!(bind.FileVersion.MyApp.exe)</a:t>
+            </a:r>
+            <a:r>
+              <a:rPr kumimoji="0" lang="ru-RU" altLang="ru-RU" sz="1400" b="0" i="0" u="none" strike="noStrike" cap="none" normalizeH="0" baseline="0" dirty="0" smtClean="0">
+                <a:ln>
+                  <a:noFill/>
+                </a:ln>
+                <a:solidFill>
+                  <a:srgbClr val="000000"/>
+                </a:solidFill>
+                <a:effectLst/>
+                <a:latin typeface="Consolas" panose="020B0609020204030204" pitchFamily="49" charset="0"/>
+                <a:cs typeface="Consolas" panose="020B0609020204030204" pitchFamily="49" charset="0"/>
+              </a:rPr>
+              <a:t>"</a:t>
+            </a:r>
+            <a:r>
+              <a:rPr kumimoji="0" lang="ru-RU" altLang="ru-RU" sz="1400" b="0" i="0" u="none" strike="noStrike" cap="none" normalizeH="0" baseline="0" dirty="0" smtClean="0">
+                <a:ln>
+                  <a:noFill/>
+                </a:ln>
+                <a:solidFill>
+                  <a:srgbClr val="0000FF"/>
+                </a:solidFill>
+                <a:effectLst/>
+                <a:latin typeface="Consolas" panose="020B0609020204030204" pitchFamily="49" charset="0"/>
+                <a:cs typeface="Consolas" panose="020B0609020204030204" pitchFamily="49" charset="0"/>
+              </a:rPr>
+              <a:t>&gt;</a:t>
+            </a:r>
+            <a:endParaRPr kumimoji="0" lang="ru-RU" altLang="ru-RU" sz="1400" b="0" i="0" u="none" strike="noStrike" cap="none" normalizeH="0" baseline="0" dirty="0" smtClean="0">
+              <a:ln>
+                <a:noFill/>
+              </a:ln>
+              <a:solidFill>
+                <a:schemeClr val="tx1"/>
+              </a:solidFill>
+              <a:effectLst/>
+              <a:latin typeface="Arial" panose="020B0604020202020204" pitchFamily="34" charset="0"/>
+            </a:endParaRPr>
+          </a:p>
+        </p:txBody>
+      </p:sp>
+      <p:sp>
+        <p:nvSpPr>
+          <p:cNvPr id="5" name="Прямоугольник 4"/>
+          <p:cNvSpPr/>
+          <p:nvPr/>
+        </p:nvSpPr>
+        <p:spPr>
+          <a:xfrm>
+            <a:off x="1136823" y="3411677"/>
+            <a:ext cx="7829387" cy="923330"/>
+          </a:xfrm>
+          <a:prstGeom prst="rect">
+            <a:avLst/>
+          </a:prstGeom>
+        </p:spPr>
+        <p:txBody>
+          <a:bodyPr wrap="none">
+            <a:spAutoFit/>
+          </a:bodyPr>
+          <a:lstStyle/>
+          <a:p>
+            <a:pPr>
+              <a:lnSpc>
+                <a:spcPct val="150000"/>
+              </a:lnSpc>
+            </a:pPr>
+            <a:r>
+              <a:rPr lang="en-US" dirty="0" smtClean="0"/>
+              <a:t>The list of available variables:</a:t>
+            </a:r>
+          </a:p>
+          <a:p>
+            <a:pPr>
+              <a:lnSpc>
+                <a:spcPct val="150000"/>
+              </a:lnSpc>
+            </a:pPr>
+            <a:r>
+              <a:rPr lang="en-US" dirty="0"/>
+              <a:t> </a:t>
+            </a:r>
+            <a:r>
+              <a:rPr lang="en-US" dirty="0" smtClean="0"/>
+              <a:t>   </a:t>
+            </a:r>
+            <a:r>
+              <a:rPr lang="ru-RU" dirty="0" smtClean="0">
+                <a:hlinkClick r:id="rId2"/>
+              </a:rPr>
+              <a:t>http</a:t>
+            </a:r>
+            <a:r>
+              <a:rPr lang="ru-RU" dirty="0">
+                <a:hlinkClick r:id="rId2"/>
+              </a:rPr>
+              <a:t>://</a:t>
+            </a:r>
+            <a:r>
+              <a:rPr lang="ru-RU" dirty="0" smtClean="0">
+                <a:hlinkClick r:id="rId2"/>
+              </a:rPr>
+              <a:t>wixtoolset.org/documentation/manual/v3/overview/light.html</a:t>
+            </a:r>
+            <a:endParaRPr lang="en-US" dirty="0"/>
+          </a:p>
+        </p:txBody>
+      </p:sp>
+    </p:spTree>
+    <p:extLst>
+      <p:ext uri="{BB962C8B-B14F-4D97-AF65-F5344CB8AC3E}">
+        <p14:creationId xmlns:p14="http://schemas.microsoft.com/office/powerpoint/2010/main" val="2366324046"/>
+      </p:ext>
+    </p:extLst>
+  </p:cSld>
+  <p:clrMapOvr>
+    <a:masterClrMapping/>
+  </p:clrMapOvr>
+  <p:timing>
+    <p:tnLst>
+      <p:par>
+        <p:cTn id="1" dur="indefinite" restart="never" nodeType="tmRoot"/>
+      </p:par>
+    </p:tnLst>
+  </p:timing>
+</p:sld>
+</file>
+
+<file path=ppt/slides/slide5.xml><?xml version="1.0" encoding="utf-8"?>
 <p:sld xmlns:a="http://schemas.openxmlformats.org/drawingml/2006/main" xmlns:r="http://schemas.openxmlformats.org/officeDocument/2006/relationships" xmlns:p="http://schemas.openxmlformats.org/presentationml/2006/main">
   <p:cSld>
     <p:spTree>

--- a/Part 2/WiX Part 2.pptx
+++ b/Part 2/WiX Part 2.pptx
@@ -7401,48 +7401,6 @@
           <a:chExt cx="0" cy="0"/>
         </a:xfrm>
       </p:grpSpPr>
-      <p:pic>
-        <p:nvPicPr>
-          <p:cNvPr id="4" name="Picture 2" descr="http://ergindemirel.com/wp/wp-content/uploads/2013/05/wixlogolarge-300x133.jpg"/>
-          <p:cNvPicPr>
-            <a:picLocks noChangeAspect="1" noChangeArrowheads="1"/>
-          </p:cNvPicPr>
-          <p:nvPr/>
-        </p:nvPicPr>
-        <p:blipFill>
-          <a:blip r:embed="rId2">
-            <a:extLst>
-              <a:ext uri="{28A0092B-C50C-407E-A947-70E740481C1C}">
-                <a14:useLocalDpi xmlns:a14="http://schemas.microsoft.com/office/drawing/2010/main" val="0"/>
-              </a:ext>
-            </a:extLst>
-          </a:blip>
-          <a:srcRect/>
-          <a:stretch>
-            <a:fillRect/>
-          </a:stretch>
-        </p:blipFill>
-        <p:spPr bwMode="auto">
-          <a:xfrm>
-            <a:off x="3645758" y="1013216"/>
-            <a:ext cx="2857500" cy="1266826"/>
-          </a:xfrm>
-          <a:prstGeom prst="rect">
-            <a:avLst/>
-          </a:prstGeom>
-          <a:noFill/>
-          <a:effectLst/>
-          <a:extLst>
-            <a:ext uri="{909E8E84-426E-40DD-AFC4-6F175D3DCCD1}">
-              <a14:hiddenFill xmlns:a14="http://schemas.microsoft.com/office/drawing/2010/main">
-                <a:solidFill>
-                  <a:srgbClr val="FFFFFF"/>
-                </a:solidFill>
-              </a14:hiddenFill>
-            </a:ext>
-          </a:extLst>
-        </p:spPr>
-      </p:pic>
       <p:sp>
         <p:nvSpPr>
           <p:cNvPr id="6" name="TextBox 5"/>
@@ -7512,7 +7470,7 @@
           <p:nvPr/>
         </p:nvPicPr>
         <p:blipFill rotWithShape="1">
-          <a:blip r:embed="rId3">
+          <a:blip r:embed="rId2">
             <a:extLst>
               <a:ext uri="{28A0092B-C50C-407E-A947-70E740481C1C}">
                 <a14:useLocalDpi xmlns:a14="http://schemas.microsoft.com/office/drawing/2010/main" val="0"/>
@@ -7531,6 +7489,56 @@
             <a:avLst/>
           </a:prstGeom>
           <a:noFill/>
+          <a:extLst>
+            <a:ext uri="{909E8E84-426E-40DD-AFC4-6F175D3DCCD1}">
+              <a14:hiddenFill xmlns:a14="http://schemas.microsoft.com/office/drawing/2010/main">
+                <a:solidFill>
+                  <a:srgbClr val="FFFFFF"/>
+                </a:solidFill>
+              </a14:hiddenFill>
+            </a:ext>
+          </a:extLst>
+        </p:spPr>
+      </p:pic>
+      <p:pic>
+        <p:nvPicPr>
+          <p:cNvPr id="2" name="Picture 2" descr="http://wixtoolset.org/content/logo-black-hollow-md.png"/>
+          <p:cNvPicPr>
+            <a:picLocks noChangeAspect="1" noChangeArrowheads="1"/>
+          </p:cNvPicPr>
+          <p:nvPr/>
+        </p:nvPicPr>
+        <p:blipFill>
+          <a:blip r:embed="rId3">
+            <a:extLst>
+              <a:ext uri="{28A0092B-C50C-407E-A947-70E740481C1C}">
+                <a14:useLocalDpi xmlns:a14="http://schemas.microsoft.com/office/drawing/2010/main" val="0"/>
+              </a:ext>
+            </a:extLst>
+          </a:blip>
+          <a:srcRect/>
+          <a:stretch>
+            <a:fillRect/>
+          </a:stretch>
+        </p:blipFill>
+        <p:spPr bwMode="auto">
+          <a:xfrm>
+            <a:off x="2849389" y="694129"/>
+            <a:ext cx="3000375" cy="1905000"/>
+          </a:xfrm>
+          <a:prstGeom prst="rect">
+            <a:avLst/>
+          </a:prstGeom>
+          <a:ln>
+            <a:noFill/>
+          </a:ln>
+          <a:effectLst>
+            <a:outerShdw blurRad="127000" dist="38100" dir="8100000" sx="102000" sy="102000" algn="tr" rotWithShape="0">
+              <a:prstClr val="black">
+                <a:alpha val="70000"/>
+              </a:prstClr>
+            </a:outerShdw>
+          </a:effectLst>
           <a:extLst>
             <a:ext uri="{909E8E84-426E-40DD-AFC4-6F175D3DCCD1}">
               <a14:hiddenFill xmlns:a14="http://schemas.microsoft.com/office/drawing/2010/main">
@@ -7769,9 +7777,10 @@
               <a:buChar char="•"/>
             </a:pPr>
             <a:r>
-              <a:rPr lang="en-US" dirty="0" smtClean="0"/>
-              <a:t>Environment variables</a:t>
-            </a:r>
+              <a:rPr lang="en-US" smtClean="0"/>
+              <a:t>Preprocessor</a:t>
+            </a:r>
+            <a:endParaRPr lang="en-US" dirty="0" smtClean="0"/>
           </a:p>
           <a:p>
             <a:pPr marL="285750" indent="-285750">

--- a/Part 2/WiX Part 2.pptx
+++ b/Part 2/WiX Part 2.pptx
@@ -5,17 +5,21 @@
     <p:sldMasterId id="2147483660" r:id="rId2"/>
   </p:sldMasterIdLst>
   <p:notesMasterIdLst>
-    <p:notesMasterId r:id="rId8"/>
+    <p:notesMasterId r:id="rId12"/>
   </p:notesMasterIdLst>
   <p:handoutMasterIdLst>
-    <p:handoutMasterId r:id="rId9"/>
+    <p:handoutMasterId r:id="rId13"/>
   </p:handoutMasterIdLst>
   <p:sldIdLst>
     <p:sldId id="256" r:id="rId3"/>
     <p:sldId id="261" r:id="rId4"/>
     <p:sldId id="268" r:id="rId5"/>
     <p:sldId id="270" r:id="rId6"/>
-    <p:sldId id="269" r:id="rId7"/>
+    <p:sldId id="271" r:id="rId7"/>
+    <p:sldId id="272" r:id="rId8"/>
+    <p:sldId id="269" r:id="rId9"/>
+    <p:sldId id="273" r:id="rId10"/>
+    <p:sldId id="274" r:id="rId11"/>
   </p:sldIdLst>
   <p:sldSz cx="12192000" cy="6858000"/>
   <p:notesSz cx="6858000" cy="9144000"/>
@@ -207,7 +211,7 @@
           <a:p>
             <a:fld id="{BE6FE14A-16AB-4C40-A7D8-3F677DBFF089}" type="datetimeFigureOut">
               <a:rPr lang="ru-RU" smtClean="0"/>
-              <a:t>06.01.2016</a:t>
+              <a:t>07.01.2016</a:t>
             </a:fld>
             <a:endParaRPr lang="ru-RU" dirty="0"/>
           </a:p>
@@ -372,7 +376,7 @@
           <a:p>
             <a:fld id="{C15A5BB7-EDD2-4B8D-93DB-AF0055258AEF}" type="datetimeFigureOut">
               <a:rPr lang="ru-RU" smtClean="0"/>
-              <a:t>06.01.2016</a:t>
+              <a:t>07.01.2016</a:t>
             </a:fld>
             <a:endParaRPr lang="ru-RU" dirty="0"/>
           </a:p>
@@ -1709,7 +1713,7 @@
           <a:p>
             <a:fld id="{FF11F0EC-4F60-4544-9956-271209A740FE}" type="datetimeFigureOut">
               <a:rPr lang="ru-RU" smtClean="0"/>
-              <a:t>06.01.2016</a:t>
+              <a:t>07.01.2016</a:t>
             </a:fld>
             <a:endParaRPr lang="ru-RU" dirty="0"/>
           </a:p>
@@ -1960,7 +1964,7 @@
           <a:p>
             <a:fld id="{FF11F0EC-4F60-4544-9956-271209A740FE}" type="datetimeFigureOut">
               <a:rPr lang="ru-RU" smtClean="0"/>
-              <a:t>06.01.2016</a:t>
+              <a:t>07.01.2016</a:t>
             </a:fld>
             <a:endParaRPr lang="ru-RU" dirty="0"/>
           </a:p>
@@ -2211,7 +2215,7 @@
           <a:p>
             <a:fld id="{FF11F0EC-4F60-4544-9956-271209A740FE}" type="datetimeFigureOut">
               <a:rPr lang="ru-RU" smtClean="0"/>
-              <a:t>06.01.2016</a:t>
+              <a:t>07.01.2016</a:t>
             </a:fld>
             <a:endParaRPr lang="ru-RU" dirty="0"/>
           </a:p>
@@ -2789,7 +2793,7 @@
           <a:p>
             <a:fld id="{FF11F0EC-4F60-4544-9956-271209A740FE}" type="datetimeFigureOut">
               <a:rPr lang="ru-RU" smtClean="0"/>
-              <a:t>06.01.2016</a:t>
+              <a:t>07.01.2016</a:t>
             </a:fld>
             <a:endParaRPr lang="ru-RU" dirty="0"/>
           </a:p>
@@ -3040,7 +3044,7 @@
           <a:p>
             <a:fld id="{FF11F0EC-4F60-4544-9956-271209A740FE}" type="datetimeFigureOut">
               <a:rPr lang="ru-RU" smtClean="0"/>
-              <a:t>06.01.2016</a:t>
+              <a:t>07.01.2016</a:t>
             </a:fld>
             <a:endParaRPr lang="ru-RU" dirty="0"/>
           </a:p>
@@ -3618,7 +3622,7 @@
           <a:p>
             <a:fld id="{FF11F0EC-4F60-4544-9956-271209A740FE}" type="datetimeFigureOut">
               <a:rPr lang="ru-RU" smtClean="0"/>
-              <a:t>06.01.2016</a:t>
+              <a:t>07.01.2016</a:t>
             </a:fld>
             <a:endParaRPr lang="ru-RU" dirty="0"/>
           </a:p>
@@ -3848,7 +3852,7 @@
           <a:p>
             <a:fld id="{FF11F0EC-4F60-4544-9956-271209A740FE}" type="datetimeFigureOut">
               <a:rPr lang="ru-RU" smtClean="0"/>
-              <a:t>06.01.2016</a:t>
+              <a:t>07.01.2016</a:t>
             </a:fld>
             <a:endParaRPr lang="ru-RU" dirty="0"/>
           </a:p>
@@ -4028,7 +4032,7 @@
           <a:p>
             <a:fld id="{FF11F0EC-4F60-4544-9956-271209A740FE}" type="datetimeFigureOut">
               <a:rPr lang="ru-RU" smtClean="0"/>
-              <a:t>06.01.2016</a:t>
+              <a:t>07.01.2016</a:t>
             </a:fld>
             <a:endParaRPr lang="ru-RU" dirty="0"/>
           </a:p>
@@ -4204,7 +4208,7 @@
           <a:p>
             <a:fld id="{FF11F0EC-4F60-4544-9956-271209A740FE}" type="datetimeFigureOut">
               <a:rPr lang="ru-RU" smtClean="0"/>
-              <a:t>06.01.2016</a:t>
+              <a:t>07.01.2016</a:t>
             </a:fld>
             <a:endParaRPr lang="ru-RU" dirty="0"/>
           </a:p>
@@ -4451,7 +4455,7 @@
           <a:p>
             <a:fld id="{FF11F0EC-4F60-4544-9956-271209A740FE}" type="datetimeFigureOut">
               <a:rPr lang="ru-RU" smtClean="0"/>
-              <a:t>06.01.2016</a:t>
+              <a:t>07.01.2016</a:t>
             </a:fld>
             <a:endParaRPr lang="ru-RU" dirty="0"/>
           </a:p>
@@ -4683,7 +4687,7 @@
           <a:p>
             <a:fld id="{FF11F0EC-4F60-4544-9956-271209A740FE}" type="datetimeFigureOut">
               <a:rPr lang="ru-RU" smtClean="0"/>
-              <a:t>06.01.2016</a:t>
+              <a:t>07.01.2016</a:t>
             </a:fld>
             <a:endParaRPr lang="ru-RU" dirty="0"/>
           </a:p>
@@ -5057,7 +5061,7 @@
           <a:p>
             <a:fld id="{FF11F0EC-4F60-4544-9956-271209A740FE}" type="datetimeFigureOut">
               <a:rPr lang="ru-RU" smtClean="0"/>
-              <a:t>06.01.2016</a:t>
+              <a:t>07.01.2016</a:t>
             </a:fld>
             <a:endParaRPr lang="ru-RU" dirty="0"/>
           </a:p>
@@ -5180,7 +5184,7 @@
           <a:p>
             <a:fld id="{FF11F0EC-4F60-4544-9956-271209A740FE}" type="datetimeFigureOut">
               <a:rPr lang="ru-RU" smtClean="0"/>
-              <a:t>06.01.2016</a:t>
+              <a:t>07.01.2016</a:t>
             </a:fld>
             <a:endParaRPr lang="ru-RU" dirty="0"/>
           </a:p>
@@ -5275,7 +5279,7 @@
           <a:p>
             <a:fld id="{FF11F0EC-4F60-4544-9956-271209A740FE}" type="datetimeFigureOut">
               <a:rPr lang="ru-RU" smtClean="0"/>
-              <a:t>06.01.2016</a:t>
+              <a:t>07.01.2016</a:t>
             </a:fld>
             <a:endParaRPr lang="ru-RU" dirty="0"/>
           </a:p>
@@ -5530,7 +5534,7 @@
           <a:p>
             <a:fld id="{FF11F0EC-4F60-4544-9956-271209A740FE}" type="datetimeFigureOut">
               <a:rPr lang="ru-RU" smtClean="0"/>
-              <a:t>06.01.2016</a:t>
+              <a:t>07.01.2016</a:t>
             </a:fld>
             <a:endParaRPr lang="ru-RU" dirty="0"/>
           </a:p>
@@ -5793,7 +5797,7 @@
           <a:p>
             <a:fld id="{FF11F0EC-4F60-4544-9956-271209A740FE}" type="datetimeFigureOut">
               <a:rPr lang="ru-RU" smtClean="0"/>
-              <a:t>06.01.2016</a:t>
+              <a:t>07.01.2016</a:t>
             </a:fld>
             <a:endParaRPr lang="ru-RU" dirty="0"/>
           </a:p>
@@ -6877,7 +6881,7 @@
           <a:p>
             <a:fld id="{FF11F0EC-4F60-4544-9956-271209A740FE}" type="datetimeFigureOut">
               <a:rPr lang="ru-RU" smtClean="0"/>
-              <a:t>06.01.2016</a:t>
+              <a:t>07.01.2016</a:t>
             </a:fld>
             <a:endParaRPr lang="ru-RU" dirty="0"/>
           </a:p>
@@ -7710,8 +7714,8 @@
               <a:t>An advanced </a:t>
             </a:r>
             <a:r>
-              <a:rPr lang="en-US" sz="2800" dirty="0"/>
-              <a:t>installer:</a:t>
+              <a:rPr lang="en-US" sz="2800" dirty="0" smtClean="0"/>
+              <a:t>installer</a:t>
             </a:r>
             <a:endParaRPr lang="ru-RU" sz="2800" dirty="0"/>
           </a:p>
@@ -7777,10 +7781,9 @@
               <a:buChar char="•"/>
             </a:pPr>
             <a:r>
-              <a:rPr lang="en-US" smtClean="0"/>
+              <a:rPr lang="en-US" dirty="0" smtClean="0"/>
               <a:t>Preprocessor</a:t>
             </a:r>
-            <a:endParaRPr lang="en-US" dirty="0" smtClean="0"/>
           </a:p>
           <a:p>
             <a:pPr marL="285750" indent="-285750">
@@ -7880,7 +7883,471 @@
   <p:timing>
     <p:tnLst>
       <p:par>
-        <p:cTn id="1" dur="indefinite" restart="never" nodeType="tmRoot"/>
+        <p:cTn id="1" dur="indefinite" restart="never" nodeType="tmRoot">
+          <p:childTnLst>
+            <p:seq concurrent="1" nextAc="seek">
+              <p:cTn id="2" dur="indefinite" nodeType="mainSeq">
+                <p:childTnLst>
+                  <p:par>
+                    <p:cTn id="3" fill="hold">
+                      <p:stCondLst>
+                        <p:cond delay="indefinite"/>
+                      </p:stCondLst>
+                      <p:childTnLst>
+                        <p:par>
+                          <p:cTn id="4" fill="hold">
+                            <p:stCondLst>
+                              <p:cond delay="0"/>
+                            </p:stCondLst>
+                            <p:childTnLst>
+                              <p:par>
+                                <p:cTn id="5" presetID="1" presetClass="entr" presetSubtype="0" fill="hold" nodeType="clickEffect">
+                                  <p:stCondLst>
+                                    <p:cond delay="0"/>
+                                  </p:stCondLst>
+                                  <p:childTnLst>
+                                    <p:set>
+                                      <p:cBhvr>
+                                        <p:cTn id="6" dur="1" fill="hold">
+                                          <p:stCondLst>
+                                            <p:cond delay="0"/>
+                                          </p:stCondLst>
+                                        </p:cTn>
+                                        <p:tgtEl>
+                                          <p:spTgt spid="7">
+                                            <p:txEl>
+                                              <p:pRg st="0" end="0"/>
+                                            </p:txEl>
+                                          </p:spTgt>
+                                        </p:tgtEl>
+                                        <p:attrNameLst>
+                                          <p:attrName>style.visibility</p:attrName>
+                                        </p:attrNameLst>
+                                      </p:cBhvr>
+                                      <p:to>
+                                        <p:strVal val="visible"/>
+                                      </p:to>
+                                    </p:set>
+                                  </p:childTnLst>
+                                </p:cTn>
+                              </p:par>
+                            </p:childTnLst>
+                          </p:cTn>
+                        </p:par>
+                      </p:childTnLst>
+                    </p:cTn>
+                  </p:par>
+                  <p:par>
+                    <p:cTn id="7" fill="hold">
+                      <p:stCondLst>
+                        <p:cond delay="indefinite"/>
+                      </p:stCondLst>
+                      <p:childTnLst>
+                        <p:par>
+                          <p:cTn id="8" fill="hold">
+                            <p:stCondLst>
+                              <p:cond delay="0"/>
+                            </p:stCondLst>
+                            <p:childTnLst>
+                              <p:par>
+                                <p:cTn id="9" presetID="1" presetClass="entr" presetSubtype="0" fill="hold" nodeType="clickEffect">
+                                  <p:stCondLst>
+                                    <p:cond delay="0"/>
+                                  </p:stCondLst>
+                                  <p:childTnLst>
+                                    <p:set>
+                                      <p:cBhvr>
+                                        <p:cTn id="10" dur="1" fill="hold">
+                                          <p:stCondLst>
+                                            <p:cond delay="0"/>
+                                          </p:stCondLst>
+                                        </p:cTn>
+                                        <p:tgtEl>
+                                          <p:spTgt spid="7">
+                                            <p:txEl>
+                                              <p:pRg st="1" end="1"/>
+                                            </p:txEl>
+                                          </p:spTgt>
+                                        </p:tgtEl>
+                                        <p:attrNameLst>
+                                          <p:attrName>style.visibility</p:attrName>
+                                        </p:attrNameLst>
+                                      </p:cBhvr>
+                                      <p:to>
+                                        <p:strVal val="visible"/>
+                                      </p:to>
+                                    </p:set>
+                                  </p:childTnLst>
+                                </p:cTn>
+                              </p:par>
+                            </p:childTnLst>
+                          </p:cTn>
+                        </p:par>
+                      </p:childTnLst>
+                    </p:cTn>
+                  </p:par>
+                  <p:par>
+                    <p:cTn id="11" fill="hold">
+                      <p:stCondLst>
+                        <p:cond delay="indefinite"/>
+                      </p:stCondLst>
+                      <p:childTnLst>
+                        <p:par>
+                          <p:cTn id="12" fill="hold">
+                            <p:stCondLst>
+                              <p:cond delay="0"/>
+                            </p:stCondLst>
+                            <p:childTnLst>
+                              <p:par>
+                                <p:cTn id="13" presetID="1" presetClass="entr" presetSubtype="0" fill="hold" nodeType="clickEffect">
+                                  <p:stCondLst>
+                                    <p:cond delay="0"/>
+                                  </p:stCondLst>
+                                  <p:childTnLst>
+                                    <p:set>
+                                      <p:cBhvr>
+                                        <p:cTn id="14" dur="1" fill="hold">
+                                          <p:stCondLst>
+                                            <p:cond delay="0"/>
+                                          </p:stCondLst>
+                                        </p:cTn>
+                                        <p:tgtEl>
+                                          <p:spTgt spid="7">
+                                            <p:txEl>
+                                              <p:pRg st="2" end="2"/>
+                                            </p:txEl>
+                                          </p:spTgt>
+                                        </p:tgtEl>
+                                        <p:attrNameLst>
+                                          <p:attrName>style.visibility</p:attrName>
+                                        </p:attrNameLst>
+                                      </p:cBhvr>
+                                      <p:to>
+                                        <p:strVal val="visible"/>
+                                      </p:to>
+                                    </p:set>
+                                  </p:childTnLst>
+                                </p:cTn>
+                              </p:par>
+                            </p:childTnLst>
+                          </p:cTn>
+                        </p:par>
+                      </p:childTnLst>
+                    </p:cTn>
+                  </p:par>
+                  <p:par>
+                    <p:cTn id="15" fill="hold">
+                      <p:stCondLst>
+                        <p:cond delay="indefinite"/>
+                      </p:stCondLst>
+                      <p:childTnLst>
+                        <p:par>
+                          <p:cTn id="16" fill="hold">
+                            <p:stCondLst>
+                              <p:cond delay="0"/>
+                            </p:stCondLst>
+                            <p:childTnLst>
+                              <p:par>
+                                <p:cTn id="17" presetID="1" presetClass="entr" presetSubtype="0" fill="hold" nodeType="clickEffect">
+                                  <p:stCondLst>
+                                    <p:cond delay="0"/>
+                                  </p:stCondLst>
+                                  <p:childTnLst>
+                                    <p:set>
+                                      <p:cBhvr>
+                                        <p:cTn id="18" dur="1" fill="hold">
+                                          <p:stCondLst>
+                                            <p:cond delay="0"/>
+                                          </p:stCondLst>
+                                        </p:cTn>
+                                        <p:tgtEl>
+                                          <p:spTgt spid="7">
+                                            <p:txEl>
+                                              <p:pRg st="3" end="3"/>
+                                            </p:txEl>
+                                          </p:spTgt>
+                                        </p:tgtEl>
+                                        <p:attrNameLst>
+                                          <p:attrName>style.visibility</p:attrName>
+                                        </p:attrNameLst>
+                                      </p:cBhvr>
+                                      <p:to>
+                                        <p:strVal val="visible"/>
+                                      </p:to>
+                                    </p:set>
+                                  </p:childTnLst>
+                                </p:cTn>
+                              </p:par>
+                            </p:childTnLst>
+                          </p:cTn>
+                        </p:par>
+                      </p:childTnLst>
+                    </p:cTn>
+                  </p:par>
+                  <p:par>
+                    <p:cTn id="19" fill="hold">
+                      <p:stCondLst>
+                        <p:cond delay="indefinite"/>
+                      </p:stCondLst>
+                      <p:childTnLst>
+                        <p:par>
+                          <p:cTn id="20" fill="hold">
+                            <p:stCondLst>
+                              <p:cond delay="0"/>
+                            </p:stCondLst>
+                            <p:childTnLst>
+                              <p:par>
+                                <p:cTn id="21" presetID="1" presetClass="entr" presetSubtype="0" fill="hold" nodeType="clickEffect">
+                                  <p:stCondLst>
+                                    <p:cond delay="0"/>
+                                  </p:stCondLst>
+                                  <p:childTnLst>
+                                    <p:set>
+                                      <p:cBhvr>
+                                        <p:cTn id="22" dur="1" fill="hold">
+                                          <p:stCondLst>
+                                            <p:cond delay="0"/>
+                                          </p:stCondLst>
+                                        </p:cTn>
+                                        <p:tgtEl>
+                                          <p:spTgt spid="7">
+                                            <p:txEl>
+                                              <p:pRg st="4" end="4"/>
+                                            </p:txEl>
+                                          </p:spTgt>
+                                        </p:tgtEl>
+                                        <p:attrNameLst>
+                                          <p:attrName>style.visibility</p:attrName>
+                                        </p:attrNameLst>
+                                      </p:cBhvr>
+                                      <p:to>
+                                        <p:strVal val="visible"/>
+                                      </p:to>
+                                    </p:set>
+                                  </p:childTnLst>
+                                </p:cTn>
+                              </p:par>
+                            </p:childTnLst>
+                          </p:cTn>
+                        </p:par>
+                      </p:childTnLst>
+                    </p:cTn>
+                  </p:par>
+                  <p:par>
+                    <p:cTn id="23" fill="hold">
+                      <p:stCondLst>
+                        <p:cond delay="indefinite"/>
+                      </p:stCondLst>
+                      <p:childTnLst>
+                        <p:par>
+                          <p:cTn id="24" fill="hold">
+                            <p:stCondLst>
+                              <p:cond delay="0"/>
+                            </p:stCondLst>
+                            <p:childTnLst>
+                              <p:par>
+                                <p:cTn id="25" presetID="1" presetClass="entr" presetSubtype="0" fill="hold" nodeType="clickEffect">
+                                  <p:stCondLst>
+                                    <p:cond delay="0"/>
+                                  </p:stCondLst>
+                                  <p:childTnLst>
+                                    <p:set>
+                                      <p:cBhvr>
+                                        <p:cTn id="26" dur="1" fill="hold">
+                                          <p:stCondLst>
+                                            <p:cond delay="0"/>
+                                          </p:stCondLst>
+                                        </p:cTn>
+                                        <p:tgtEl>
+                                          <p:spTgt spid="7">
+                                            <p:txEl>
+                                              <p:pRg st="5" end="5"/>
+                                            </p:txEl>
+                                          </p:spTgt>
+                                        </p:tgtEl>
+                                        <p:attrNameLst>
+                                          <p:attrName>style.visibility</p:attrName>
+                                        </p:attrNameLst>
+                                      </p:cBhvr>
+                                      <p:to>
+                                        <p:strVal val="visible"/>
+                                      </p:to>
+                                    </p:set>
+                                  </p:childTnLst>
+                                </p:cTn>
+                              </p:par>
+                            </p:childTnLst>
+                          </p:cTn>
+                        </p:par>
+                      </p:childTnLst>
+                    </p:cTn>
+                  </p:par>
+                  <p:par>
+                    <p:cTn id="27" fill="hold">
+                      <p:stCondLst>
+                        <p:cond delay="indefinite"/>
+                      </p:stCondLst>
+                      <p:childTnLst>
+                        <p:par>
+                          <p:cTn id="28" fill="hold">
+                            <p:stCondLst>
+                              <p:cond delay="0"/>
+                            </p:stCondLst>
+                            <p:childTnLst>
+                              <p:par>
+                                <p:cTn id="29" presetID="1" presetClass="entr" presetSubtype="0" fill="hold" nodeType="clickEffect">
+                                  <p:stCondLst>
+                                    <p:cond delay="0"/>
+                                  </p:stCondLst>
+                                  <p:childTnLst>
+                                    <p:set>
+                                      <p:cBhvr>
+                                        <p:cTn id="30" dur="1" fill="hold">
+                                          <p:stCondLst>
+                                            <p:cond delay="0"/>
+                                          </p:stCondLst>
+                                        </p:cTn>
+                                        <p:tgtEl>
+                                          <p:spTgt spid="7">
+                                            <p:txEl>
+                                              <p:pRg st="6" end="6"/>
+                                            </p:txEl>
+                                          </p:spTgt>
+                                        </p:tgtEl>
+                                        <p:attrNameLst>
+                                          <p:attrName>style.visibility</p:attrName>
+                                        </p:attrNameLst>
+                                      </p:cBhvr>
+                                      <p:to>
+                                        <p:strVal val="visible"/>
+                                      </p:to>
+                                    </p:set>
+                                  </p:childTnLst>
+                                </p:cTn>
+                              </p:par>
+                            </p:childTnLst>
+                          </p:cTn>
+                        </p:par>
+                      </p:childTnLst>
+                    </p:cTn>
+                  </p:par>
+                  <p:par>
+                    <p:cTn id="31" fill="hold">
+                      <p:stCondLst>
+                        <p:cond delay="indefinite"/>
+                      </p:stCondLst>
+                      <p:childTnLst>
+                        <p:par>
+                          <p:cTn id="32" fill="hold">
+                            <p:stCondLst>
+                              <p:cond delay="0"/>
+                            </p:stCondLst>
+                            <p:childTnLst>
+                              <p:par>
+                                <p:cTn id="33" presetID="1" presetClass="entr" presetSubtype="0" fill="hold" nodeType="clickEffect">
+                                  <p:stCondLst>
+                                    <p:cond delay="0"/>
+                                  </p:stCondLst>
+                                  <p:childTnLst>
+                                    <p:set>
+                                      <p:cBhvr>
+                                        <p:cTn id="34" dur="1" fill="hold">
+                                          <p:stCondLst>
+                                            <p:cond delay="0"/>
+                                          </p:stCondLst>
+                                        </p:cTn>
+                                        <p:tgtEl>
+                                          <p:spTgt spid="7">
+                                            <p:txEl>
+                                              <p:pRg st="7" end="7"/>
+                                            </p:txEl>
+                                          </p:spTgt>
+                                        </p:tgtEl>
+                                        <p:attrNameLst>
+                                          <p:attrName>style.visibility</p:attrName>
+                                        </p:attrNameLst>
+                                      </p:cBhvr>
+                                      <p:to>
+                                        <p:strVal val="visible"/>
+                                      </p:to>
+                                    </p:set>
+                                  </p:childTnLst>
+                                </p:cTn>
+                              </p:par>
+                            </p:childTnLst>
+                          </p:cTn>
+                        </p:par>
+                      </p:childTnLst>
+                    </p:cTn>
+                  </p:par>
+                  <p:par>
+                    <p:cTn id="35" fill="hold">
+                      <p:stCondLst>
+                        <p:cond delay="indefinite"/>
+                      </p:stCondLst>
+                      <p:childTnLst>
+                        <p:par>
+                          <p:cTn id="36" fill="hold">
+                            <p:stCondLst>
+                              <p:cond delay="0"/>
+                            </p:stCondLst>
+                            <p:childTnLst>
+                              <p:par>
+                                <p:cTn id="37" presetID="1" presetClass="entr" presetSubtype="0" fill="hold" nodeType="clickEffect">
+                                  <p:stCondLst>
+                                    <p:cond delay="0"/>
+                                  </p:stCondLst>
+                                  <p:childTnLst>
+                                    <p:set>
+                                      <p:cBhvr>
+                                        <p:cTn id="38" dur="1" fill="hold">
+                                          <p:stCondLst>
+                                            <p:cond delay="0"/>
+                                          </p:stCondLst>
+                                        </p:cTn>
+                                        <p:tgtEl>
+                                          <p:spTgt spid="7">
+                                            <p:txEl>
+                                              <p:pRg st="8" end="8"/>
+                                            </p:txEl>
+                                          </p:spTgt>
+                                        </p:tgtEl>
+                                        <p:attrNameLst>
+                                          <p:attrName>style.visibility</p:attrName>
+                                        </p:attrNameLst>
+                                      </p:cBhvr>
+                                      <p:to>
+                                        <p:strVal val="visible"/>
+                                      </p:to>
+                                    </p:set>
+                                  </p:childTnLst>
+                                </p:cTn>
+                              </p:par>
+                            </p:childTnLst>
+                          </p:cTn>
+                        </p:par>
+                      </p:childTnLst>
+                    </p:cTn>
+                  </p:par>
+                </p:childTnLst>
+              </p:cTn>
+              <p:prevCondLst>
+                <p:cond evt="onPrev" delay="0">
+                  <p:tgtEl>
+                    <p:sldTgt/>
+                  </p:tgtEl>
+                </p:cond>
+              </p:prevCondLst>
+              <p:nextCondLst>
+                <p:cond evt="onNext" delay="0">
+                  <p:tgtEl>
+                    <p:sldTgt/>
+                  </p:tgtEl>
+                </p:cond>
+              </p:nextCondLst>
+            </p:seq>
+          </p:childTnLst>
+        </p:cTn>
       </p:par>
     </p:tnLst>
   </p:timing>
@@ -7913,7 +8380,7 @@
         <p:spPr>
           <a:xfrm>
             <a:off x="713449" y="344617"/>
-            <a:ext cx="2912016" cy="523220"/>
+            <a:ext cx="2780569" cy="523220"/>
           </a:xfrm>
           <a:prstGeom prst="rect">
             <a:avLst/>
@@ -7927,7 +8394,11 @@
           <a:p>
             <a:r>
               <a:rPr lang="en-US" sz="2800" dirty="0" smtClean="0"/>
-              <a:t>Binder Variables:</a:t>
+              <a:t>Binder </a:t>
+            </a:r>
+            <a:r>
+              <a:rPr lang="en-US" sz="2800" dirty="0" smtClean="0"/>
+              <a:t>Variables</a:t>
             </a:r>
             <a:endParaRPr lang="ru-RU" sz="2800" dirty="0"/>
           </a:p>
@@ -7999,42 +8470,71 @@
               </a:lnSpc>
             </a:pPr>
             <a:r>
-              <a:rPr lang="en-US" dirty="0"/>
+              <a:rPr lang="en-US" dirty="0">
+                <a:latin typeface="Consolas" panose="020B0609020204030204" pitchFamily="49" charset="0"/>
+                <a:cs typeface="Consolas" panose="020B0609020204030204" pitchFamily="49" charset="0"/>
+              </a:rPr>
               <a:t> </a:t>
             </a:r>
             <a:r>
-              <a:rPr lang="en-US" dirty="0" smtClean="0"/>
-              <a:t>   !(</a:t>
-            </a:r>
-            <a:r>
-              <a:rPr lang="en-US" dirty="0" err="1"/>
+              <a:rPr lang="en-US" dirty="0" smtClean="0">
+                <a:latin typeface="Consolas" panose="020B0609020204030204" pitchFamily="49" charset="0"/>
+                <a:cs typeface="Consolas" panose="020B0609020204030204" pitchFamily="49" charset="0"/>
+              </a:rPr>
+              <a:t> </a:t>
+            </a:r>
+            <a:r>
+              <a:rPr lang="en-US" sz="1400" dirty="0" smtClean="0">
+                <a:latin typeface="Consolas" panose="020B0609020204030204" pitchFamily="49" charset="0"/>
+                <a:cs typeface="Consolas" panose="020B0609020204030204" pitchFamily="49" charset="0"/>
+              </a:rPr>
+              <a:t>!(</a:t>
+            </a:r>
+            <a:r>
+              <a:rPr lang="en-US" sz="1400" dirty="0" err="1">
+                <a:latin typeface="Consolas" panose="020B0609020204030204" pitchFamily="49" charset="0"/>
+                <a:cs typeface="Consolas" panose="020B0609020204030204" pitchFamily="49" charset="0"/>
+              </a:rPr>
               <a:t>bind.</a:t>
             </a:r>
             <a:r>
-              <a:rPr lang="en-US" dirty="0" err="1">
+              <a:rPr lang="en-US" sz="1400" dirty="0" err="1">
                 <a:solidFill>
                   <a:srgbClr val="FF0000"/>
                 </a:solidFill>
+                <a:latin typeface="Consolas" panose="020B0609020204030204" pitchFamily="49" charset="0"/>
+                <a:cs typeface="Consolas" panose="020B0609020204030204" pitchFamily="49" charset="0"/>
               </a:rPr>
               <a:t>VariableName</a:t>
             </a:r>
             <a:r>
-              <a:rPr lang="en-US" dirty="0" err="1"/>
+              <a:rPr lang="en-US" sz="1400" dirty="0" err="1">
+                <a:latin typeface="Consolas" panose="020B0609020204030204" pitchFamily="49" charset="0"/>
+                <a:cs typeface="Consolas" panose="020B0609020204030204" pitchFamily="49" charset="0"/>
+              </a:rPr>
               <a:t>.</a:t>
             </a:r>
             <a:r>
-              <a:rPr lang="en-US" dirty="0" err="1">
+              <a:rPr lang="en-US" sz="1400" dirty="0" err="1">
                 <a:solidFill>
                   <a:srgbClr val="00B050"/>
                 </a:solidFill>
+                <a:latin typeface="Consolas" panose="020B0609020204030204" pitchFamily="49" charset="0"/>
+                <a:cs typeface="Consolas" panose="020B0609020204030204" pitchFamily="49" charset="0"/>
               </a:rPr>
               <a:t>FileId</a:t>
             </a:r>
             <a:r>
-              <a:rPr lang="en-US" dirty="0"/>
+              <a:rPr lang="en-US" sz="1400" dirty="0">
+                <a:latin typeface="Consolas" panose="020B0609020204030204" pitchFamily="49" charset="0"/>
+                <a:cs typeface="Consolas" panose="020B0609020204030204" pitchFamily="49" charset="0"/>
+              </a:rPr>
               <a:t>)</a:t>
             </a:r>
-            <a:endParaRPr lang="en-US" dirty="0" smtClean="0"/>
+            <a:endParaRPr lang="en-US" sz="1400" dirty="0" smtClean="0">
+              <a:latin typeface="Consolas" panose="020B0609020204030204" pitchFamily="49" charset="0"/>
+              <a:cs typeface="Consolas" panose="020B0609020204030204" pitchFamily="49" charset="0"/>
+            </a:endParaRPr>
           </a:p>
         </p:txBody>
       </p:sp>
@@ -8327,14 +8827,3111 @@
   <p:timing>
     <p:tnLst>
       <p:par>
-        <p:cTn id="1" dur="indefinite" restart="never" nodeType="tmRoot"/>
+        <p:cTn id="1" dur="indefinite" restart="never" nodeType="tmRoot">
+          <p:childTnLst>
+            <p:seq concurrent="1" nextAc="seek">
+              <p:cTn id="2" dur="indefinite" nodeType="mainSeq">
+                <p:childTnLst>
+                  <p:par>
+                    <p:cTn id="3" fill="hold">
+                      <p:stCondLst>
+                        <p:cond delay="indefinite"/>
+                      </p:stCondLst>
+                      <p:childTnLst>
+                        <p:par>
+                          <p:cTn id="4" fill="hold">
+                            <p:stCondLst>
+                              <p:cond delay="0"/>
+                            </p:stCondLst>
+                            <p:childTnLst>
+                              <p:par>
+                                <p:cTn id="5" presetID="1" presetClass="entr" presetSubtype="0" fill="hold" nodeType="clickEffect">
+                                  <p:stCondLst>
+                                    <p:cond delay="0"/>
+                                  </p:stCondLst>
+                                  <p:childTnLst>
+                                    <p:set>
+                                      <p:cBhvr>
+                                        <p:cTn id="6" dur="1" fill="hold">
+                                          <p:stCondLst>
+                                            <p:cond delay="0"/>
+                                          </p:stCondLst>
+                                        </p:cTn>
+                                        <p:tgtEl>
+                                          <p:spTgt spid="7">
+                                            <p:txEl>
+                                              <p:pRg st="0" end="0"/>
+                                            </p:txEl>
+                                          </p:spTgt>
+                                        </p:tgtEl>
+                                        <p:attrNameLst>
+                                          <p:attrName>style.visibility</p:attrName>
+                                        </p:attrNameLst>
+                                      </p:cBhvr>
+                                      <p:to>
+                                        <p:strVal val="visible"/>
+                                      </p:to>
+                                    </p:set>
+                                  </p:childTnLst>
+                                </p:cTn>
+                              </p:par>
+                            </p:childTnLst>
+                          </p:cTn>
+                        </p:par>
+                      </p:childTnLst>
+                    </p:cTn>
+                  </p:par>
+                  <p:par>
+                    <p:cTn id="7" fill="hold">
+                      <p:stCondLst>
+                        <p:cond delay="indefinite"/>
+                      </p:stCondLst>
+                      <p:childTnLst>
+                        <p:par>
+                          <p:cTn id="8" fill="hold">
+                            <p:stCondLst>
+                              <p:cond delay="0"/>
+                            </p:stCondLst>
+                            <p:childTnLst>
+                              <p:par>
+                                <p:cTn id="9" presetID="1" presetClass="entr" presetSubtype="0" fill="hold" grpId="0" nodeType="clickEffect">
+                                  <p:stCondLst>
+                                    <p:cond delay="0"/>
+                                  </p:stCondLst>
+                                  <p:childTnLst>
+                                    <p:set>
+                                      <p:cBhvr>
+                                        <p:cTn id="10" dur="1" fill="hold">
+                                          <p:stCondLst>
+                                            <p:cond delay="0"/>
+                                          </p:stCondLst>
+                                        </p:cTn>
+                                        <p:tgtEl>
+                                          <p:spTgt spid="2"/>
+                                        </p:tgtEl>
+                                        <p:attrNameLst>
+                                          <p:attrName>style.visibility</p:attrName>
+                                        </p:attrNameLst>
+                                      </p:cBhvr>
+                                      <p:to>
+                                        <p:strVal val="visible"/>
+                                      </p:to>
+                                    </p:set>
+                                  </p:childTnLst>
+                                </p:cTn>
+                              </p:par>
+                            </p:childTnLst>
+                          </p:cTn>
+                        </p:par>
+                      </p:childTnLst>
+                    </p:cTn>
+                  </p:par>
+                  <p:par>
+                    <p:cTn id="11" fill="hold">
+                      <p:stCondLst>
+                        <p:cond delay="indefinite"/>
+                      </p:stCondLst>
+                      <p:childTnLst>
+                        <p:par>
+                          <p:cTn id="12" fill="hold">
+                            <p:stCondLst>
+                              <p:cond delay="0"/>
+                            </p:stCondLst>
+                            <p:childTnLst>
+                              <p:par>
+                                <p:cTn id="13" presetID="1" presetClass="entr" presetSubtype="0" fill="hold" nodeType="clickEffect">
+                                  <p:stCondLst>
+                                    <p:cond delay="0"/>
+                                  </p:stCondLst>
+                                  <p:childTnLst>
+                                    <p:set>
+                                      <p:cBhvr>
+                                        <p:cTn id="14" dur="1" fill="hold">
+                                          <p:stCondLst>
+                                            <p:cond delay="0"/>
+                                          </p:stCondLst>
+                                        </p:cTn>
+                                        <p:tgtEl>
+                                          <p:spTgt spid="7">
+                                            <p:txEl>
+                                              <p:pRg st="3" end="3"/>
+                                            </p:txEl>
+                                          </p:spTgt>
+                                        </p:tgtEl>
+                                        <p:attrNameLst>
+                                          <p:attrName>style.visibility</p:attrName>
+                                        </p:attrNameLst>
+                                      </p:cBhvr>
+                                      <p:to>
+                                        <p:strVal val="visible"/>
+                                      </p:to>
+                                    </p:set>
+                                  </p:childTnLst>
+                                </p:cTn>
+                              </p:par>
+                            </p:childTnLst>
+                          </p:cTn>
+                        </p:par>
+                      </p:childTnLst>
+                    </p:cTn>
+                  </p:par>
+                  <p:par>
+                    <p:cTn id="15" fill="hold">
+                      <p:stCondLst>
+                        <p:cond delay="indefinite"/>
+                      </p:stCondLst>
+                      <p:childTnLst>
+                        <p:par>
+                          <p:cTn id="16" fill="hold">
+                            <p:stCondLst>
+                              <p:cond delay="0"/>
+                            </p:stCondLst>
+                            <p:childTnLst>
+                              <p:par>
+                                <p:cTn id="17" presetID="1" presetClass="entr" presetSubtype="0" fill="hold" nodeType="clickEffect">
+                                  <p:stCondLst>
+                                    <p:cond delay="0"/>
+                                  </p:stCondLst>
+                                  <p:childTnLst>
+                                    <p:set>
+                                      <p:cBhvr>
+                                        <p:cTn id="18" dur="1" fill="hold">
+                                          <p:stCondLst>
+                                            <p:cond delay="0"/>
+                                          </p:stCondLst>
+                                        </p:cTn>
+                                        <p:tgtEl>
+                                          <p:spTgt spid="7">
+                                            <p:txEl>
+                                              <p:pRg st="4" end="4"/>
+                                            </p:txEl>
+                                          </p:spTgt>
+                                        </p:tgtEl>
+                                        <p:attrNameLst>
+                                          <p:attrName>style.visibility</p:attrName>
+                                        </p:attrNameLst>
+                                      </p:cBhvr>
+                                      <p:to>
+                                        <p:strVal val="visible"/>
+                                      </p:to>
+                                    </p:set>
+                                  </p:childTnLst>
+                                </p:cTn>
+                              </p:par>
+                            </p:childTnLst>
+                          </p:cTn>
+                        </p:par>
+                      </p:childTnLst>
+                    </p:cTn>
+                  </p:par>
+                  <p:par>
+                    <p:cTn id="19" fill="hold">
+                      <p:stCondLst>
+                        <p:cond delay="indefinite"/>
+                      </p:stCondLst>
+                      <p:childTnLst>
+                        <p:par>
+                          <p:cTn id="20" fill="hold">
+                            <p:stCondLst>
+                              <p:cond delay="0"/>
+                            </p:stCondLst>
+                            <p:childTnLst>
+                              <p:par>
+                                <p:cTn id="21" presetID="1" presetClass="entr" presetSubtype="0" fill="hold" nodeType="clickEffect">
+                                  <p:stCondLst>
+                                    <p:cond delay="0"/>
+                                  </p:stCondLst>
+                                  <p:childTnLst>
+                                    <p:set>
+                                      <p:cBhvr>
+                                        <p:cTn id="22" dur="1" fill="hold">
+                                          <p:stCondLst>
+                                            <p:cond delay="0"/>
+                                          </p:stCondLst>
+                                        </p:cTn>
+                                        <p:tgtEl>
+                                          <p:spTgt spid="5">
+                                            <p:txEl>
+                                              <p:pRg st="0" end="0"/>
+                                            </p:txEl>
+                                          </p:spTgt>
+                                        </p:tgtEl>
+                                        <p:attrNameLst>
+                                          <p:attrName>style.visibility</p:attrName>
+                                        </p:attrNameLst>
+                                      </p:cBhvr>
+                                      <p:to>
+                                        <p:strVal val="visible"/>
+                                      </p:to>
+                                    </p:set>
+                                  </p:childTnLst>
+                                </p:cTn>
+                              </p:par>
+                              <p:par>
+                                <p:cTn id="23" presetID="1" presetClass="entr" presetSubtype="0" fill="hold" nodeType="withEffect">
+                                  <p:stCondLst>
+                                    <p:cond delay="0"/>
+                                  </p:stCondLst>
+                                  <p:childTnLst>
+                                    <p:set>
+                                      <p:cBhvr>
+                                        <p:cTn id="24" dur="1" fill="hold">
+                                          <p:stCondLst>
+                                            <p:cond delay="0"/>
+                                          </p:stCondLst>
+                                        </p:cTn>
+                                        <p:tgtEl>
+                                          <p:spTgt spid="5">
+                                            <p:txEl>
+                                              <p:pRg st="1" end="1"/>
+                                            </p:txEl>
+                                          </p:spTgt>
+                                        </p:tgtEl>
+                                        <p:attrNameLst>
+                                          <p:attrName>style.visibility</p:attrName>
+                                        </p:attrNameLst>
+                                      </p:cBhvr>
+                                      <p:to>
+                                        <p:strVal val="visible"/>
+                                      </p:to>
+                                    </p:set>
+                                  </p:childTnLst>
+                                </p:cTn>
+                              </p:par>
+                            </p:childTnLst>
+                          </p:cTn>
+                        </p:par>
+                      </p:childTnLst>
+                    </p:cTn>
+                  </p:par>
+                </p:childTnLst>
+              </p:cTn>
+              <p:prevCondLst>
+                <p:cond evt="onPrev" delay="0">
+                  <p:tgtEl>
+                    <p:sldTgt/>
+                  </p:tgtEl>
+                </p:cond>
+              </p:prevCondLst>
+              <p:nextCondLst>
+                <p:cond evt="onNext" delay="0">
+                  <p:tgtEl>
+                    <p:sldTgt/>
+                  </p:tgtEl>
+                </p:cond>
+              </p:nextCondLst>
+            </p:seq>
+          </p:childTnLst>
+        </p:cTn>
+      </p:par>
+    </p:tnLst>
+    <p:bldLst>
+      <p:bldP spid="2" grpId="0" animBg="1"/>
+    </p:bldLst>
+  </p:timing>
+</p:sld>
+</file>
+
+<file path=ppt/slides/slide5.xml><?xml version="1.0" encoding="utf-8"?>
+<p:sld xmlns:a="http://schemas.openxmlformats.org/drawingml/2006/main" xmlns:r="http://schemas.openxmlformats.org/officeDocument/2006/relationships" xmlns:p="http://schemas.openxmlformats.org/presentationml/2006/main">
+  <p:cSld>
+    <p:spTree>
+      <p:nvGrpSpPr>
+        <p:cNvPr id="1" name=""/>
+        <p:cNvGrpSpPr/>
+        <p:nvPr/>
+      </p:nvGrpSpPr>
+      <p:grpSpPr>
+        <a:xfrm>
+          <a:off x="0" y="0"/>
+          <a:ext cx="0" cy="0"/>
+          <a:chOff x="0" y="0"/>
+          <a:chExt cx="0" cy="0"/>
+        </a:xfrm>
+      </p:grpSpPr>
+      <p:sp>
+        <p:nvSpPr>
+          <p:cNvPr id="6" name="Прямоугольник 5"/>
+          <p:cNvSpPr/>
+          <p:nvPr/>
+        </p:nvSpPr>
+        <p:spPr>
+          <a:xfrm>
+            <a:off x="713449" y="344617"/>
+            <a:ext cx="2232471" cy="523220"/>
+          </a:xfrm>
+          <a:prstGeom prst="rect">
+            <a:avLst/>
+          </a:prstGeom>
+        </p:spPr>
+        <p:txBody>
+          <a:bodyPr wrap="none">
+            <a:spAutoFit/>
+          </a:bodyPr>
+          <a:lstStyle/>
+          <a:p>
+            <a:r>
+              <a:rPr lang="en-US" sz="2800" dirty="0" smtClean="0"/>
+              <a:t>Preprocessor</a:t>
+            </a:r>
+            <a:endParaRPr lang="ru-RU" sz="2800" dirty="0"/>
+          </a:p>
+        </p:txBody>
+      </p:sp>
+      <p:sp>
+        <p:nvSpPr>
+          <p:cNvPr id="7" name="TextBox 6"/>
+          <p:cNvSpPr txBox="1"/>
+          <p:nvPr/>
+        </p:nvSpPr>
+        <p:spPr>
+          <a:xfrm>
+            <a:off x="1136824" y="867837"/>
+            <a:ext cx="9637575" cy="5078313"/>
+          </a:xfrm>
+          <a:prstGeom prst="rect">
+            <a:avLst/>
+          </a:prstGeom>
+          <a:noFill/>
+        </p:spPr>
+        <p:txBody>
+          <a:bodyPr wrap="none" rtlCol="0">
+            <a:spAutoFit/>
+          </a:bodyPr>
+          <a:lstStyle/>
+          <a:p>
+            <a:r>
+              <a:rPr lang="en-US" dirty="0">
+                <a:solidFill>
+                  <a:srgbClr val="FF0000"/>
+                </a:solidFill>
+                <a:latin typeface="Consolas" panose="020B0609020204030204" pitchFamily="49" charset="0"/>
+                <a:cs typeface="Consolas" panose="020B0609020204030204" pitchFamily="49" charset="0"/>
+              </a:rPr>
+              <a:t>&lt;?</a:t>
+            </a:r>
+            <a:r>
+              <a:rPr lang="en-US" dirty="0" smtClean="0">
+                <a:solidFill>
+                  <a:srgbClr val="FF0000"/>
+                </a:solidFill>
+                <a:latin typeface="Consolas" panose="020B0609020204030204" pitchFamily="49" charset="0"/>
+                <a:cs typeface="Consolas" panose="020B0609020204030204" pitchFamily="49" charset="0"/>
+              </a:rPr>
+              <a:t>include </a:t>
+            </a:r>
+            <a:r>
+              <a:rPr lang="en-US" dirty="0" err="1" smtClean="0">
+                <a:solidFill>
+                  <a:srgbClr val="00B050"/>
+                </a:solidFill>
+                <a:latin typeface="Consolas" panose="020B0609020204030204" pitchFamily="49" charset="0"/>
+                <a:cs typeface="Consolas" panose="020B0609020204030204" pitchFamily="49" charset="0"/>
+              </a:rPr>
+              <a:t>FileName.wxi</a:t>
+            </a:r>
+            <a:r>
+              <a:rPr lang="en-US" dirty="0" smtClean="0">
+                <a:solidFill>
+                  <a:srgbClr val="FF0000"/>
+                </a:solidFill>
+                <a:latin typeface="Consolas" panose="020B0609020204030204" pitchFamily="49" charset="0"/>
+                <a:cs typeface="Consolas" panose="020B0609020204030204" pitchFamily="49" charset="0"/>
+              </a:rPr>
+              <a:t> ?&gt;</a:t>
+            </a:r>
+            <a:r>
+              <a:rPr lang="en-US" dirty="0" smtClean="0">
+                <a:latin typeface="Consolas" panose="020B0609020204030204" pitchFamily="49" charset="0"/>
+                <a:cs typeface="Consolas" panose="020B0609020204030204" pitchFamily="49" charset="0"/>
+              </a:rPr>
+              <a:t> </a:t>
+            </a:r>
+            <a:r>
+              <a:rPr lang="en-US" dirty="0" smtClean="0"/>
+              <a:t>- include file as it is a part of the .</a:t>
+            </a:r>
+            <a:r>
+              <a:rPr lang="en-US" dirty="0" err="1" smtClean="0"/>
+              <a:t>wxs</a:t>
+            </a:r>
+            <a:r>
+              <a:rPr lang="en-US" dirty="0" smtClean="0"/>
+              <a:t>.</a:t>
+            </a:r>
+          </a:p>
+          <a:p>
+            <a:endParaRPr lang="en-US" dirty="0"/>
+          </a:p>
+          <a:p>
+            <a:r>
+              <a:rPr lang="en-US" dirty="0" smtClean="0"/>
+              <a:t>Variables:</a:t>
+            </a:r>
+          </a:p>
+          <a:p>
+            <a:pPr marL="285750" indent="-285750">
+              <a:buFont typeface="Arial" panose="020B0604020202020204" pitchFamily="34" charset="0"/>
+              <a:buChar char="•"/>
+            </a:pPr>
+            <a:r>
+              <a:rPr lang="en-US" dirty="0">
+                <a:solidFill>
+                  <a:srgbClr val="FF0000"/>
+                </a:solidFill>
+                <a:latin typeface="Consolas" panose="020B0609020204030204" pitchFamily="49" charset="0"/>
+                <a:cs typeface="Consolas" panose="020B0609020204030204" pitchFamily="49" charset="0"/>
+              </a:rPr>
+              <a:t>$(</a:t>
+            </a:r>
+            <a:r>
+              <a:rPr lang="en-US" dirty="0" err="1" smtClean="0">
+                <a:solidFill>
+                  <a:srgbClr val="FF0000"/>
+                </a:solidFill>
+                <a:latin typeface="Consolas" panose="020B0609020204030204" pitchFamily="49" charset="0"/>
+                <a:cs typeface="Consolas" panose="020B0609020204030204" pitchFamily="49" charset="0"/>
+              </a:rPr>
+              <a:t>env.</a:t>
+            </a:r>
+            <a:r>
+              <a:rPr lang="en-US" dirty="0" err="1" smtClean="0">
+                <a:solidFill>
+                  <a:srgbClr val="00B050"/>
+                </a:solidFill>
+                <a:latin typeface="Consolas" panose="020B0609020204030204" pitchFamily="49" charset="0"/>
+                <a:cs typeface="Consolas" panose="020B0609020204030204" pitchFamily="49" charset="0"/>
+              </a:rPr>
+              <a:t>Variable</a:t>
+            </a:r>
+            <a:r>
+              <a:rPr lang="en-US" dirty="0" smtClean="0">
+                <a:solidFill>
+                  <a:srgbClr val="FF0000"/>
+                </a:solidFill>
+                <a:latin typeface="Consolas" panose="020B0609020204030204" pitchFamily="49" charset="0"/>
+                <a:cs typeface="Consolas" panose="020B0609020204030204" pitchFamily="49" charset="0"/>
+              </a:rPr>
+              <a:t>) </a:t>
+            </a:r>
+            <a:r>
+              <a:rPr lang="en-US" dirty="0" smtClean="0"/>
+              <a:t>– environment variable (e.g. </a:t>
+            </a:r>
+            <a:r>
+              <a:rPr lang="en-US" dirty="0" err="1">
+                <a:solidFill>
+                  <a:srgbClr val="00B050"/>
+                </a:solidFill>
+              </a:rPr>
+              <a:t>CommonProgramFiles</a:t>
+            </a:r>
+            <a:r>
+              <a:rPr lang="en-US" dirty="0">
+                <a:solidFill>
+                  <a:srgbClr val="00B050"/>
+                </a:solidFill>
+              </a:rPr>
+              <a:t>(x86</a:t>
+            </a:r>
+            <a:r>
+              <a:rPr lang="en-US" dirty="0" smtClean="0">
+                <a:solidFill>
+                  <a:srgbClr val="00B050"/>
+                </a:solidFill>
+              </a:rPr>
+              <a:t>)</a:t>
+            </a:r>
+            <a:r>
+              <a:rPr lang="en-US" dirty="0" smtClean="0"/>
+              <a:t>)</a:t>
+            </a:r>
+          </a:p>
+          <a:p>
+            <a:pPr marL="285750" indent="-285750">
+              <a:buFont typeface="Arial" panose="020B0604020202020204" pitchFamily="34" charset="0"/>
+              <a:buChar char="•"/>
+            </a:pPr>
+            <a:r>
+              <a:rPr lang="en-US" dirty="0" smtClean="0">
+                <a:solidFill>
+                  <a:srgbClr val="FF0000"/>
+                </a:solidFill>
+                <a:latin typeface="Consolas" panose="020B0609020204030204" pitchFamily="49" charset="0"/>
+                <a:cs typeface="Consolas" panose="020B0609020204030204" pitchFamily="49" charset="0"/>
+              </a:rPr>
+              <a:t>$(</a:t>
+            </a:r>
+            <a:r>
+              <a:rPr lang="en-US" dirty="0" err="1" smtClean="0">
+                <a:solidFill>
+                  <a:srgbClr val="FF0000"/>
+                </a:solidFill>
+                <a:latin typeface="Consolas" panose="020B0609020204030204" pitchFamily="49" charset="0"/>
+                <a:cs typeface="Consolas" panose="020B0609020204030204" pitchFamily="49" charset="0"/>
+              </a:rPr>
+              <a:t>sys.</a:t>
+            </a:r>
+            <a:r>
+              <a:rPr lang="en-US" dirty="0" err="1" smtClean="0">
+                <a:solidFill>
+                  <a:srgbClr val="00B050"/>
+                </a:solidFill>
+                <a:latin typeface="Consolas" panose="020B0609020204030204" pitchFamily="49" charset="0"/>
+                <a:cs typeface="Consolas" panose="020B0609020204030204" pitchFamily="49" charset="0"/>
+              </a:rPr>
+              <a:t>Variable</a:t>
+            </a:r>
+            <a:r>
+              <a:rPr lang="en-US" dirty="0">
+                <a:solidFill>
+                  <a:srgbClr val="FF0000"/>
+                </a:solidFill>
+                <a:latin typeface="Consolas" panose="020B0609020204030204" pitchFamily="49" charset="0"/>
+                <a:cs typeface="Consolas" panose="020B0609020204030204" pitchFamily="49" charset="0"/>
+              </a:rPr>
+              <a:t>) </a:t>
+            </a:r>
+            <a:r>
+              <a:rPr lang="en-US" dirty="0"/>
+              <a:t>– </a:t>
+            </a:r>
+            <a:r>
+              <a:rPr lang="en-US" dirty="0" smtClean="0"/>
+              <a:t>system variable provided by WiX (e.g. </a:t>
+            </a:r>
+            <a:r>
+              <a:rPr lang="en-US" dirty="0" smtClean="0">
+                <a:solidFill>
+                  <a:srgbClr val="00B050"/>
+                </a:solidFill>
+              </a:rPr>
+              <a:t>CURRENTDIR</a:t>
+            </a:r>
+            <a:r>
+              <a:rPr lang="en-US" dirty="0" smtClean="0"/>
+              <a:t>)</a:t>
+            </a:r>
+          </a:p>
+          <a:p>
+            <a:pPr marL="285750" indent="-285750">
+              <a:buFont typeface="Arial" panose="020B0604020202020204" pitchFamily="34" charset="0"/>
+              <a:buChar char="•"/>
+            </a:pPr>
+            <a:r>
+              <a:rPr lang="en-US" dirty="0" smtClean="0">
+                <a:solidFill>
+                  <a:srgbClr val="FF0000"/>
+                </a:solidFill>
+                <a:latin typeface="Consolas" panose="020B0609020204030204" pitchFamily="49" charset="0"/>
+                <a:cs typeface="Consolas" panose="020B0609020204030204" pitchFamily="49" charset="0"/>
+              </a:rPr>
+              <a:t>$(</a:t>
+            </a:r>
+            <a:r>
+              <a:rPr lang="en-US" dirty="0" err="1" smtClean="0">
+                <a:solidFill>
+                  <a:srgbClr val="FF0000"/>
+                </a:solidFill>
+                <a:latin typeface="Consolas" panose="020B0609020204030204" pitchFamily="49" charset="0"/>
+                <a:cs typeface="Consolas" panose="020B0609020204030204" pitchFamily="49" charset="0"/>
+              </a:rPr>
+              <a:t>var.</a:t>
+            </a:r>
+            <a:r>
+              <a:rPr lang="en-US" dirty="0" err="1" smtClean="0">
+                <a:solidFill>
+                  <a:srgbClr val="00B050"/>
+                </a:solidFill>
+                <a:latin typeface="Consolas" panose="020B0609020204030204" pitchFamily="49" charset="0"/>
+                <a:cs typeface="Consolas" panose="020B0609020204030204" pitchFamily="49" charset="0"/>
+              </a:rPr>
+              <a:t>Variable</a:t>
+            </a:r>
+            <a:r>
+              <a:rPr lang="en-US" dirty="0">
+                <a:solidFill>
+                  <a:srgbClr val="FF0000"/>
+                </a:solidFill>
+                <a:latin typeface="Consolas" panose="020B0609020204030204" pitchFamily="49" charset="0"/>
+                <a:cs typeface="Consolas" panose="020B0609020204030204" pitchFamily="49" charset="0"/>
+              </a:rPr>
+              <a:t>) </a:t>
+            </a:r>
+            <a:r>
+              <a:rPr lang="en-US" dirty="0"/>
+              <a:t>– </a:t>
+            </a:r>
+            <a:r>
+              <a:rPr lang="en-US" dirty="0" smtClean="0"/>
+              <a:t>local variable defined in the current .</a:t>
+            </a:r>
+            <a:r>
+              <a:rPr lang="en-US" dirty="0" err="1" smtClean="0"/>
+              <a:t>wxs</a:t>
+            </a:r>
+            <a:r>
+              <a:rPr lang="en-US" dirty="0" smtClean="0"/>
+              <a:t> file.</a:t>
+            </a:r>
+            <a:endParaRPr lang="en-US" dirty="0"/>
+          </a:p>
+          <a:p>
+            <a:endParaRPr lang="en-US" dirty="0" smtClean="0"/>
+          </a:p>
+          <a:p>
+            <a:r>
+              <a:rPr lang="en-US" dirty="0" smtClean="0"/>
+              <a:t>Definition:</a:t>
+            </a:r>
+          </a:p>
+          <a:p>
+            <a:pPr marL="285750" indent="-285750">
+              <a:buFont typeface="Arial" panose="020B0604020202020204" pitchFamily="34" charset="0"/>
+              <a:buChar char="•"/>
+            </a:pPr>
+            <a:r>
+              <a:rPr lang="en-US" dirty="0">
+                <a:solidFill>
+                  <a:srgbClr val="FF0000"/>
+                </a:solidFill>
+                <a:latin typeface="Consolas" panose="020B0609020204030204" pitchFamily="49" charset="0"/>
+                <a:cs typeface="Consolas" panose="020B0609020204030204" pitchFamily="49" charset="0"/>
+              </a:rPr>
+              <a:t>&lt;?define </a:t>
+            </a:r>
+            <a:r>
+              <a:rPr lang="en-US" dirty="0" err="1" smtClean="0">
+                <a:solidFill>
+                  <a:srgbClr val="00B050"/>
+                </a:solidFill>
+                <a:latin typeface="Consolas" panose="020B0609020204030204" pitchFamily="49" charset="0"/>
+                <a:cs typeface="Consolas" panose="020B0609020204030204" pitchFamily="49" charset="0"/>
+              </a:rPr>
+              <a:t>VariableName</a:t>
+            </a:r>
+            <a:r>
+              <a:rPr lang="en-US" dirty="0" smtClean="0">
+                <a:solidFill>
+                  <a:srgbClr val="FF0000"/>
+                </a:solidFill>
+                <a:latin typeface="Consolas" panose="020B0609020204030204" pitchFamily="49" charset="0"/>
+                <a:cs typeface="Consolas" panose="020B0609020204030204" pitchFamily="49" charset="0"/>
+              </a:rPr>
+              <a:t>=</a:t>
+            </a:r>
+            <a:r>
+              <a:rPr lang="en-US" dirty="0" smtClean="0">
+                <a:solidFill>
+                  <a:srgbClr val="00B050"/>
+                </a:solidFill>
+                <a:latin typeface="Consolas" panose="020B0609020204030204" pitchFamily="49" charset="0"/>
+                <a:cs typeface="Consolas" panose="020B0609020204030204" pitchFamily="49" charset="0"/>
+              </a:rPr>
+              <a:t>“Variable Value”</a:t>
+            </a:r>
+            <a:r>
+              <a:rPr lang="en-US" dirty="0" smtClean="0">
+                <a:solidFill>
+                  <a:srgbClr val="FF0000"/>
+                </a:solidFill>
+                <a:latin typeface="Consolas" panose="020B0609020204030204" pitchFamily="49" charset="0"/>
+                <a:cs typeface="Consolas" panose="020B0609020204030204" pitchFamily="49" charset="0"/>
+              </a:rPr>
+              <a:t> ?&gt;</a:t>
+            </a:r>
+          </a:p>
+          <a:p>
+            <a:pPr marL="285750" indent="-285750">
+              <a:buFont typeface="Arial" panose="020B0604020202020204" pitchFamily="34" charset="0"/>
+              <a:buChar char="•"/>
+            </a:pPr>
+            <a:r>
+              <a:rPr lang="en-US" dirty="0" smtClean="0">
+                <a:solidFill>
+                  <a:srgbClr val="FF0000"/>
+                </a:solidFill>
+                <a:latin typeface="Consolas" panose="020B0609020204030204" pitchFamily="49" charset="0"/>
+                <a:cs typeface="Consolas" panose="020B0609020204030204" pitchFamily="49" charset="0"/>
+              </a:rPr>
+              <a:t>&lt;?</a:t>
+            </a:r>
+            <a:r>
+              <a:rPr lang="en-US" dirty="0" err="1" smtClean="0">
+                <a:solidFill>
+                  <a:srgbClr val="FF0000"/>
+                </a:solidFill>
+                <a:latin typeface="Consolas" panose="020B0609020204030204" pitchFamily="49" charset="0"/>
+                <a:cs typeface="Consolas" panose="020B0609020204030204" pitchFamily="49" charset="0"/>
+              </a:rPr>
+              <a:t>undef</a:t>
+            </a:r>
+            <a:r>
+              <a:rPr lang="en-US" dirty="0" smtClean="0">
+                <a:solidFill>
+                  <a:srgbClr val="FF0000"/>
+                </a:solidFill>
+                <a:latin typeface="Consolas" panose="020B0609020204030204" pitchFamily="49" charset="0"/>
+                <a:cs typeface="Consolas" panose="020B0609020204030204" pitchFamily="49" charset="0"/>
+              </a:rPr>
+              <a:t> </a:t>
+            </a:r>
+            <a:r>
+              <a:rPr lang="en-US" dirty="0" err="1" smtClean="0">
+                <a:solidFill>
+                  <a:srgbClr val="00B050"/>
+                </a:solidFill>
+                <a:latin typeface="Consolas" panose="020B0609020204030204" pitchFamily="49" charset="0"/>
+                <a:cs typeface="Consolas" panose="020B0609020204030204" pitchFamily="49" charset="0"/>
+              </a:rPr>
+              <a:t>VariableName</a:t>
+            </a:r>
+            <a:r>
+              <a:rPr lang="en-US" dirty="0" smtClean="0">
+                <a:solidFill>
+                  <a:srgbClr val="FF0000"/>
+                </a:solidFill>
+                <a:latin typeface="Consolas" panose="020B0609020204030204" pitchFamily="49" charset="0"/>
+                <a:cs typeface="Consolas" panose="020B0609020204030204" pitchFamily="49" charset="0"/>
+              </a:rPr>
+              <a:t> ?&gt;</a:t>
+            </a:r>
+            <a:endParaRPr lang="en-US" dirty="0">
+              <a:solidFill>
+                <a:srgbClr val="FF0000"/>
+              </a:solidFill>
+              <a:latin typeface="Consolas" panose="020B0609020204030204" pitchFamily="49" charset="0"/>
+              <a:cs typeface="Consolas" panose="020B0609020204030204" pitchFamily="49" charset="0"/>
+            </a:endParaRPr>
+          </a:p>
+          <a:p>
+            <a:endParaRPr lang="en-US" dirty="0" smtClean="0"/>
+          </a:p>
+          <a:p>
+            <a:r>
+              <a:rPr lang="en-US" dirty="0" smtClean="0"/>
+              <a:t>Conditions:</a:t>
+            </a:r>
+          </a:p>
+          <a:p>
+            <a:pPr lvl="1"/>
+            <a:r>
+              <a:rPr lang="en-US" dirty="0">
+                <a:solidFill>
+                  <a:srgbClr val="FF0000"/>
+                </a:solidFill>
+                <a:latin typeface="Consolas" panose="020B0609020204030204" pitchFamily="49" charset="0"/>
+                <a:cs typeface="Consolas" panose="020B0609020204030204" pitchFamily="49" charset="0"/>
+              </a:rPr>
+              <a:t>&lt;?if </a:t>
+            </a:r>
+            <a:r>
+              <a:rPr lang="en-US" dirty="0" smtClean="0">
+                <a:solidFill>
+                  <a:srgbClr val="FF0000"/>
+                </a:solidFill>
+                <a:latin typeface="Consolas" panose="020B0609020204030204" pitchFamily="49" charset="0"/>
+                <a:cs typeface="Consolas" panose="020B0609020204030204" pitchFamily="49" charset="0"/>
+              </a:rPr>
+              <a:t>?&gt;   &lt;?</a:t>
+            </a:r>
+            <a:r>
+              <a:rPr lang="en-US" dirty="0" err="1">
+                <a:solidFill>
+                  <a:srgbClr val="FF0000"/>
+                </a:solidFill>
+                <a:latin typeface="Consolas" panose="020B0609020204030204" pitchFamily="49" charset="0"/>
+                <a:cs typeface="Consolas" panose="020B0609020204030204" pitchFamily="49" charset="0"/>
+              </a:rPr>
+              <a:t>ifdef</a:t>
+            </a:r>
+            <a:r>
+              <a:rPr lang="en-US" dirty="0">
+                <a:solidFill>
+                  <a:srgbClr val="FF0000"/>
+                </a:solidFill>
+                <a:latin typeface="Consolas" panose="020B0609020204030204" pitchFamily="49" charset="0"/>
+                <a:cs typeface="Consolas" panose="020B0609020204030204" pitchFamily="49" charset="0"/>
+              </a:rPr>
+              <a:t> </a:t>
+            </a:r>
+            <a:r>
+              <a:rPr lang="en-US" dirty="0" smtClean="0">
+                <a:solidFill>
+                  <a:srgbClr val="FF0000"/>
+                </a:solidFill>
+                <a:latin typeface="Consolas" panose="020B0609020204030204" pitchFamily="49" charset="0"/>
+                <a:cs typeface="Consolas" panose="020B0609020204030204" pitchFamily="49" charset="0"/>
+              </a:rPr>
+              <a:t>?&gt;   &lt;?</a:t>
+            </a:r>
+            <a:r>
+              <a:rPr lang="en-US" dirty="0" err="1">
+                <a:solidFill>
+                  <a:srgbClr val="FF0000"/>
+                </a:solidFill>
+                <a:latin typeface="Consolas" panose="020B0609020204030204" pitchFamily="49" charset="0"/>
+                <a:cs typeface="Consolas" panose="020B0609020204030204" pitchFamily="49" charset="0"/>
+              </a:rPr>
+              <a:t>ifndef</a:t>
+            </a:r>
+            <a:r>
+              <a:rPr lang="en-US" dirty="0">
+                <a:solidFill>
+                  <a:srgbClr val="FF0000"/>
+                </a:solidFill>
+                <a:latin typeface="Consolas" panose="020B0609020204030204" pitchFamily="49" charset="0"/>
+                <a:cs typeface="Consolas" panose="020B0609020204030204" pitchFamily="49" charset="0"/>
+              </a:rPr>
+              <a:t> </a:t>
+            </a:r>
+            <a:r>
+              <a:rPr lang="en-US" dirty="0" smtClean="0">
+                <a:solidFill>
+                  <a:srgbClr val="FF0000"/>
+                </a:solidFill>
+                <a:latin typeface="Consolas" panose="020B0609020204030204" pitchFamily="49" charset="0"/>
+                <a:cs typeface="Consolas" panose="020B0609020204030204" pitchFamily="49" charset="0"/>
+              </a:rPr>
+              <a:t>?&gt;   &lt;?</a:t>
+            </a:r>
+            <a:r>
+              <a:rPr lang="en-US" dirty="0">
+                <a:solidFill>
+                  <a:srgbClr val="FF0000"/>
+                </a:solidFill>
+                <a:latin typeface="Consolas" panose="020B0609020204030204" pitchFamily="49" charset="0"/>
+                <a:cs typeface="Consolas" panose="020B0609020204030204" pitchFamily="49" charset="0"/>
+              </a:rPr>
+              <a:t>else</a:t>
+            </a:r>
+            <a:r>
+              <a:rPr lang="en-US" dirty="0" smtClean="0">
+                <a:solidFill>
+                  <a:srgbClr val="FF0000"/>
+                </a:solidFill>
+                <a:latin typeface="Consolas" panose="020B0609020204030204" pitchFamily="49" charset="0"/>
+                <a:cs typeface="Consolas" panose="020B0609020204030204" pitchFamily="49" charset="0"/>
+              </a:rPr>
+              <a:t>?&gt;   &lt;?</a:t>
+            </a:r>
+            <a:r>
+              <a:rPr lang="en-US" dirty="0" err="1">
+                <a:solidFill>
+                  <a:srgbClr val="FF0000"/>
+                </a:solidFill>
+                <a:latin typeface="Consolas" panose="020B0609020204030204" pitchFamily="49" charset="0"/>
+                <a:cs typeface="Consolas" panose="020B0609020204030204" pitchFamily="49" charset="0"/>
+              </a:rPr>
+              <a:t>elseif</a:t>
+            </a:r>
+            <a:r>
+              <a:rPr lang="en-US" dirty="0">
+                <a:solidFill>
+                  <a:srgbClr val="FF0000"/>
+                </a:solidFill>
+                <a:latin typeface="Consolas" panose="020B0609020204030204" pitchFamily="49" charset="0"/>
+                <a:cs typeface="Consolas" panose="020B0609020204030204" pitchFamily="49" charset="0"/>
+              </a:rPr>
+              <a:t> </a:t>
+            </a:r>
+            <a:r>
+              <a:rPr lang="en-US" dirty="0" smtClean="0">
+                <a:solidFill>
+                  <a:srgbClr val="FF0000"/>
+                </a:solidFill>
+                <a:latin typeface="Consolas" panose="020B0609020204030204" pitchFamily="49" charset="0"/>
+                <a:cs typeface="Consolas" panose="020B0609020204030204" pitchFamily="49" charset="0"/>
+              </a:rPr>
+              <a:t>?&gt;   &lt;?</a:t>
+            </a:r>
+            <a:r>
+              <a:rPr lang="en-US" dirty="0" err="1">
+                <a:solidFill>
+                  <a:srgbClr val="FF0000"/>
+                </a:solidFill>
+                <a:latin typeface="Consolas" panose="020B0609020204030204" pitchFamily="49" charset="0"/>
+                <a:cs typeface="Consolas" panose="020B0609020204030204" pitchFamily="49" charset="0"/>
+              </a:rPr>
+              <a:t>endif</a:t>
+            </a:r>
+            <a:r>
+              <a:rPr lang="en-US" dirty="0" smtClean="0">
+                <a:solidFill>
+                  <a:srgbClr val="FF0000"/>
+                </a:solidFill>
+                <a:latin typeface="Consolas" panose="020B0609020204030204" pitchFamily="49" charset="0"/>
+                <a:cs typeface="Consolas" panose="020B0609020204030204" pitchFamily="49" charset="0"/>
+              </a:rPr>
+              <a:t>?&gt;</a:t>
+            </a:r>
+          </a:p>
+          <a:p>
+            <a:endParaRPr lang="en-US" dirty="0"/>
+          </a:p>
+          <a:p>
+            <a:r>
+              <a:rPr lang="en-US" dirty="0" smtClean="0"/>
+              <a:t>Iterations:</a:t>
+            </a:r>
+          </a:p>
+          <a:p>
+            <a:r>
+              <a:rPr lang="en-US" dirty="0">
+                <a:solidFill>
+                  <a:srgbClr val="FF0000"/>
+                </a:solidFill>
+                <a:latin typeface="Consolas" panose="020B0609020204030204" pitchFamily="49" charset="0"/>
+                <a:cs typeface="Consolas" panose="020B0609020204030204" pitchFamily="49" charset="0"/>
+              </a:rPr>
+              <a:t>&lt;?</a:t>
+            </a:r>
+            <a:r>
+              <a:rPr lang="en-US" dirty="0" err="1">
+                <a:solidFill>
+                  <a:srgbClr val="FF0000"/>
+                </a:solidFill>
+                <a:latin typeface="Consolas" panose="020B0609020204030204" pitchFamily="49" charset="0"/>
+                <a:cs typeface="Consolas" panose="020B0609020204030204" pitchFamily="49" charset="0"/>
+              </a:rPr>
+              <a:t>foreach</a:t>
+            </a:r>
+            <a:r>
+              <a:rPr lang="en-US" dirty="0">
+                <a:solidFill>
+                  <a:srgbClr val="FF0000"/>
+                </a:solidFill>
+                <a:latin typeface="Consolas" panose="020B0609020204030204" pitchFamily="49" charset="0"/>
+                <a:cs typeface="Consolas" panose="020B0609020204030204" pitchFamily="49" charset="0"/>
+              </a:rPr>
+              <a:t> </a:t>
+            </a:r>
+            <a:r>
+              <a:rPr lang="en-US" dirty="0">
+                <a:solidFill>
+                  <a:srgbClr val="00B050"/>
+                </a:solidFill>
+                <a:latin typeface="Consolas" panose="020B0609020204030204" pitchFamily="49" charset="0"/>
+                <a:cs typeface="Consolas" panose="020B0609020204030204" pitchFamily="49" charset="0"/>
+              </a:rPr>
+              <a:t>variable-name</a:t>
+            </a:r>
+            <a:r>
+              <a:rPr lang="en-US" dirty="0">
+                <a:solidFill>
+                  <a:srgbClr val="FF0000"/>
+                </a:solidFill>
+                <a:latin typeface="Consolas" panose="020B0609020204030204" pitchFamily="49" charset="0"/>
+                <a:cs typeface="Consolas" panose="020B0609020204030204" pitchFamily="49" charset="0"/>
+              </a:rPr>
+              <a:t> in </a:t>
+            </a:r>
+            <a:r>
+              <a:rPr lang="en-US" dirty="0">
+                <a:solidFill>
+                  <a:srgbClr val="00B050"/>
+                </a:solidFill>
+                <a:latin typeface="Consolas" panose="020B0609020204030204" pitchFamily="49" charset="0"/>
+                <a:cs typeface="Consolas" panose="020B0609020204030204" pitchFamily="49" charset="0"/>
+              </a:rPr>
+              <a:t>semi-colon-delimited-list</a:t>
+            </a:r>
+            <a:r>
+              <a:rPr lang="en-US" dirty="0">
+                <a:solidFill>
+                  <a:srgbClr val="FF0000"/>
+                </a:solidFill>
+                <a:latin typeface="Consolas" panose="020B0609020204030204" pitchFamily="49" charset="0"/>
+                <a:cs typeface="Consolas" panose="020B0609020204030204" pitchFamily="49" charset="0"/>
+              </a:rPr>
+              <a:t> </a:t>
+            </a:r>
+            <a:r>
+              <a:rPr lang="en-US" dirty="0" smtClean="0">
+                <a:solidFill>
+                  <a:srgbClr val="FF0000"/>
+                </a:solidFill>
+                <a:latin typeface="Consolas" panose="020B0609020204030204" pitchFamily="49" charset="0"/>
+                <a:cs typeface="Consolas" panose="020B0609020204030204" pitchFamily="49" charset="0"/>
+              </a:rPr>
+              <a:t>?&gt;</a:t>
+            </a:r>
+          </a:p>
+          <a:p>
+            <a:pPr lvl="1"/>
+            <a:r>
+              <a:rPr lang="en-US" i="1" dirty="0" smtClean="0">
+                <a:latin typeface="Consolas" panose="020B0609020204030204" pitchFamily="49" charset="0"/>
+                <a:cs typeface="Consolas" panose="020B0609020204030204" pitchFamily="49" charset="0"/>
+              </a:rPr>
+              <a:t>WXS content to be repeated</a:t>
+            </a:r>
+          </a:p>
+          <a:p>
+            <a:r>
+              <a:rPr lang="en-US" dirty="0" smtClean="0">
+                <a:solidFill>
+                  <a:srgbClr val="FF0000"/>
+                </a:solidFill>
+                <a:latin typeface="Consolas" panose="020B0609020204030204" pitchFamily="49" charset="0"/>
+                <a:cs typeface="Consolas" panose="020B0609020204030204" pitchFamily="49" charset="0"/>
+              </a:rPr>
+              <a:t>&lt;?</a:t>
+            </a:r>
+            <a:r>
+              <a:rPr lang="en-US" dirty="0" err="1">
+                <a:solidFill>
+                  <a:srgbClr val="FF0000"/>
+                </a:solidFill>
+                <a:latin typeface="Consolas" panose="020B0609020204030204" pitchFamily="49" charset="0"/>
+                <a:cs typeface="Consolas" panose="020B0609020204030204" pitchFamily="49" charset="0"/>
+              </a:rPr>
+              <a:t>endforeach</a:t>
+            </a:r>
+            <a:r>
+              <a:rPr lang="en-US" dirty="0">
+                <a:solidFill>
+                  <a:srgbClr val="FF0000"/>
+                </a:solidFill>
+                <a:latin typeface="Consolas" panose="020B0609020204030204" pitchFamily="49" charset="0"/>
+                <a:cs typeface="Consolas" panose="020B0609020204030204" pitchFamily="49" charset="0"/>
+              </a:rPr>
+              <a:t>?&gt;</a:t>
+            </a:r>
+            <a:endParaRPr lang="en-US" dirty="0" smtClean="0">
+              <a:solidFill>
+                <a:srgbClr val="FF0000"/>
+              </a:solidFill>
+              <a:latin typeface="Consolas" panose="020B0609020204030204" pitchFamily="49" charset="0"/>
+              <a:cs typeface="Consolas" panose="020B0609020204030204" pitchFamily="49" charset="0"/>
+            </a:endParaRPr>
+          </a:p>
+        </p:txBody>
+      </p:sp>
+      <p:sp>
+        <p:nvSpPr>
+          <p:cNvPr id="2" name="Прямоугольник 1"/>
+          <p:cNvSpPr/>
+          <p:nvPr/>
+        </p:nvSpPr>
+        <p:spPr>
+          <a:xfrm>
+            <a:off x="713449" y="6158227"/>
+            <a:ext cx="8364623" cy="369332"/>
+          </a:xfrm>
+          <a:prstGeom prst="rect">
+            <a:avLst/>
+          </a:prstGeom>
+        </p:spPr>
+        <p:txBody>
+          <a:bodyPr wrap="square">
+            <a:spAutoFit/>
+          </a:bodyPr>
+          <a:lstStyle/>
+          <a:p>
+            <a:r>
+              <a:rPr lang="ru-RU" dirty="0">
+                <a:hlinkClick r:id="rId2"/>
+              </a:rPr>
+              <a:t>http://</a:t>
+            </a:r>
+            <a:r>
+              <a:rPr lang="ru-RU" dirty="0" smtClean="0">
+                <a:hlinkClick r:id="rId2"/>
+              </a:rPr>
+              <a:t>wixtoolset.org/documentation/manual/v3/overview/preprocessor.html</a:t>
+            </a:r>
+            <a:endParaRPr lang="en-US" dirty="0" smtClean="0"/>
+          </a:p>
+        </p:txBody>
+      </p:sp>
+    </p:spTree>
+    <p:extLst>
+      <p:ext uri="{BB962C8B-B14F-4D97-AF65-F5344CB8AC3E}">
+        <p14:creationId xmlns:p14="http://schemas.microsoft.com/office/powerpoint/2010/main" val="3745253704"/>
+      </p:ext>
+    </p:extLst>
+  </p:cSld>
+  <p:clrMapOvr>
+    <a:masterClrMapping/>
+  </p:clrMapOvr>
+  <p:timing>
+    <p:tnLst>
+      <p:par>
+        <p:cTn id="1" dur="indefinite" restart="never" nodeType="tmRoot">
+          <p:childTnLst>
+            <p:seq concurrent="1" nextAc="seek">
+              <p:cTn id="2" dur="indefinite" nodeType="mainSeq">
+                <p:childTnLst>
+                  <p:par>
+                    <p:cTn id="3" fill="hold">
+                      <p:stCondLst>
+                        <p:cond delay="indefinite"/>
+                      </p:stCondLst>
+                      <p:childTnLst>
+                        <p:par>
+                          <p:cTn id="4" fill="hold">
+                            <p:stCondLst>
+                              <p:cond delay="0"/>
+                            </p:stCondLst>
+                            <p:childTnLst>
+                              <p:par>
+                                <p:cTn id="5" presetID="1" presetClass="entr" presetSubtype="0" fill="hold" nodeType="clickEffect">
+                                  <p:stCondLst>
+                                    <p:cond delay="0"/>
+                                  </p:stCondLst>
+                                  <p:childTnLst>
+                                    <p:set>
+                                      <p:cBhvr>
+                                        <p:cTn id="6" dur="1" fill="hold">
+                                          <p:stCondLst>
+                                            <p:cond delay="0"/>
+                                          </p:stCondLst>
+                                        </p:cTn>
+                                        <p:tgtEl>
+                                          <p:spTgt spid="7">
+                                            <p:txEl>
+                                              <p:pRg st="0" end="0"/>
+                                            </p:txEl>
+                                          </p:spTgt>
+                                        </p:tgtEl>
+                                        <p:attrNameLst>
+                                          <p:attrName>style.visibility</p:attrName>
+                                        </p:attrNameLst>
+                                      </p:cBhvr>
+                                      <p:to>
+                                        <p:strVal val="visible"/>
+                                      </p:to>
+                                    </p:set>
+                                  </p:childTnLst>
+                                </p:cTn>
+                              </p:par>
+                            </p:childTnLst>
+                          </p:cTn>
+                        </p:par>
+                      </p:childTnLst>
+                    </p:cTn>
+                  </p:par>
+                  <p:par>
+                    <p:cTn id="7" fill="hold">
+                      <p:stCondLst>
+                        <p:cond delay="indefinite"/>
+                      </p:stCondLst>
+                      <p:childTnLst>
+                        <p:par>
+                          <p:cTn id="8" fill="hold">
+                            <p:stCondLst>
+                              <p:cond delay="0"/>
+                            </p:stCondLst>
+                            <p:childTnLst>
+                              <p:par>
+                                <p:cTn id="9" presetID="1" presetClass="entr" presetSubtype="0" fill="hold" nodeType="clickEffect">
+                                  <p:stCondLst>
+                                    <p:cond delay="0"/>
+                                  </p:stCondLst>
+                                  <p:childTnLst>
+                                    <p:set>
+                                      <p:cBhvr>
+                                        <p:cTn id="10" dur="1" fill="hold">
+                                          <p:stCondLst>
+                                            <p:cond delay="0"/>
+                                          </p:stCondLst>
+                                        </p:cTn>
+                                        <p:tgtEl>
+                                          <p:spTgt spid="7">
+                                            <p:txEl>
+                                              <p:pRg st="2" end="2"/>
+                                            </p:txEl>
+                                          </p:spTgt>
+                                        </p:tgtEl>
+                                        <p:attrNameLst>
+                                          <p:attrName>style.visibility</p:attrName>
+                                        </p:attrNameLst>
+                                      </p:cBhvr>
+                                      <p:to>
+                                        <p:strVal val="visible"/>
+                                      </p:to>
+                                    </p:set>
+                                  </p:childTnLst>
+                                </p:cTn>
+                              </p:par>
+                            </p:childTnLst>
+                          </p:cTn>
+                        </p:par>
+                      </p:childTnLst>
+                    </p:cTn>
+                  </p:par>
+                  <p:par>
+                    <p:cTn id="11" fill="hold">
+                      <p:stCondLst>
+                        <p:cond delay="indefinite"/>
+                      </p:stCondLst>
+                      <p:childTnLst>
+                        <p:par>
+                          <p:cTn id="12" fill="hold">
+                            <p:stCondLst>
+                              <p:cond delay="0"/>
+                            </p:stCondLst>
+                            <p:childTnLst>
+                              <p:par>
+                                <p:cTn id="13" presetID="1" presetClass="entr" presetSubtype="0" fill="hold" nodeType="clickEffect">
+                                  <p:stCondLst>
+                                    <p:cond delay="0"/>
+                                  </p:stCondLst>
+                                  <p:childTnLst>
+                                    <p:set>
+                                      <p:cBhvr>
+                                        <p:cTn id="14" dur="1" fill="hold">
+                                          <p:stCondLst>
+                                            <p:cond delay="0"/>
+                                          </p:stCondLst>
+                                        </p:cTn>
+                                        <p:tgtEl>
+                                          <p:spTgt spid="7">
+                                            <p:txEl>
+                                              <p:pRg st="3" end="3"/>
+                                            </p:txEl>
+                                          </p:spTgt>
+                                        </p:tgtEl>
+                                        <p:attrNameLst>
+                                          <p:attrName>style.visibility</p:attrName>
+                                        </p:attrNameLst>
+                                      </p:cBhvr>
+                                      <p:to>
+                                        <p:strVal val="visible"/>
+                                      </p:to>
+                                    </p:set>
+                                  </p:childTnLst>
+                                </p:cTn>
+                              </p:par>
+                            </p:childTnLst>
+                          </p:cTn>
+                        </p:par>
+                      </p:childTnLst>
+                    </p:cTn>
+                  </p:par>
+                  <p:par>
+                    <p:cTn id="15" fill="hold">
+                      <p:stCondLst>
+                        <p:cond delay="indefinite"/>
+                      </p:stCondLst>
+                      <p:childTnLst>
+                        <p:par>
+                          <p:cTn id="16" fill="hold">
+                            <p:stCondLst>
+                              <p:cond delay="0"/>
+                            </p:stCondLst>
+                            <p:childTnLst>
+                              <p:par>
+                                <p:cTn id="17" presetID="1" presetClass="entr" presetSubtype="0" fill="hold" nodeType="clickEffect">
+                                  <p:stCondLst>
+                                    <p:cond delay="0"/>
+                                  </p:stCondLst>
+                                  <p:childTnLst>
+                                    <p:set>
+                                      <p:cBhvr>
+                                        <p:cTn id="18" dur="1" fill="hold">
+                                          <p:stCondLst>
+                                            <p:cond delay="0"/>
+                                          </p:stCondLst>
+                                        </p:cTn>
+                                        <p:tgtEl>
+                                          <p:spTgt spid="7">
+                                            <p:txEl>
+                                              <p:pRg st="4" end="4"/>
+                                            </p:txEl>
+                                          </p:spTgt>
+                                        </p:tgtEl>
+                                        <p:attrNameLst>
+                                          <p:attrName>style.visibility</p:attrName>
+                                        </p:attrNameLst>
+                                      </p:cBhvr>
+                                      <p:to>
+                                        <p:strVal val="visible"/>
+                                      </p:to>
+                                    </p:set>
+                                  </p:childTnLst>
+                                </p:cTn>
+                              </p:par>
+                            </p:childTnLst>
+                          </p:cTn>
+                        </p:par>
+                      </p:childTnLst>
+                    </p:cTn>
+                  </p:par>
+                  <p:par>
+                    <p:cTn id="19" fill="hold">
+                      <p:stCondLst>
+                        <p:cond delay="indefinite"/>
+                      </p:stCondLst>
+                      <p:childTnLst>
+                        <p:par>
+                          <p:cTn id="20" fill="hold">
+                            <p:stCondLst>
+                              <p:cond delay="0"/>
+                            </p:stCondLst>
+                            <p:childTnLst>
+                              <p:par>
+                                <p:cTn id="21" presetID="1" presetClass="entr" presetSubtype="0" fill="hold" nodeType="clickEffect">
+                                  <p:stCondLst>
+                                    <p:cond delay="0"/>
+                                  </p:stCondLst>
+                                  <p:childTnLst>
+                                    <p:set>
+                                      <p:cBhvr>
+                                        <p:cTn id="22" dur="1" fill="hold">
+                                          <p:stCondLst>
+                                            <p:cond delay="0"/>
+                                          </p:stCondLst>
+                                        </p:cTn>
+                                        <p:tgtEl>
+                                          <p:spTgt spid="7">
+                                            <p:txEl>
+                                              <p:pRg st="5" end="5"/>
+                                            </p:txEl>
+                                          </p:spTgt>
+                                        </p:tgtEl>
+                                        <p:attrNameLst>
+                                          <p:attrName>style.visibility</p:attrName>
+                                        </p:attrNameLst>
+                                      </p:cBhvr>
+                                      <p:to>
+                                        <p:strVal val="visible"/>
+                                      </p:to>
+                                    </p:set>
+                                  </p:childTnLst>
+                                </p:cTn>
+                              </p:par>
+                            </p:childTnLst>
+                          </p:cTn>
+                        </p:par>
+                      </p:childTnLst>
+                    </p:cTn>
+                  </p:par>
+                  <p:par>
+                    <p:cTn id="23" fill="hold">
+                      <p:stCondLst>
+                        <p:cond delay="indefinite"/>
+                      </p:stCondLst>
+                      <p:childTnLst>
+                        <p:par>
+                          <p:cTn id="24" fill="hold">
+                            <p:stCondLst>
+                              <p:cond delay="0"/>
+                            </p:stCondLst>
+                            <p:childTnLst>
+                              <p:par>
+                                <p:cTn id="25" presetID="1" presetClass="entr" presetSubtype="0" fill="hold" nodeType="clickEffect">
+                                  <p:stCondLst>
+                                    <p:cond delay="0"/>
+                                  </p:stCondLst>
+                                  <p:childTnLst>
+                                    <p:set>
+                                      <p:cBhvr>
+                                        <p:cTn id="26" dur="1" fill="hold">
+                                          <p:stCondLst>
+                                            <p:cond delay="0"/>
+                                          </p:stCondLst>
+                                        </p:cTn>
+                                        <p:tgtEl>
+                                          <p:spTgt spid="7">
+                                            <p:txEl>
+                                              <p:pRg st="7" end="7"/>
+                                            </p:txEl>
+                                          </p:spTgt>
+                                        </p:tgtEl>
+                                        <p:attrNameLst>
+                                          <p:attrName>style.visibility</p:attrName>
+                                        </p:attrNameLst>
+                                      </p:cBhvr>
+                                      <p:to>
+                                        <p:strVal val="visible"/>
+                                      </p:to>
+                                    </p:set>
+                                  </p:childTnLst>
+                                </p:cTn>
+                              </p:par>
+                            </p:childTnLst>
+                          </p:cTn>
+                        </p:par>
+                      </p:childTnLst>
+                    </p:cTn>
+                  </p:par>
+                  <p:par>
+                    <p:cTn id="27" fill="hold">
+                      <p:stCondLst>
+                        <p:cond delay="indefinite"/>
+                      </p:stCondLst>
+                      <p:childTnLst>
+                        <p:par>
+                          <p:cTn id="28" fill="hold">
+                            <p:stCondLst>
+                              <p:cond delay="0"/>
+                            </p:stCondLst>
+                            <p:childTnLst>
+                              <p:par>
+                                <p:cTn id="29" presetID="1" presetClass="entr" presetSubtype="0" fill="hold" nodeType="clickEffect">
+                                  <p:stCondLst>
+                                    <p:cond delay="0"/>
+                                  </p:stCondLst>
+                                  <p:childTnLst>
+                                    <p:set>
+                                      <p:cBhvr>
+                                        <p:cTn id="30" dur="1" fill="hold">
+                                          <p:stCondLst>
+                                            <p:cond delay="0"/>
+                                          </p:stCondLst>
+                                        </p:cTn>
+                                        <p:tgtEl>
+                                          <p:spTgt spid="7">
+                                            <p:txEl>
+                                              <p:pRg st="8" end="8"/>
+                                            </p:txEl>
+                                          </p:spTgt>
+                                        </p:tgtEl>
+                                        <p:attrNameLst>
+                                          <p:attrName>style.visibility</p:attrName>
+                                        </p:attrNameLst>
+                                      </p:cBhvr>
+                                      <p:to>
+                                        <p:strVal val="visible"/>
+                                      </p:to>
+                                    </p:set>
+                                  </p:childTnLst>
+                                </p:cTn>
+                              </p:par>
+                            </p:childTnLst>
+                          </p:cTn>
+                        </p:par>
+                      </p:childTnLst>
+                    </p:cTn>
+                  </p:par>
+                  <p:par>
+                    <p:cTn id="31" fill="hold">
+                      <p:stCondLst>
+                        <p:cond delay="indefinite"/>
+                      </p:stCondLst>
+                      <p:childTnLst>
+                        <p:par>
+                          <p:cTn id="32" fill="hold">
+                            <p:stCondLst>
+                              <p:cond delay="0"/>
+                            </p:stCondLst>
+                            <p:childTnLst>
+                              <p:par>
+                                <p:cTn id="33" presetID="1" presetClass="entr" presetSubtype="0" fill="hold" nodeType="clickEffect">
+                                  <p:stCondLst>
+                                    <p:cond delay="0"/>
+                                  </p:stCondLst>
+                                  <p:childTnLst>
+                                    <p:set>
+                                      <p:cBhvr>
+                                        <p:cTn id="34" dur="1" fill="hold">
+                                          <p:stCondLst>
+                                            <p:cond delay="0"/>
+                                          </p:stCondLst>
+                                        </p:cTn>
+                                        <p:tgtEl>
+                                          <p:spTgt spid="7">
+                                            <p:txEl>
+                                              <p:pRg st="9" end="9"/>
+                                            </p:txEl>
+                                          </p:spTgt>
+                                        </p:tgtEl>
+                                        <p:attrNameLst>
+                                          <p:attrName>style.visibility</p:attrName>
+                                        </p:attrNameLst>
+                                      </p:cBhvr>
+                                      <p:to>
+                                        <p:strVal val="visible"/>
+                                      </p:to>
+                                    </p:set>
+                                  </p:childTnLst>
+                                </p:cTn>
+                              </p:par>
+                            </p:childTnLst>
+                          </p:cTn>
+                        </p:par>
+                      </p:childTnLst>
+                    </p:cTn>
+                  </p:par>
+                  <p:par>
+                    <p:cTn id="35" fill="hold">
+                      <p:stCondLst>
+                        <p:cond delay="indefinite"/>
+                      </p:stCondLst>
+                      <p:childTnLst>
+                        <p:par>
+                          <p:cTn id="36" fill="hold">
+                            <p:stCondLst>
+                              <p:cond delay="0"/>
+                            </p:stCondLst>
+                            <p:childTnLst>
+                              <p:par>
+                                <p:cTn id="37" presetID="1" presetClass="entr" presetSubtype="0" fill="hold" nodeType="clickEffect">
+                                  <p:stCondLst>
+                                    <p:cond delay="0"/>
+                                  </p:stCondLst>
+                                  <p:childTnLst>
+                                    <p:set>
+                                      <p:cBhvr>
+                                        <p:cTn id="38" dur="1" fill="hold">
+                                          <p:stCondLst>
+                                            <p:cond delay="0"/>
+                                          </p:stCondLst>
+                                        </p:cTn>
+                                        <p:tgtEl>
+                                          <p:spTgt spid="7">
+                                            <p:txEl>
+                                              <p:pRg st="11" end="11"/>
+                                            </p:txEl>
+                                          </p:spTgt>
+                                        </p:tgtEl>
+                                        <p:attrNameLst>
+                                          <p:attrName>style.visibility</p:attrName>
+                                        </p:attrNameLst>
+                                      </p:cBhvr>
+                                      <p:to>
+                                        <p:strVal val="visible"/>
+                                      </p:to>
+                                    </p:set>
+                                  </p:childTnLst>
+                                </p:cTn>
+                              </p:par>
+                            </p:childTnLst>
+                          </p:cTn>
+                        </p:par>
+                      </p:childTnLst>
+                    </p:cTn>
+                  </p:par>
+                  <p:par>
+                    <p:cTn id="39" fill="hold">
+                      <p:stCondLst>
+                        <p:cond delay="indefinite"/>
+                      </p:stCondLst>
+                      <p:childTnLst>
+                        <p:par>
+                          <p:cTn id="40" fill="hold">
+                            <p:stCondLst>
+                              <p:cond delay="0"/>
+                            </p:stCondLst>
+                            <p:childTnLst>
+                              <p:par>
+                                <p:cTn id="41" presetID="1" presetClass="entr" presetSubtype="0" fill="hold" nodeType="clickEffect">
+                                  <p:stCondLst>
+                                    <p:cond delay="0"/>
+                                  </p:stCondLst>
+                                  <p:childTnLst>
+                                    <p:set>
+                                      <p:cBhvr>
+                                        <p:cTn id="42" dur="1" fill="hold">
+                                          <p:stCondLst>
+                                            <p:cond delay="0"/>
+                                          </p:stCondLst>
+                                        </p:cTn>
+                                        <p:tgtEl>
+                                          <p:spTgt spid="7">
+                                            <p:txEl>
+                                              <p:pRg st="12" end="12"/>
+                                            </p:txEl>
+                                          </p:spTgt>
+                                        </p:tgtEl>
+                                        <p:attrNameLst>
+                                          <p:attrName>style.visibility</p:attrName>
+                                        </p:attrNameLst>
+                                      </p:cBhvr>
+                                      <p:to>
+                                        <p:strVal val="visible"/>
+                                      </p:to>
+                                    </p:set>
+                                  </p:childTnLst>
+                                </p:cTn>
+                              </p:par>
+                            </p:childTnLst>
+                          </p:cTn>
+                        </p:par>
+                      </p:childTnLst>
+                    </p:cTn>
+                  </p:par>
+                  <p:par>
+                    <p:cTn id="43" fill="hold">
+                      <p:stCondLst>
+                        <p:cond delay="indefinite"/>
+                      </p:stCondLst>
+                      <p:childTnLst>
+                        <p:par>
+                          <p:cTn id="44" fill="hold">
+                            <p:stCondLst>
+                              <p:cond delay="0"/>
+                            </p:stCondLst>
+                            <p:childTnLst>
+                              <p:par>
+                                <p:cTn id="45" presetID="1" presetClass="entr" presetSubtype="0" fill="hold" nodeType="clickEffect">
+                                  <p:stCondLst>
+                                    <p:cond delay="0"/>
+                                  </p:stCondLst>
+                                  <p:childTnLst>
+                                    <p:set>
+                                      <p:cBhvr>
+                                        <p:cTn id="46" dur="1" fill="hold">
+                                          <p:stCondLst>
+                                            <p:cond delay="0"/>
+                                          </p:stCondLst>
+                                        </p:cTn>
+                                        <p:tgtEl>
+                                          <p:spTgt spid="7">
+                                            <p:txEl>
+                                              <p:pRg st="14" end="14"/>
+                                            </p:txEl>
+                                          </p:spTgt>
+                                        </p:tgtEl>
+                                        <p:attrNameLst>
+                                          <p:attrName>style.visibility</p:attrName>
+                                        </p:attrNameLst>
+                                      </p:cBhvr>
+                                      <p:to>
+                                        <p:strVal val="visible"/>
+                                      </p:to>
+                                    </p:set>
+                                  </p:childTnLst>
+                                </p:cTn>
+                              </p:par>
+                            </p:childTnLst>
+                          </p:cTn>
+                        </p:par>
+                      </p:childTnLst>
+                    </p:cTn>
+                  </p:par>
+                  <p:par>
+                    <p:cTn id="47" fill="hold">
+                      <p:stCondLst>
+                        <p:cond delay="indefinite"/>
+                      </p:stCondLst>
+                      <p:childTnLst>
+                        <p:par>
+                          <p:cTn id="48" fill="hold">
+                            <p:stCondLst>
+                              <p:cond delay="0"/>
+                            </p:stCondLst>
+                            <p:childTnLst>
+                              <p:par>
+                                <p:cTn id="49" presetID="1" presetClass="entr" presetSubtype="0" fill="hold" nodeType="clickEffect">
+                                  <p:stCondLst>
+                                    <p:cond delay="0"/>
+                                  </p:stCondLst>
+                                  <p:childTnLst>
+                                    <p:set>
+                                      <p:cBhvr>
+                                        <p:cTn id="50" dur="1" fill="hold">
+                                          <p:stCondLst>
+                                            <p:cond delay="0"/>
+                                          </p:stCondLst>
+                                        </p:cTn>
+                                        <p:tgtEl>
+                                          <p:spTgt spid="7">
+                                            <p:txEl>
+                                              <p:pRg st="15" end="15"/>
+                                            </p:txEl>
+                                          </p:spTgt>
+                                        </p:tgtEl>
+                                        <p:attrNameLst>
+                                          <p:attrName>style.visibility</p:attrName>
+                                        </p:attrNameLst>
+                                      </p:cBhvr>
+                                      <p:to>
+                                        <p:strVal val="visible"/>
+                                      </p:to>
+                                    </p:set>
+                                  </p:childTnLst>
+                                </p:cTn>
+                              </p:par>
+                              <p:par>
+                                <p:cTn id="51" presetID="1" presetClass="entr" presetSubtype="0" fill="hold" nodeType="withEffect">
+                                  <p:stCondLst>
+                                    <p:cond delay="0"/>
+                                  </p:stCondLst>
+                                  <p:childTnLst>
+                                    <p:set>
+                                      <p:cBhvr>
+                                        <p:cTn id="52" dur="1" fill="hold">
+                                          <p:stCondLst>
+                                            <p:cond delay="0"/>
+                                          </p:stCondLst>
+                                        </p:cTn>
+                                        <p:tgtEl>
+                                          <p:spTgt spid="7">
+                                            <p:txEl>
+                                              <p:pRg st="16" end="16"/>
+                                            </p:txEl>
+                                          </p:spTgt>
+                                        </p:tgtEl>
+                                        <p:attrNameLst>
+                                          <p:attrName>style.visibility</p:attrName>
+                                        </p:attrNameLst>
+                                      </p:cBhvr>
+                                      <p:to>
+                                        <p:strVal val="visible"/>
+                                      </p:to>
+                                    </p:set>
+                                  </p:childTnLst>
+                                </p:cTn>
+                              </p:par>
+                              <p:par>
+                                <p:cTn id="53" presetID="1" presetClass="entr" presetSubtype="0" fill="hold" nodeType="withEffect">
+                                  <p:stCondLst>
+                                    <p:cond delay="0"/>
+                                  </p:stCondLst>
+                                  <p:childTnLst>
+                                    <p:set>
+                                      <p:cBhvr>
+                                        <p:cTn id="54" dur="1" fill="hold">
+                                          <p:stCondLst>
+                                            <p:cond delay="0"/>
+                                          </p:stCondLst>
+                                        </p:cTn>
+                                        <p:tgtEl>
+                                          <p:spTgt spid="7">
+                                            <p:txEl>
+                                              <p:pRg st="17" end="17"/>
+                                            </p:txEl>
+                                          </p:spTgt>
+                                        </p:tgtEl>
+                                        <p:attrNameLst>
+                                          <p:attrName>style.visibility</p:attrName>
+                                        </p:attrNameLst>
+                                      </p:cBhvr>
+                                      <p:to>
+                                        <p:strVal val="visible"/>
+                                      </p:to>
+                                    </p:set>
+                                  </p:childTnLst>
+                                </p:cTn>
+                              </p:par>
+                            </p:childTnLst>
+                          </p:cTn>
+                        </p:par>
+                      </p:childTnLst>
+                    </p:cTn>
+                  </p:par>
+                  <p:par>
+                    <p:cTn id="55" fill="hold">
+                      <p:stCondLst>
+                        <p:cond delay="indefinite"/>
+                      </p:stCondLst>
+                      <p:childTnLst>
+                        <p:par>
+                          <p:cTn id="56" fill="hold">
+                            <p:stCondLst>
+                              <p:cond delay="0"/>
+                            </p:stCondLst>
+                            <p:childTnLst>
+                              <p:par>
+                                <p:cTn id="57" presetID="1" presetClass="entr" presetSubtype="0" fill="hold" grpId="0" nodeType="clickEffect">
+                                  <p:stCondLst>
+                                    <p:cond delay="0"/>
+                                  </p:stCondLst>
+                                  <p:childTnLst>
+                                    <p:set>
+                                      <p:cBhvr>
+                                        <p:cTn id="58" dur="1" fill="hold">
+                                          <p:stCondLst>
+                                            <p:cond delay="0"/>
+                                          </p:stCondLst>
+                                        </p:cTn>
+                                        <p:tgtEl>
+                                          <p:spTgt spid="2"/>
+                                        </p:tgtEl>
+                                        <p:attrNameLst>
+                                          <p:attrName>style.visibility</p:attrName>
+                                        </p:attrNameLst>
+                                      </p:cBhvr>
+                                      <p:to>
+                                        <p:strVal val="visible"/>
+                                      </p:to>
+                                    </p:set>
+                                  </p:childTnLst>
+                                </p:cTn>
+                              </p:par>
+                            </p:childTnLst>
+                          </p:cTn>
+                        </p:par>
+                      </p:childTnLst>
+                    </p:cTn>
+                  </p:par>
+                </p:childTnLst>
+              </p:cTn>
+              <p:prevCondLst>
+                <p:cond evt="onPrev" delay="0">
+                  <p:tgtEl>
+                    <p:sldTgt/>
+                  </p:tgtEl>
+                </p:cond>
+              </p:prevCondLst>
+              <p:nextCondLst>
+                <p:cond evt="onNext" delay="0">
+                  <p:tgtEl>
+                    <p:sldTgt/>
+                  </p:tgtEl>
+                </p:cond>
+              </p:nextCondLst>
+            </p:seq>
+          </p:childTnLst>
+        </p:cTn>
+      </p:par>
+    </p:tnLst>
+    <p:bldLst>
+      <p:bldP spid="2" grpId="0"/>
+    </p:bldLst>
+  </p:timing>
+</p:sld>
+</file>
+
+<file path=ppt/slides/slide6.xml><?xml version="1.0" encoding="utf-8"?>
+<p:sld xmlns:a="http://schemas.openxmlformats.org/drawingml/2006/main" xmlns:r="http://schemas.openxmlformats.org/officeDocument/2006/relationships" xmlns:p="http://schemas.openxmlformats.org/presentationml/2006/main">
+  <p:cSld>
+    <p:spTree>
+      <p:nvGrpSpPr>
+        <p:cNvPr id="1" name=""/>
+        <p:cNvGrpSpPr/>
+        <p:nvPr/>
+      </p:nvGrpSpPr>
+      <p:grpSpPr>
+        <a:xfrm>
+          <a:off x="0" y="0"/>
+          <a:ext cx="0" cy="0"/>
+          <a:chOff x="0" y="0"/>
+          <a:chExt cx="0" cy="0"/>
+        </a:xfrm>
+      </p:grpSpPr>
+      <p:sp>
+        <p:nvSpPr>
+          <p:cNvPr id="6" name="Прямоугольник 5"/>
+          <p:cNvSpPr/>
+          <p:nvPr/>
+        </p:nvSpPr>
+        <p:spPr>
+          <a:xfrm>
+            <a:off x="713449" y="344617"/>
+            <a:ext cx="4012637" cy="523220"/>
+          </a:xfrm>
+          <a:prstGeom prst="rect">
+            <a:avLst/>
+          </a:prstGeom>
+        </p:spPr>
+        <p:txBody>
+          <a:bodyPr wrap="none">
+            <a:spAutoFit/>
+          </a:bodyPr>
+          <a:lstStyle/>
+          <a:p>
+            <a:r>
+              <a:rPr lang="en-US" sz="2800" dirty="0" smtClean="0"/>
+              <a:t>Checking requirements</a:t>
+            </a:r>
+            <a:endParaRPr lang="ru-RU" sz="2800" dirty="0"/>
+          </a:p>
+        </p:txBody>
+      </p:sp>
+      <p:sp>
+        <p:nvSpPr>
+          <p:cNvPr id="7" name="TextBox 6"/>
+          <p:cNvSpPr txBox="1"/>
+          <p:nvPr/>
+        </p:nvSpPr>
+        <p:spPr>
+          <a:xfrm>
+            <a:off x="1136824" y="867837"/>
+            <a:ext cx="7614329" cy="5493812"/>
+          </a:xfrm>
+          <a:prstGeom prst="rect">
+            <a:avLst/>
+          </a:prstGeom>
+          <a:noFill/>
+        </p:spPr>
+        <p:txBody>
+          <a:bodyPr wrap="none" rtlCol="0">
+            <a:spAutoFit/>
+          </a:bodyPr>
+          <a:lstStyle/>
+          <a:p>
+            <a:pPr marL="342900" indent="-342900">
+              <a:lnSpc>
+                <a:spcPct val="150000"/>
+              </a:lnSpc>
+              <a:buFont typeface="+mj-lt"/>
+              <a:buAutoNum type="arabicPeriod"/>
+            </a:pPr>
+            <a:r>
+              <a:rPr lang="en-US" dirty="0" smtClean="0"/>
+              <a:t>Reference properties declared by </a:t>
+            </a:r>
+            <a:r>
+              <a:rPr lang="en-US" smtClean="0"/>
+              <a:t>Windows Installer:</a:t>
+            </a:r>
+            <a:r>
+              <a:rPr lang="en-US" dirty="0" smtClean="0"/>
+              <a:t/>
+            </a:r>
+            <a:br>
+              <a:rPr lang="en-US" dirty="0" smtClean="0"/>
+            </a:br>
+            <a:r>
+              <a:rPr lang="en-US" sz="1200" dirty="0" smtClean="0">
+                <a:solidFill>
+                  <a:srgbClr val="FF0000"/>
+                </a:solidFill>
+                <a:latin typeface="Consolas" panose="020B0609020204030204" pitchFamily="49" charset="0"/>
+                <a:cs typeface="Consolas" panose="020B0609020204030204" pitchFamily="49" charset="0"/>
+              </a:rPr>
+              <a:t>&lt;</a:t>
+            </a:r>
+            <a:r>
+              <a:rPr lang="en-US" sz="1200" dirty="0" err="1">
+                <a:solidFill>
+                  <a:srgbClr val="FF0000"/>
+                </a:solidFill>
+                <a:latin typeface="Consolas" panose="020B0609020204030204" pitchFamily="49" charset="0"/>
+                <a:cs typeface="Consolas" panose="020B0609020204030204" pitchFamily="49" charset="0"/>
+              </a:rPr>
+              <a:t>PropertyRef</a:t>
+            </a:r>
+            <a:r>
+              <a:rPr lang="en-US" sz="1200" dirty="0">
+                <a:solidFill>
+                  <a:srgbClr val="FF0000"/>
+                </a:solidFill>
+                <a:latin typeface="Consolas" panose="020B0609020204030204" pitchFamily="49" charset="0"/>
+                <a:cs typeface="Consolas" panose="020B0609020204030204" pitchFamily="49" charset="0"/>
+              </a:rPr>
+              <a:t> Id="</a:t>
+            </a:r>
+            <a:r>
+              <a:rPr lang="en-US" sz="1200" dirty="0">
+                <a:solidFill>
+                  <a:srgbClr val="00B050"/>
+                </a:solidFill>
+                <a:latin typeface="Consolas" panose="020B0609020204030204" pitchFamily="49" charset="0"/>
+                <a:cs typeface="Consolas" panose="020B0609020204030204" pitchFamily="49" charset="0"/>
+              </a:rPr>
+              <a:t>WIX_IS_NETFRAMEWORK_46_OR_LATER_INSTALLED</a:t>
+            </a:r>
+            <a:r>
+              <a:rPr lang="en-US" sz="1200" dirty="0">
+                <a:solidFill>
+                  <a:srgbClr val="FF0000"/>
+                </a:solidFill>
+                <a:latin typeface="Consolas" panose="020B0609020204030204" pitchFamily="49" charset="0"/>
+                <a:cs typeface="Consolas" panose="020B0609020204030204" pitchFamily="49" charset="0"/>
+              </a:rPr>
+              <a:t>" </a:t>
+            </a:r>
+            <a:r>
+              <a:rPr lang="en-US" sz="1200" dirty="0" smtClean="0">
+                <a:solidFill>
+                  <a:srgbClr val="FF0000"/>
+                </a:solidFill>
+                <a:latin typeface="Consolas" panose="020B0609020204030204" pitchFamily="49" charset="0"/>
+                <a:cs typeface="Consolas" panose="020B0609020204030204" pitchFamily="49" charset="0"/>
+              </a:rPr>
+              <a:t>/&gt;</a:t>
+            </a:r>
+          </a:p>
+          <a:p>
+            <a:pPr marL="342900" indent="-342900">
+              <a:lnSpc>
+                <a:spcPct val="150000"/>
+              </a:lnSpc>
+              <a:buFont typeface="+mj-lt"/>
+              <a:buAutoNum type="arabicPeriod"/>
+            </a:pPr>
+            <a:r>
+              <a:rPr lang="en-US" dirty="0" smtClean="0"/>
+              <a:t>Check the condition:</a:t>
+            </a:r>
+            <a:br>
+              <a:rPr lang="en-US" dirty="0" smtClean="0"/>
+            </a:br>
+            <a:r>
+              <a:rPr lang="en-US" sz="1200" dirty="0" smtClean="0">
+                <a:solidFill>
+                  <a:srgbClr val="FF0000"/>
+                </a:solidFill>
+                <a:latin typeface="Consolas" panose="020B0609020204030204" pitchFamily="49" charset="0"/>
+                <a:cs typeface="Consolas" panose="020B0609020204030204" pitchFamily="49" charset="0"/>
+              </a:rPr>
+              <a:t>&lt;</a:t>
+            </a:r>
+            <a:r>
+              <a:rPr lang="en-US" sz="1200" dirty="0">
+                <a:solidFill>
+                  <a:srgbClr val="FF0000"/>
+                </a:solidFill>
+                <a:latin typeface="Consolas" panose="020B0609020204030204" pitchFamily="49" charset="0"/>
+                <a:cs typeface="Consolas" panose="020B0609020204030204" pitchFamily="49" charset="0"/>
+              </a:rPr>
+              <a:t>Condition Message="</a:t>
+            </a:r>
+            <a:r>
+              <a:rPr lang="en-US" sz="1200" dirty="0">
+                <a:solidFill>
+                  <a:srgbClr val="00B050"/>
+                </a:solidFill>
+                <a:latin typeface="Consolas" panose="020B0609020204030204" pitchFamily="49" charset="0"/>
+                <a:cs typeface="Consolas" panose="020B0609020204030204" pitchFamily="49" charset="0"/>
+              </a:rPr>
+              <a:t>This setup requires the .NET Framework 4.6 installed</a:t>
+            </a:r>
+            <a:r>
+              <a:rPr lang="en-US" sz="1200" dirty="0" smtClean="0">
+                <a:solidFill>
+                  <a:srgbClr val="00B050"/>
+                </a:solidFill>
+                <a:latin typeface="Consolas" panose="020B0609020204030204" pitchFamily="49" charset="0"/>
+                <a:cs typeface="Consolas" panose="020B0609020204030204" pitchFamily="49" charset="0"/>
+              </a:rPr>
+              <a:t>.</a:t>
+            </a:r>
+            <a:r>
+              <a:rPr lang="en-US" sz="1200" dirty="0" smtClean="0">
+                <a:solidFill>
+                  <a:srgbClr val="FF0000"/>
+                </a:solidFill>
+                <a:latin typeface="Consolas" panose="020B0609020204030204" pitchFamily="49" charset="0"/>
+                <a:cs typeface="Consolas" panose="020B0609020204030204" pitchFamily="49" charset="0"/>
+              </a:rPr>
+              <a:t>"&gt;</a:t>
+            </a:r>
+            <a:br>
+              <a:rPr lang="en-US" sz="1200" dirty="0" smtClean="0">
+                <a:solidFill>
+                  <a:srgbClr val="FF0000"/>
+                </a:solidFill>
+                <a:latin typeface="Consolas" panose="020B0609020204030204" pitchFamily="49" charset="0"/>
+                <a:cs typeface="Consolas" panose="020B0609020204030204" pitchFamily="49" charset="0"/>
+              </a:rPr>
+            </a:br>
+            <a:r>
+              <a:rPr lang="en-US" sz="1200" dirty="0" smtClean="0">
+                <a:solidFill>
+                  <a:srgbClr val="FF0000"/>
+                </a:solidFill>
+                <a:latin typeface="Consolas" panose="020B0609020204030204" pitchFamily="49" charset="0"/>
+                <a:cs typeface="Consolas" panose="020B0609020204030204" pitchFamily="49" charset="0"/>
+              </a:rPr>
+              <a:t>    </a:t>
+            </a:r>
+            <a:r>
+              <a:rPr lang="en-US" sz="1200" dirty="0" smtClean="0">
+                <a:solidFill>
+                  <a:srgbClr val="00B050"/>
+                </a:solidFill>
+                <a:latin typeface="Consolas" panose="020B0609020204030204" pitchFamily="49" charset="0"/>
+                <a:cs typeface="Consolas" panose="020B0609020204030204" pitchFamily="49" charset="0"/>
+              </a:rPr>
+              <a:t>&lt;![</a:t>
+            </a:r>
+            <a:r>
+              <a:rPr lang="en-US" sz="1200" dirty="0">
+                <a:solidFill>
+                  <a:srgbClr val="00B050"/>
+                </a:solidFill>
+                <a:latin typeface="Consolas" panose="020B0609020204030204" pitchFamily="49" charset="0"/>
+                <a:cs typeface="Consolas" panose="020B0609020204030204" pitchFamily="49" charset="0"/>
+              </a:rPr>
+              <a:t>CDATA[Installed OR WIX_IS_NETFRAMEWORK_46_OR_LATER_INSTALLED</a:t>
+            </a:r>
+            <a:r>
+              <a:rPr lang="en-US" sz="1200" dirty="0" smtClean="0">
+                <a:solidFill>
+                  <a:srgbClr val="00B050"/>
+                </a:solidFill>
+                <a:latin typeface="Consolas" panose="020B0609020204030204" pitchFamily="49" charset="0"/>
+                <a:cs typeface="Consolas" panose="020B0609020204030204" pitchFamily="49" charset="0"/>
+              </a:rPr>
+              <a:t>]]&gt;</a:t>
+            </a:r>
+            <a:br>
+              <a:rPr lang="en-US" sz="1200" dirty="0" smtClean="0">
+                <a:solidFill>
+                  <a:srgbClr val="00B050"/>
+                </a:solidFill>
+                <a:latin typeface="Consolas" panose="020B0609020204030204" pitchFamily="49" charset="0"/>
+                <a:cs typeface="Consolas" panose="020B0609020204030204" pitchFamily="49" charset="0"/>
+              </a:rPr>
+            </a:br>
+            <a:r>
+              <a:rPr lang="en-US" sz="1200" dirty="0" smtClean="0">
+                <a:solidFill>
+                  <a:srgbClr val="FF0000"/>
+                </a:solidFill>
+                <a:latin typeface="Consolas" panose="020B0609020204030204" pitchFamily="49" charset="0"/>
+                <a:cs typeface="Consolas" panose="020B0609020204030204" pitchFamily="49" charset="0"/>
+              </a:rPr>
+              <a:t>&lt;/</a:t>
+            </a:r>
+            <a:r>
+              <a:rPr lang="en-US" sz="1200" dirty="0">
+                <a:solidFill>
+                  <a:srgbClr val="FF0000"/>
+                </a:solidFill>
+                <a:latin typeface="Consolas" panose="020B0609020204030204" pitchFamily="49" charset="0"/>
+                <a:cs typeface="Consolas" panose="020B0609020204030204" pitchFamily="49" charset="0"/>
+              </a:rPr>
+              <a:t>Condition</a:t>
+            </a:r>
+            <a:r>
+              <a:rPr lang="en-US" sz="1200" dirty="0" smtClean="0">
+                <a:solidFill>
+                  <a:srgbClr val="FF0000"/>
+                </a:solidFill>
+                <a:latin typeface="Consolas" panose="020B0609020204030204" pitchFamily="49" charset="0"/>
+                <a:cs typeface="Consolas" panose="020B0609020204030204" pitchFamily="49" charset="0"/>
+              </a:rPr>
+              <a:t>&gt;</a:t>
+            </a:r>
+          </a:p>
+          <a:p>
+            <a:pPr>
+              <a:lnSpc>
+                <a:spcPct val="150000"/>
+              </a:lnSpc>
+            </a:pPr>
+            <a:endParaRPr lang="en-US" dirty="0"/>
+          </a:p>
+          <a:p>
+            <a:pPr>
+              <a:lnSpc>
+                <a:spcPct val="150000"/>
+              </a:lnSpc>
+            </a:pPr>
+            <a:r>
+              <a:rPr lang="en-US" dirty="0" smtClean="0"/>
+              <a:t>We can also get the property value by checking registry, read file, etc.</a:t>
+            </a:r>
+          </a:p>
+          <a:p>
+            <a:pPr>
+              <a:lnSpc>
+                <a:spcPct val="150000"/>
+              </a:lnSpc>
+            </a:pPr>
+            <a:r>
+              <a:rPr lang="en-US" dirty="0" smtClean="0"/>
+              <a:t>For instance, checking for installed IIS:</a:t>
+            </a:r>
+          </a:p>
+          <a:p>
+            <a:pPr>
+              <a:lnSpc>
+                <a:spcPct val="150000"/>
+              </a:lnSpc>
+            </a:pPr>
+            <a:r>
+              <a:rPr lang="en-US" sz="1200" dirty="0">
+                <a:solidFill>
+                  <a:srgbClr val="FF0000"/>
+                </a:solidFill>
+                <a:latin typeface="Consolas" panose="020B0609020204030204" pitchFamily="49" charset="0"/>
+                <a:cs typeface="Consolas" panose="020B0609020204030204" pitchFamily="49" charset="0"/>
+              </a:rPr>
+              <a:t>&lt;Property Id="</a:t>
+            </a:r>
+            <a:r>
+              <a:rPr lang="en-US" sz="1200" dirty="0">
+                <a:solidFill>
+                  <a:srgbClr val="00B050"/>
+                </a:solidFill>
+                <a:latin typeface="Consolas" panose="020B0609020204030204" pitchFamily="49" charset="0"/>
+                <a:cs typeface="Consolas" panose="020B0609020204030204" pitchFamily="49" charset="0"/>
+              </a:rPr>
+              <a:t>IISINSTALLED</a:t>
+            </a:r>
+            <a:r>
+              <a:rPr lang="en-US" sz="1200" dirty="0">
+                <a:solidFill>
+                  <a:srgbClr val="FF0000"/>
+                </a:solidFill>
+                <a:latin typeface="Consolas" panose="020B0609020204030204" pitchFamily="49" charset="0"/>
+                <a:cs typeface="Consolas" panose="020B0609020204030204" pitchFamily="49" charset="0"/>
+              </a:rPr>
+              <a:t>"&gt;</a:t>
+            </a:r>
+          </a:p>
+          <a:p>
+            <a:pPr>
+              <a:lnSpc>
+                <a:spcPct val="150000"/>
+              </a:lnSpc>
+            </a:pPr>
+            <a:r>
+              <a:rPr lang="en-US" sz="1200" dirty="0" smtClean="0">
+                <a:solidFill>
+                  <a:srgbClr val="FF0000"/>
+                </a:solidFill>
+                <a:latin typeface="Consolas" panose="020B0609020204030204" pitchFamily="49" charset="0"/>
+                <a:cs typeface="Consolas" panose="020B0609020204030204" pitchFamily="49" charset="0"/>
+              </a:rPr>
+              <a:t>    &lt;</a:t>
+            </a:r>
+            <a:r>
+              <a:rPr lang="en-US" sz="1200" dirty="0" err="1">
+                <a:solidFill>
+                  <a:srgbClr val="FF0000"/>
+                </a:solidFill>
+                <a:latin typeface="Consolas" panose="020B0609020204030204" pitchFamily="49" charset="0"/>
+                <a:cs typeface="Consolas" panose="020B0609020204030204" pitchFamily="49" charset="0"/>
+              </a:rPr>
+              <a:t>RegistrySearch</a:t>
+            </a:r>
+            <a:r>
+              <a:rPr lang="en-US" sz="1200" dirty="0">
+                <a:solidFill>
+                  <a:srgbClr val="FF0000"/>
+                </a:solidFill>
+                <a:latin typeface="Consolas" panose="020B0609020204030204" pitchFamily="49" charset="0"/>
+                <a:cs typeface="Consolas" panose="020B0609020204030204" pitchFamily="49" charset="0"/>
+              </a:rPr>
+              <a:t> Id="</a:t>
+            </a:r>
+            <a:r>
+              <a:rPr lang="en-US" sz="1200" dirty="0" err="1" smtClean="0">
+                <a:solidFill>
+                  <a:srgbClr val="00B050"/>
+                </a:solidFill>
+                <a:latin typeface="Consolas" panose="020B0609020204030204" pitchFamily="49" charset="0"/>
+                <a:cs typeface="Consolas" panose="020B0609020204030204" pitchFamily="49" charset="0"/>
+              </a:rPr>
+              <a:t>IisServiceRegistry</a:t>
+            </a:r>
+            <a:r>
+              <a:rPr lang="en-US" sz="1200" dirty="0" smtClean="0">
+                <a:solidFill>
+                  <a:srgbClr val="FF0000"/>
+                </a:solidFill>
+                <a:latin typeface="Consolas" panose="020B0609020204030204" pitchFamily="49" charset="0"/>
+                <a:cs typeface="Consolas" panose="020B0609020204030204" pitchFamily="49" charset="0"/>
+              </a:rPr>
+              <a:t>“</a:t>
+            </a:r>
+          </a:p>
+          <a:p>
+            <a:pPr>
+              <a:lnSpc>
+                <a:spcPct val="150000"/>
+              </a:lnSpc>
+            </a:pPr>
+            <a:r>
+              <a:rPr lang="en-US" sz="1200" dirty="0">
+                <a:solidFill>
+                  <a:srgbClr val="FF0000"/>
+                </a:solidFill>
+                <a:latin typeface="Consolas" panose="020B0609020204030204" pitchFamily="49" charset="0"/>
+                <a:cs typeface="Consolas" panose="020B0609020204030204" pitchFamily="49" charset="0"/>
+              </a:rPr>
+              <a:t> </a:t>
+            </a:r>
+            <a:r>
+              <a:rPr lang="en-US" sz="1200" dirty="0" smtClean="0">
+                <a:solidFill>
+                  <a:srgbClr val="FF0000"/>
+                </a:solidFill>
+                <a:latin typeface="Consolas" panose="020B0609020204030204" pitchFamily="49" charset="0"/>
+                <a:cs typeface="Consolas" panose="020B0609020204030204" pitchFamily="49" charset="0"/>
+              </a:rPr>
+              <a:t>                   Root</a:t>
+            </a:r>
+            <a:r>
+              <a:rPr lang="en-US" sz="1200" dirty="0">
+                <a:solidFill>
+                  <a:srgbClr val="FF0000"/>
+                </a:solidFill>
+                <a:latin typeface="Consolas" panose="020B0609020204030204" pitchFamily="49" charset="0"/>
+                <a:cs typeface="Consolas" panose="020B0609020204030204" pitchFamily="49" charset="0"/>
+              </a:rPr>
+              <a:t>="</a:t>
+            </a:r>
+            <a:r>
+              <a:rPr lang="en-US" sz="1200" dirty="0">
+                <a:solidFill>
+                  <a:srgbClr val="00B050"/>
+                </a:solidFill>
+                <a:latin typeface="Consolas" panose="020B0609020204030204" pitchFamily="49" charset="0"/>
+                <a:cs typeface="Consolas" panose="020B0609020204030204" pitchFamily="49" charset="0"/>
+              </a:rPr>
+              <a:t>HKLM</a:t>
+            </a:r>
+            <a:r>
+              <a:rPr lang="en-US" sz="1200" dirty="0">
+                <a:solidFill>
+                  <a:srgbClr val="FF0000"/>
+                </a:solidFill>
+                <a:latin typeface="Consolas" panose="020B0609020204030204" pitchFamily="49" charset="0"/>
+                <a:cs typeface="Consolas" panose="020B0609020204030204" pitchFamily="49" charset="0"/>
+              </a:rPr>
+              <a:t>" Key="</a:t>
+            </a:r>
+            <a:r>
+              <a:rPr lang="en-US" sz="1200" dirty="0">
+                <a:solidFill>
+                  <a:srgbClr val="00B050"/>
+                </a:solidFill>
+                <a:latin typeface="Consolas" panose="020B0609020204030204" pitchFamily="49" charset="0"/>
+                <a:cs typeface="Consolas" panose="020B0609020204030204" pitchFamily="49" charset="0"/>
+              </a:rPr>
+              <a:t>SOFTWARE\Microsoft\</a:t>
+            </a:r>
+            <a:r>
+              <a:rPr lang="en-US" sz="1200" dirty="0" err="1">
+                <a:solidFill>
+                  <a:srgbClr val="00B050"/>
+                </a:solidFill>
+                <a:latin typeface="Consolas" panose="020B0609020204030204" pitchFamily="49" charset="0"/>
+                <a:cs typeface="Consolas" panose="020B0609020204030204" pitchFamily="49" charset="0"/>
+              </a:rPr>
+              <a:t>InetStp</a:t>
+            </a:r>
+            <a:r>
+              <a:rPr lang="en-US" sz="1200" dirty="0">
+                <a:solidFill>
+                  <a:srgbClr val="00B050"/>
+                </a:solidFill>
+                <a:latin typeface="Consolas" panose="020B0609020204030204" pitchFamily="49" charset="0"/>
+                <a:cs typeface="Consolas" panose="020B0609020204030204" pitchFamily="49" charset="0"/>
+              </a:rPr>
+              <a:t>\Components</a:t>
+            </a:r>
+            <a:r>
+              <a:rPr lang="en-US" sz="1200" dirty="0">
+                <a:solidFill>
+                  <a:srgbClr val="FF0000"/>
+                </a:solidFill>
+                <a:latin typeface="Consolas" panose="020B0609020204030204" pitchFamily="49" charset="0"/>
+                <a:cs typeface="Consolas" panose="020B0609020204030204" pitchFamily="49" charset="0"/>
+              </a:rPr>
+              <a:t>"</a:t>
+            </a:r>
+          </a:p>
+          <a:p>
+            <a:pPr>
+              <a:lnSpc>
+                <a:spcPct val="150000"/>
+              </a:lnSpc>
+            </a:pPr>
+            <a:r>
+              <a:rPr lang="en-US" sz="1200" dirty="0">
+                <a:solidFill>
+                  <a:srgbClr val="FF0000"/>
+                </a:solidFill>
+                <a:latin typeface="Consolas" panose="020B0609020204030204" pitchFamily="49" charset="0"/>
+                <a:cs typeface="Consolas" panose="020B0609020204030204" pitchFamily="49" charset="0"/>
+              </a:rPr>
+              <a:t>                    </a:t>
+            </a:r>
+            <a:r>
+              <a:rPr lang="en-US" sz="1200" dirty="0" smtClean="0">
+                <a:solidFill>
+                  <a:srgbClr val="FF0000"/>
+                </a:solidFill>
+                <a:latin typeface="Consolas" panose="020B0609020204030204" pitchFamily="49" charset="0"/>
+                <a:cs typeface="Consolas" panose="020B0609020204030204" pitchFamily="49" charset="0"/>
+              </a:rPr>
+              <a:t>Name</a:t>
+            </a:r>
+            <a:r>
+              <a:rPr lang="en-US" sz="1200" dirty="0">
+                <a:solidFill>
+                  <a:srgbClr val="FF0000"/>
+                </a:solidFill>
+                <a:latin typeface="Consolas" panose="020B0609020204030204" pitchFamily="49" charset="0"/>
+                <a:cs typeface="Consolas" panose="020B0609020204030204" pitchFamily="49" charset="0"/>
+              </a:rPr>
+              <a:t>="</a:t>
+            </a:r>
+            <a:r>
+              <a:rPr lang="en-US" sz="1200" dirty="0">
+                <a:solidFill>
+                  <a:srgbClr val="00B050"/>
+                </a:solidFill>
+                <a:latin typeface="Consolas" panose="020B0609020204030204" pitchFamily="49" charset="0"/>
+                <a:cs typeface="Consolas" panose="020B0609020204030204" pitchFamily="49" charset="0"/>
+              </a:rPr>
+              <a:t>W3SVC</a:t>
+            </a:r>
+            <a:r>
+              <a:rPr lang="en-US" sz="1200" dirty="0">
+                <a:solidFill>
+                  <a:srgbClr val="FF0000"/>
+                </a:solidFill>
+                <a:latin typeface="Consolas" panose="020B0609020204030204" pitchFamily="49" charset="0"/>
+                <a:cs typeface="Consolas" panose="020B0609020204030204" pitchFamily="49" charset="0"/>
+              </a:rPr>
+              <a:t>" Type="</a:t>
+            </a:r>
+            <a:r>
+              <a:rPr lang="en-US" sz="1200" dirty="0">
+                <a:solidFill>
+                  <a:srgbClr val="00B050"/>
+                </a:solidFill>
+                <a:latin typeface="Consolas" panose="020B0609020204030204" pitchFamily="49" charset="0"/>
+                <a:cs typeface="Consolas" panose="020B0609020204030204" pitchFamily="49" charset="0"/>
+              </a:rPr>
+              <a:t>raw</a:t>
+            </a:r>
+            <a:r>
+              <a:rPr lang="en-US" sz="1200" dirty="0">
+                <a:solidFill>
+                  <a:srgbClr val="FF0000"/>
+                </a:solidFill>
+                <a:latin typeface="Consolas" panose="020B0609020204030204" pitchFamily="49" charset="0"/>
+                <a:cs typeface="Consolas" panose="020B0609020204030204" pitchFamily="49" charset="0"/>
+              </a:rPr>
+              <a:t>" /&gt;</a:t>
+            </a:r>
+          </a:p>
+          <a:p>
+            <a:pPr>
+              <a:lnSpc>
+                <a:spcPct val="150000"/>
+              </a:lnSpc>
+            </a:pPr>
+            <a:r>
+              <a:rPr lang="en-US" sz="1200" dirty="0" smtClean="0">
+                <a:solidFill>
+                  <a:srgbClr val="FF0000"/>
+                </a:solidFill>
+                <a:latin typeface="Consolas" panose="020B0609020204030204" pitchFamily="49" charset="0"/>
+                <a:cs typeface="Consolas" panose="020B0609020204030204" pitchFamily="49" charset="0"/>
+              </a:rPr>
+              <a:t>&lt;/</a:t>
+            </a:r>
+            <a:r>
+              <a:rPr lang="en-US" sz="1200" dirty="0">
+                <a:solidFill>
+                  <a:srgbClr val="FF0000"/>
+                </a:solidFill>
+                <a:latin typeface="Consolas" panose="020B0609020204030204" pitchFamily="49" charset="0"/>
+                <a:cs typeface="Consolas" panose="020B0609020204030204" pitchFamily="49" charset="0"/>
+              </a:rPr>
+              <a:t>Property&gt;</a:t>
+            </a:r>
+          </a:p>
+          <a:p>
+            <a:pPr>
+              <a:lnSpc>
+                <a:spcPct val="150000"/>
+              </a:lnSpc>
+            </a:pPr>
+            <a:r>
+              <a:rPr lang="en-US" sz="1200" dirty="0" smtClean="0">
+                <a:solidFill>
+                  <a:srgbClr val="FF0000"/>
+                </a:solidFill>
+                <a:latin typeface="Consolas" panose="020B0609020204030204" pitchFamily="49" charset="0"/>
+                <a:cs typeface="Consolas" panose="020B0609020204030204" pitchFamily="49" charset="0"/>
+              </a:rPr>
+              <a:t>&lt;</a:t>
+            </a:r>
+            <a:r>
+              <a:rPr lang="en-US" sz="1200" dirty="0">
+                <a:solidFill>
+                  <a:srgbClr val="FF0000"/>
+                </a:solidFill>
+                <a:latin typeface="Consolas" panose="020B0609020204030204" pitchFamily="49" charset="0"/>
+                <a:cs typeface="Consolas" panose="020B0609020204030204" pitchFamily="49" charset="0"/>
+              </a:rPr>
+              <a:t>Condition Message="</a:t>
+            </a:r>
+            <a:r>
+              <a:rPr lang="en-US" sz="1200" dirty="0">
+                <a:solidFill>
+                  <a:srgbClr val="00B050"/>
+                </a:solidFill>
+                <a:latin typeface="Consolas" panose="020B0609020204030204" pitchFamily="49" charset="0"/>
+                <a:cs typeface="Consolas" panose="020B0609020204030204" pitchFamily="49" charset="0"/>
+              </a:rPr>
+              <a:t>This setup requires the IIS installed.</a:t>
+            </a:r>
+            <a:r>
+              <a:rPr lang="en-US" sz="1200" dirty="0">
+                <a:solidFill>
+                  <a:srgbClr val="FF0000"/>
+                </a:solidFill>
+                <a:latin typeface="Consolas" panose="020B0609020204030204" pitchFamily="49" charset="0"/>
+                <a:cs typeface="Consolas" panose="020B0609020204030204" pitchFamily="49" charset="0"/>
+              </a:rPr>
+              <a:t>"&gt;</a:t>
+            </a:r>
+          </a:p>
+          <a:p>
+            <a:pPr>
+              <a:lnSpc>
+                <a:spcPct val="150000"/>
+              </a:lnSpc>
+            </a:pPr>
+            <a:r>
+              <a:rPr lang="en-US" sz="1200" dirty="0" smtClean="0">
+                <a:solidFill>
+                  <a:srgbClr val="00B050"/>
+                </a:solidFill>
+                <a:latin typeface="Consolas" panose="020B0609020204030204" pitchFamily="49" charset="0"/>
+                <a:cs typeface="Consolas" panose="020B0609020204030204" pitchFamily="49" charset="0"/>
+              </a:rPr>
+              <a:t>    </a:t>
+            </a:r>
+            <a:r>
+              <a:rPr lang="en-US" sz="1200" dirty="0">
+                <a:solidFill>
+                  <a:srgbClr val="00B050"/>
+                </a:solidFill>
+                <a:latin typeface="Consolas" panose="020B0609020204030204" pitchFamily="49" charset="0"/>
+                <a:cs typeface="Consolas" panose="020B0609020204030204" pitchFamily="49" charset="0"/>
+              </a:rPr>
+              <a:t>&lt;![CDATA[Installed OR IISINSTALLED]]&gt;</a:t>
+            </a:r>
+          </a:p>
+          <a:p>
+            <a:pPr>
+              <a:lnSpc>
+                <a:spcPct val="150000"/>
+              </a:lnSpc>
+            </a:pPr>
+            <a:r>
+              <a:rPr lang="en-US" sz="1200" dirty="0" smtClean="0">
+                <a:solidFill>
+                  <a:srgbClr val="FF0000"/>
+                </a:solidFill>
+                <a:latin typeface="Consolas" panose="020B0609020204030204" pitchFamily="49" charset="0"/>
+                <a:cs typeface="Consolas" panose="020B0609020204030204" pitchFamily="49" charset="0"/>
+              </a:rPr>
+              <a:t>&lt;/</a:t>
+            </a:r>
+            <a:r>
+              <a:rPr lang="en-US" sz="1200" dirty="0">
+                <a:solidFill>
+                  <a:srgbClr val="FF0000"/>
+                </a:solidFill>
+                <a:latin typeface="Consolas" panose="020B0609020204030204" pitchFamily="49" charset="0"/>
+                <a:cs typeface="Consolas" panose="020B0609020204030204" pitchFamily="49" charset="0"/>
+              </a:rPr>
+              <a:t>Condition&gt;</a:t>
+            </a:r>
+            <a:endParaRPr lang="en-US" sz="1200" dirty="0" smtClean="0">
+              <a:solidFill>
+                <a:srgbClr val="FF0000"/>
+              </a:solidFill>
+              <a:latin typeface="Consolas" panose="020B0609020204030204" pitchFamily="49" charset="0"/>
+              <a:cs typeface="Consolas" panose="020B0609020204030204" pitchFamily="49" charset="0"/>
+            </a:endParaRPr>
+          </a:p>
+        </p:txBody>
+      </p:sp>
+    </p:spTree>
+    <p:extLst>
+      <p:ext uri="{BB962C8B-B14F-4D97-AF65-F5344CB8AC3E}">
+        <p14:creationId xmlns:p14="http://schemas.microsoft.com/office/powerpoint/2010/main" val="1549128185"/>
+      </p:ext>
+    </p:extLst>
+  </p:cSld>
+  <p:clrMapOvr>
+    <a:masterClrMapping/>
+  </p:clrMapOvr>
+  <p:timing>
+    <p:tnLst>
+      <p:par>
+        <p:cTn id="1" dur="indefinite" restart="never" nodeType="tmRoot">
+          <p:childTnLst>
+            <p:seq concurrent="1" nextAc="seek">
+              <p:cTn id="2" dur="indefinite" nodeType="mainSeq">
+                <p:childTnLst>
+                  <p:par>
+                    <p:cTn id="3" fill="hold">
+                      <p:stCondLst>
+                        <p:cond delay="indefinite"/>
+                      </p:stCondLst>
+                      <p:childTnLst>
+                        <p:par>
+                          <p:cTn id="4" fill="hold">
+                            <p:stCondLst>
+                              <p:cond delay="0"/>
+                            </p:stCondLst>
+                            <p:childTnLst>
+                              <p:par>
+                                <p:cTn id="5" presetID="1" presetClass="entr" presetSubtype="0" fill="hold" nodeType="clickEffect">
+                                  <p:stCondLst>
+                                    <p:cond delay="0"/>
+                                  </p:stCondLst>
+                                  <p:childTnLst>
+                                    <p:set>
+                                      <p:cBhvr>
+                                        <p:cTn id="6" dur="1" fill="hold">
+                                          <p:stCondLst>
+                                            <p:cond delay="0"/>
+                                          </p:stCondLst>
+                                        </p:cTn>
+                                        <p:tgtEl>
+                                          <p:spTgt spid="7">
+                                            <p:txEl>
+                                              <p:pRg st="0" end="0"/>
+                                            </p:txEl>
+                                          </p:spTgt>
+                                        </p:tgtEl>
+                                        <p:attrNameLst>
+                                          <p:attrName>style.visibility</p:attrName>
+                                        </p:attrNameLst>
+                                      </p:cBhvr>
+                                      <p:to>
+                                        <p:strVal val="visible"/>
+                                      </p:to>
+                                    </p:set>
+                                  </p:childTnLst>
+                                </p:cTn>
+                              </p:par>
+                            </p:childTnLst>
+                          </p:cTn>
+                        </p:par>
+                      </p:childTnLst>
+                    </p:cTn>
+                  </p:par>
+                  <p:par>
+                    <p:cTn id="7" fill="hold">
+                      <p:stCondLst>
+                        <p:cond delay="indefinite"/>
+                      </p:stCondLst>
+                      <p:childTnLst>
+                        <p:par>
+                          <p:cTn id="8" fill="hold">
+                            <p:stCondLst>
+                              <p:cond delay="0"/>
+                            </p:stCondLst>
+                            <p:childTnLst>
+                              <p:par>
+                                <p:cTn id="9" presetID="1" presetClass="entr" presetSubtype="0" fill="hold" nodeType="clickEffect">
+                                  <p:stCondLst>
+                                    <p:cond delay="0"/>
+                                  </p:stCondLst>
+                                  <p:childTnLst>
+                                    <p:set>
+                                      <p:cBhvr>
+                                        <p:cTn id="10" dur="1" fill="hold">
+                                          <p:stCondLst>
+                                            <p:cond delay="0"/>
+                                          </p:stCondLst>
+                                        </p:cTn>
+                                        <p:tgtEl>
+                                          <p:spTgt spid="7">
+                                            <p:txEl>
+                                              <p:pRg st="1" end="1"/>
+                                            </p:txEl>
+                                          </p:spTgt>
+                                        </p:tgtEl>
+                                        <p:attrNameLst>
+                                          <p:attrName>style.visibility</p:attrName>
+                                        </p:attrNameLst>
+                                      </p:cBhvr>
+                                      <p:to>
+                                        <p:strVal val="visible"/>
+                                      </p:to>
+                                    </p:set>
+                                  </p:childTnLst>
+                                </p:cTn>
+                              </p:par>
+                            </p:childTnLst>
+                          </p:cTn>
+                        </p:par>
+                      </p:childTnLst>
+                    </p:cTn>
+                  </p:par>
+                  <p:par>
+                    <p:cTn id="11" fill="hold">
+                      <p:stCondLst>
+                        <p:cond delay="indefinite"/>
+                      </p:stCondLst>
+                      <p:childTnLst>
+                        <p:par>
+                          <p:cTn id="12" fill="hold">
+                            <p:stCondLst>
+                              <p:cond delay="0"/>
+                            </p:stCondLst>
+                            <p:childTnLst>
+                              <p:par>
+                                <p:cTn id="13" presetID="1" presetClass="entr" presetSubtype="0" fill="hold" nodeType="clickEffect">
+                                  <p:stCondLst>
+                                    <p:cond delay="0"/>
+                                  </p:stCondLst>
+                                  <p:childTnLst>
+                                    <p:set>
+                                      <p:cBhvr>
+                                        <p:cTn id="14" dur="1" fill="hold">
+                                          <p:stCondLst>
+                                            <p:cond delay="0"/>
+                                          </p:stCondLst>
+                                        </p:cTn>
+                                        <p:tgtEl>
+                                          <p:spTgt spid="7">
+                                            <p:txEl>
+                                              <p:pRg st="3" end="3"/>
+                                            </p:txEl>
+                                          </p:spTgt>
+                                        </p:tgtEl>
+                                        <p:attrNameLst>
+                                          <p:attrName>style.visibility</p:attrName>
+                                        </p:attrNameLst>
+                                      </p:cBhvr>
+                                      <p:to>
+                                        <p:strVal val="visible"/>
+                                      </p:to>
+                                    </p:set>
+                                  </p:childTnLst>
+                                </p:cTn>
+                              </p:par>
+                            </p:childTnLst>
+                          </p:cTn>
+                        </p:par>
+                      </p:childTnLst>
+                    </p:cTn>
+                  </p:par>
+                  <p:par>
+                    <p:cTn id="15" fill="hold">
+                      <p:stCondLst>
+                        <p:cond delay="indefinite"/>
+                      </p:stCondLst>
+                      <p:childTnLst>
+                        <p:par>
+                          <p:cTn id="16" fill="hold">
+                            <p:stCondLst>
+                              <p:cond delay="0"/>
+                            </p:stCondLst>
+                            <p:childTnLst>
+                              <p:par>
+                                <p:cTn id="17" presetID="1" presetClass="entr" presetSubtype="0" fill="hold" nodeType="clickEffect">
+                                  <p:stCondLst>
+                                    <p:cond delay="0"/>
+                                  </p:stCondLst>
+                                  <p:childTnLst>
+                                    <p:set>
+                                      <p:cBhvr>
+                                        <p:cTn id="18" dur="1" fill="hold">
+                                          <p:stCondLst>
+                                            <p:cond delay="0"/>
+                                          </p:stCondLst>
+                                        </p:cTn>
+                                        <p:tgtEl>
+                                          <p:spTgt spid="7">
+                                            <p:txEl>
+                                              <p:pRg st="4" end="4"/>
+                                            </p:txEl>
+                                          </p:spTgt>
+                                        </p:tgtEl>
+                                        <p:attrNameLst>
+                                          <p:attrName>style.visibility</p:attrName>
+                                        </p:attrNameLst>
+                                      </p:cBhvr>
+                                      <p:to>
+                                        <p:strVal val="visible"/>
+                                      </p:to>
+                                    </p:set>
+                                  </p:childTnLst>
+                                </p:cTn>
+                              </p:par>
+                              <p:par>
+                                <p:cTn id="19" presetID="1" presetClass="entr" presetSubtype="0" fill="hold" nodeType="withEffect">
+                                  <p:stCondLst>
+                                    <p:cond delay="0"/>
+                                  </p:stCondLst>
+                                  <p:childTnLst>
+                                    <p:set>
+                                      <p:cBhvr>
+                                        <p:cTn id="20" dur="1" fill="hold">
+                                          <p:stCondLst>
+                                            <p:cond delay="0"/>
+                                          </p:stCondLst>
+                                        </p:cTn>
+                                        <p:tgtEl>
+                                          <p:spTgt spid="7">
+                                            <p:txEl>
+                                              <p:pRg st="5" end="5"/>
+                                            </p:txEl>
+                                          </p:spTgt>
+                                        </p:tgtEl>
+                                        <p:attrNameLst>
+                                          <p:attrName>style.visibility</p:attrName>
+                                        </p:attrNameLst>
+                                      </p:cBhvr>
+                                      <p:to>
+                                        <p:strVal val="visible"/>
+                                      </p:to>
+                                    </p:set>
+                                  </p:childTnLst>
+                                </p:cTn>
+                              </p:par>
+                              <p:par>
+                                <p:cTn id="21" presetID="1" presetClass="entr" presetSubtype="0" fill="hold" nodeType="withEffect">
+                                  <p:stCondLst>
+                                    <p:cond delay="0"/>
+                                  </p:stCondLst>
+                                  <p:childTnLst>
+                                    <p:set>
+                                      <p:cBhvr>
+                                        <p:cTn id="22" dur="1" fill="hold">
+                                          <p:stCondLst>
+                                            <p:cond delay="0"/>
+                                          </p:stCondLst>
+                                        </p:cTn>
+                                        <p:tgtEl>
+                                          <p:spTgt spid="7">
+                                            <p:txEl>
+                                              <p:pRg st="6" end="6"/>
+                                            </p:txEl>
+                                          </p:spTgt>
+                                        </p:tgtEl>
+                                        <p:attrNameLst>
+                                          <p:attrName>style.visibility</p:attrName>
+                                        </p:attrNameLst>
+                                      </p:cBhvr>
+                                      <p:to>
+                                        <p:strVal val="visible"/>
+                                      </p:to>
+                                    </p:set>
+                                  </p:childTnLst>
+                                </p:cTn>
+                              </p:par>
+                              <p:par>
+                                <p:cTn id="23" presetID="1" presetClass="entr" presetSubtype="0" fill="hold" nodeType="withEffect">
+                                  <p:stCondLst>
+                                    <p:cond delay="0"/>
+                                  </p:stCondLst>
+                                  <p:childTnLst>
+                                    <p:set>
+                                      <p:cBhvr>
+                                        <p:cTn id="24" dur="1" fill="hold">
+                                          <p:stCondLst>
+                                            <p:cond delay="0"/>
+                                          </p:stCondLst>
+                                        </p:cTn>
+                                        <p:tgtEl>
+                                          <p:spTgt spid="7">
+                                            <p:txEl>
+                                              <p:pRg st="7" end="7"/>
+                                            </p:txEl>
+                                          </p:spTgt>
+                                        </p:tgtEl>
+                                        <p:attrNameLst>
+                                          <p:attrName>style.visibility</p:attrName>
+                                        </p:attrNameLst>
+                                      </p:cBhvr>
+                                      <p:to>
+                                        <p:strVal val="visible"/>
+                                      </p:to>
+                                    </p:set>
+                                  </p:childTnLst>
+                                </p:cTn>
+                              </p:par>
+                              <p:par>
+                                <p:cTn id="25" presetID="1" presetClass="entr" presetSubtype="0" fill="hold" nodeType="withEffect">
+                                  <p:stCondLst>
+                                    <p:cond delay="0"/>
+                                  </p:stCondLst>
+                                  <p:childTnLst>
+                                    <p:set>
+                                      <p:cBhvr>
+                                        <p:cTn id="26" dur="1" fill="hold">
+                                          <p:stCondLst>
+                                            <p:cond delay="0"/>
+                                          </p:stCondLst>
+                                        </p:cTn>
+                                        <p:tgtEl>
+                                          <p:spTgt spid="7">
+                                            <p:txEl>
+                                              <p:pRg st="8" end="8"/>
+                                            </p:txEl>
+                                          </p:spTgt>
+                                        </p:tgtEl>
+                                        <p:attrNameLst>
+                                          <p:attrName>style.visibility</p:attrName>
+                                        </p:attrNameLst>
+                                      </p:cBhvr>
+                                      <p:to>
+                                        <p:strVal val="visible"/>
+                                      </p:to>
+                                    </p:set>
+                                  </p:childTnLst>
+                                </p:cTn>
+                              </p:par>
+                              <p:par>
+                                <p:cTn id="27" presetID="1" presetClass="entr" presetSubtype="0" fill="hold" nodeType="withEffect">
+                                  <p:stCondLst>
+                                    <p:cond delay="0"/>
+                                  </p:stCondLst>
+                                  <p:childTnLst>
+                                    <p:set>
+                                      <p:cBhvr>
+                                        <p:cTn id="28" dur="1" fill="hold">
+                                          <p:stCondLst>
+                                            <p:cond delay="0"/>
+                                          </p:stCondLst>
+                                        </p:cTn>
+                                        <p:tgtEl>
+                                          <p:spTgt spid="7">
+                                            <p:txEl>
+                                              <p:pRg st="9" end="9"/>
+                                            </p:txEl>
+                                          </p:spTgt>
+                                        </p:tgtEl>
+                                        <p:attrNameLst>
+                                          <p:attrName>style.visibility</p:attrName>
+                                        </p:attrNameLst>
+                                      </p:cBhvr>
+                                      <p:to>
+                                        <p:strVal val="visible"/>
+                                      </p:to>
+                                    </p:set>
+                                  </p:childTnLst>
+                                </p:cTn>
+                              </p:par>
+                            </p:childTnLst>
+                          </p:cTn>
+                        </p:par>
+                      </p:childTnLst>
+                    </p:cTn>
+                  </p:par>
+                  <p:par>
+                    <p:cTn id="29" fill="hold">
+                      <p:stCondLst>
+                        <p:cond delay="indefinite"/>
+                      </p:stCondLst>
+                      <p:childTnLst>
+                        <p:par>
+                          <p:cTn id="30" fill="hold">
+                            <p:stCondLst>
+                              <p:cond delay="0"/>
+                            </p:stCondLst>
+                            <p:childTnLst>
+                              <p:par>
+                                <p:cTn id="31" presetID="1" presetClass="entr" presetSubtype="0" fill="hold" nodeType="clickEffect">
+                                  <p:stCondLst>
+                                    <p:cond delay="0"/>
+                                  </p:stCondLst>
+                                  <p:childTnLst>
+                                    <p:set>
+                                      <p:cBhvr>
+                                        <p:cTn id="32" dur="1" fill="hold">
+                                          <p:stCondLst>
+                                            <p:cond delay="0"/>
+                                          </p:stCondLst>
+                                        </p:cTn>
+                                        <p:tgtEl>
+                                          <p:spTgt spid="7">
+                                            <p:txEl>
+                                              <p:pRg st="10" end="10"/>
+                                            </p:txEl>
+                                          </p:spTgt>
+                                        </p:tgtEl>
+                                        <p:attrNameLst>
+                                          <p:attrName>style.visibility</p:attrName>
+                                        </p:attrNameLst>
+                                      </p:cBhvr>
+                                      <p:to>
+                                        <p:strVal val="visible"/>
+                                      </p:to>
+                                    </p:set>
+                                  </p:childTnLst>
+                                </p:cTn>
+                              </p:par>
+                              <p:par>
+                                <p:cTn id="33" presetID="1" presetClass="entr" presetSubtype="0" fill="hold" nodeType="withEffect">
+                                  <p:stCondLst>
+                                    <p:cond delay="0"/>
+                                  </p:stCondLst>
+                                  <p:childTnLst>
+                                    <p:set>
+                                      <p:cBhvr>
+                                        <p:cTn id="34" dur="1" fill="hold">
+                                          <p:stCondLst>
+                                            <p:cond delay="0"/>
+                                          </p:stCondLst>
+                                        </p:cTn>
+                                        <p:tgtEl>
+                                          <p:spTgt spid="7">
+                                            <p:txEl>
+                                              <p:pRg st="11" end="11"/>
+                                            </p:txEl>
+                                          </p:spTgt>
+                                        </p:tgtEl>
+                                        <p:attrNameLst>
+                                          <p:attrName>style.visibility</p:attrName>
+                                        </p:attrNameLst>
+                                      </p:cBhvr>
+                                      <p:to>
+                                        <p:strVal val="visible"/>
+                                      </p:to>
+                                    </p:set>
+                                  </p:childTnLst>
+                                </p:cTn>
+                              </p:par>
+                              <p:par>
+                                <p:cTn id="35" presetID="1" presetClass="entr" presetSubtype="0" fill="hold" nodeType="withEffect">
+                                  <p:stCondLst>
+                                    <p:cond delay="0"/>
+                                  </p:stCondLst>
+                                  <p:childTnLst>
+                                    <p:set>
+                                      <p:cBhvr>
+                                        <p:cTn id="36" dur="1" fill="hold">
+                                          <p:stCondLst>
+                                            <p:cond delay="0"/>
+                                          </p:stCondLst>
+                                        </p:cTn>
+                                        <p:tgtEl>
+                                          <p:spTgt spid="7">
+                                            <p:txEl>
+                                              <p:pRg st="12" end="12"/>
+                                            </p:txEl>
+                                          </p:spTgt>
+                                        </p:tgtEl>
+                                        <p:attrNameLst>
+                                          <p:attrName>style.visibility</p:attrName>
+                                        </p:attrNameLst>
+                                      </p:cBhvr>
+                                      <p:to>
+                                        <p:strVal val="visible"/>
+                                      </p:to>
+                                    </p:set>
+                                  </p:childTnLst>
+                                </p:cTn>
+                              </p:par>
+                            </p:childTnLst>
+                          </p:cTn>
+                        </p:par>
+                      </p:childTnLst>
+                    </p:cTn>
+                  </p:par>
+                </p:childTnLst>
+              </p:cTn>
+              <p:prevCondLst>
+                <p:cond evt="onPrev" delay="0">
+                  <p:tgtEl>
+                    <p:sldTgt/>
+                  </p:tgtEl>
+                </p:cond>
+              </p:prevCondLst>
+              <p:nextCondLst>
+                <p:cond evt="onNext" delay="0">
+                  <p:tgtEl>
+                    <p:sldTgt/>
+                  </p:tgtEl>
+                </p:cond>
+              </p:nextCondLst>
+            </p:seq>
+          </p:childTnLst>
+        </p:cTn>
       </p:par>
     </p:tnLst>
   </p:timing>
 </p:sld>
 </file>
 
-<file path=ppt/slides/slide5.xml><?xml version="1.0" encoding="utf-8"?>
+<file path=ppt/slides/slide7.xml><?xml version="1.0" encoding="utf-8"?>
 <p:sld xmlns:a="http://schemas.openxmlformats.org/drawingml/2006/main" xmlns:r="http://schemas.openxmlformats.org/officeDocument/2006/relationships" xmlns:p="http://schemas.openxmlformats.org/presentationml/2006/main">
   <p:cSld>
     <p:spTree>
@@ -8374,7 +11971,11 @@
           <a:p>
             <a:r>
               <a:rPr lang="en-US" sz="2800" dirty="0" smtClean="0"/>
-              <a:t>A Start Menu shortcut:</a:t>
+              <a:t>A Start Menu </a:t>
+            </a:r>
+            <a:r>
+              <a:rPr lang="en-US" sz="2800" dirty="0" smtClean="0"/>
+              <a:t>shortcut</a:t>
             </a:r>
             <a:endParaRPr lang="ru-RU" sz="2800" dirty="0"/>
           </a:p>
@@ -8411,7 +12012,7 @@
             </a:pPr>
             <a:r>
               <a:rPr lang="en-US" dirty="0" smtClean="0"/>
-              <a:t>Under </a:t>
+              <a:t>Place it under </a:t>
             </a:r>
             <a:r>
               <a:rPr lang="en-US" dirty="0" err="1" smtClean="0">
@@ -8436,7 +12037,11 @@
             </a:pPr>
             <a:r>
               <a:rPr lang="en-US" dirty="0" smtClean="0"/>
-              <a:t>A separate components that contains:</a:t>
+              <a:t>Create a </a:t>
+            </a:r>
+            <a:r>
+              <a:rPr lang="en-US" dirty="0" smtClean="0"/>
+              <a:t>separate components that contains:</a:t>
             </a:r>
           </a:p>
           <a:p>
@@ -8457,20 +12062,22 @@
             </a:r>
             <a:r>
               <a:rPr lang="en-US" dirty="0" smtClean="0"/>
-              <a:t> element that describes shortcut itself:</a:t>
-            </a:r>
-          </a:p>
-          <a:p>
-            <a:pPr marL="1200150" lvl="2" indent="-285750">
-              <a:lnSpc>
-                <a:spcPct val="150000"/>
-              </a:lnSpc>
-              <a:buFont typeface="Arial" panose="020B0604020202020204" pitchFamily="34" charset="0"/>
-              <a:buChar char="•"/>
-            </a:pPr>
+              <a:t> element that describes shortcut </a:t>
+            </a:r>
             <a:r>
               <a:rPr lang="en-US" dirty="0" smtClean="0"/>
-              <a:t>Target EXE file of the application </a:t>
+              <a:t>itself:</a:t>
+            </a:r>
+            <a:br>
+              <a:rPr lang="en-US" dirty="0" smtClean="0"/>
+            </a:br>
+            <a:r>
+              <a:rPr lang="en-US" dirty="0" smtClean="0"/>
+              <a:t>Target </a:t>
+            </a:r>
+            <a:r>
+              <a:rPr lang="en-US" dirty="0" smtClean="0"/>
+              <a:t>EXE file of the application </a:t>
             </a:r>
             <a:r>
               <a:rPr lang="en-US" dirty="0"/>
@@ -8609,7 +12216,2126 @@
   <p:timing>
     <p:tnLst>
       <p:par>
-        <p:cTn id="1" dur="indefinite" restart="never" nodeType="tmRoot"/>
+        <p:cTn id="1" dur="indefinite" restart="never" nodeType="tmRoot">
+          <p:childTnLst>
+            <p:seq concurrent="1" nextAc="seek">
+              <p:cTn id="2" dur="indefinite" nodeType="mainSeq">
+                <p:childTnLst>
+                  <p:par>
+                    <p:cTn id="3" fill="hold">
+                      <p:stCondLst>
+                        <p:cond delay="indefinite"/>
+                      </p:stCondLst>
+                      <p:childTnLst>
+                        <p:par>
+                          <p:cTn id="4" fill="hold">
+                            <p:stCondLst>
+                              <p:cond delay="0"/>
+                            </p:stCondLst>
+                            <p:childTnLst>
+                              <p:par>
+                                <p:cTn id="5" presetID="1" presetClass="entr" presetSubtype="0" fill="hold" nodeType="clickEffect">
+                                  <p:stCondLst>
+                                    <p:cond delay="0"/>
+                                  </p:stCondLst>
+                                  <p:childTnLst>
+                                    <p:set>
+                                      <p:cBhvr>
+                                        <p:cTn id="6" dur="1" fill="hold">
+                                          <p:stCondLst>
+                                            <p:cond delay="0"/>
+                                          </p:stCondLst>
+                                        </p:cTn>
+                                        <p:tgtEl>
+                                          <p:spTgt spid="7">
+                                            <p:txEl>
+                                              <p:pRg st="0" end="0"/>
+                                            </p:txEl>
+                                          </p:spTgt>
+                                        </p:tgtEl>
+                                        <p:attrNameLst>
+                                          <p:attrName>style.visibility</p:attrName>
+                                        </p:attrNameLst>
+                                      </p:cBhvr>
+                                      <p:to>
+                                        <p:strVal val="visible"/>
+                                      </p:to>
+                                    </p:set>
+                                  </p:childTnLst>
+                                </p:cTn>
+                              </p:par>
+                            </p:childTnLst>
+                          </p:cTn>
+                        </p:par>
+                      </p:childTnLst>
+                    </p:cTn>
+                  </p:par>
+                  <p:par>
+                    <p:cTn id="7" fill="hold">
+                      <p:stCondLst>
+                        <p:cond delay="indefinite"/>
+                      </p:stCondLst>
+                      <p:childTnLst>
+                        <p:par>
+                          <p:cTn id="8" fill="hold">
+                            <p:stCondLst>
+                              <p:cond delay="0"/>
+                            </p:stCondLst>
+                            <p:childTnLst>
+                              <p:par>
+                                <p:cTn id="9" presetID="1" presetClass="entr" presetSubtype="0" fill="hold" nodeType="clickEffect">
+                                  <p:stCondLst>
+                                    <p:cond delay="0"/>
+                                  </p:stCondLst>
+                                  <p:childTnLst>
+                                    <p:set>
+                                      <p:cBhvr>
+                                        <p:cTn id="10" dur="1" fill="hold">
+                                          <p:stCondLst>
+                                            <p:cond delay="0"/>
+                                          </p:stCondLst>
+                                        </p:cTn>
+                                        <p:tgtEl>
+                                          <p:spTgt spid="7">
+                                            <p:txEl>
+                                              <p:pRg st="1" end="1"/>
+                                            </p:txEl>
+                                          </p:spTgt>
+                                        </p:tgtEl>
+                                        <p:attrNameLst>
+                                          <p:attrName>style.visibility</p:attrName>
+                                        </p:attrNameLst>
+                                      </p:cBhvr>
+                                      <p:to>
+                                        <p:strVal val="visible"/>
+                                      </p:to>
+                                    </p:set>
+                                  </p:childTnLst>
+                                </p:cTn>
+                              </p:par>
+                            </p:childTnLst>
+                          </p:cTn>
+                        </p:par>
+                      </p:childTnLst>
+                    </p:cTn>
+                  </p:par>
+                  <p:par>
+                    <p:cTn id="11" fill="hold">
+                      <p:stCondLst>
+                        <p:cond delay="indefinite"/>
+                      </p:stCondLst>
+                      <p:childTnLst>
+                        <p:par>
+                          <p:cTn id="12" fill="hold">
+                            <p:stCondLst>
+                              <p:cond delay="0"/>
+                            </p:stCondLst>
+                            <p:childTnLst>
+                              <p:par>
+                                <p:cTn id="13" presetID="1" presetClass="entr" presetSubtype="0" fill="hold" nodeType="clickEffect">
+                                  <p:stCondLst>
+                                    <p:cond delay="0"/>
+                                  </p:stCondLst>
+                                  <p:childTnLst>
+                                    <p:set>
+                                      <p:cBhvr>
+                                        <p:cTn id="14" dur="1" fill="hold">
+                                          <p:stCondLst>
+                                            <p:cond delay="0"/>
+                                          </p:stCondLst>
+                                        </p:cTn>
+                                        <p:tgtEl>
+                                          <p:spTgt spid="7">
+                                            <p:txEl>
+                                              <p:pRg st="2" end="2"/>
+                                            </p:txEl>
+                                          </p:spTgt>
+                                        </p:tgtEl>
+                                        <p:attrNameLst>
+                                          <p:attrName>style.visibility</p:attrName>
+                                        </p:attrNameLst>
+                                      </p:cBhvr>
+                                      <p:to>
+                                        <p:strVal val="visible"/>
+                                      </p:to>
+                                    </p:set>
+                                  </p:childTnLst>
+                                </p:cTn>
+                              </p:par>
+                            </p:childTnLst>
+                          </p:cTn>
+                        </p:par>
+                      </p:childTnLst>
+                    </p:cTn>
+                  </p:par>
+                  <p:par>
+                    <p:cTn id="15" fill="hold">
+                      <p:stCondLst>
+                        <p:cond delay="indefinite"/>
+                      </p:stCondLst>
+                      <p:childTnLst>
+                        <p:par>
+                          <p:cTn id="16" fill="hold">
+                            <p:stCondLst>
+                              <p:cond delay="0"/>
+                            </p:stCondLst>
+                            <p:childTnLst>
+                              <p:par>
+                                <p:cTn id="17" presetID="1" presetClass="entr" presetSubtype="0" fill="hold" nodeType="clickEffect">
+                                  <p:stCondLst>
+                                    <p:cond delay="0"/>
+                                  </p:stCondLst>
+                                  <p:childTnLst>
+                                    <p:set>
+                                      <p:cBhvr>
+                                        <p:cTn id="18" dur="1" fill="hold">
+                                          <p:stCondLst>
+                                            <p:cond delay="0"/>
+                                          </p:stCondLst>
+                                        </p:cTn>
+                                        <p:tgtEl>
+                                          <p:spTgt spid="7">
+                                            <p:txEl>
+                                              <p:pRg st="3" end="3"/>
+                                            </p:txEl>
+                                          </p:spTgt>
+                                        </p:tgtEl>
+                                        <p:attrNameLst>
+                                          <p:attrName>style.visibility</p:attrName>
+                                        </p:attrNameLst>
+                                      </p:cBhvr>
+                                      <p:to>
+                                        <p:strVal val="visible"/>
+                                      </p:to>
+                                    </p:set>
+                                  </p:childTnLst>
+                                </p:cTn>
+                              </p:par>
+                            </p:childTnLst>
+                          </p:cTn>
+                        </p:par>
+                      </p:childTnLst>
+                    </p:cTn>
+                  </p:par>
+                  <p:par>
+                    <p:cTn id="19" fill="hold">
+                      <p:stCondLst>
+                        <p:cond delay="indefinite"/>
+                      </p:stCondLst>
+                      <p:childTnLst>
+                        <p:par>
+                          <p:cTn id="20" fill="hold">
+                            <p:stCondLst>
+                              <p:cond delay="0"/>
+                            </p:stCondLst>
+                            <p:childTnLst>
+                              <p:par>
+                                <p:cTn id="21" presetID="1" presetClass="entr" presetSubtype="0" fill="hold" nodeType="clickEffect">
+                                  <p:stCondLst>
+                                    <p:cond delay="0"/>
+                                  </p:stCondLst>
+                                  <p:childTnLst>
+                                    <p:set>
+                                      <p:cBhvr>
+                                        <p:cTn id="22" dur="1" fill="hold">
+                                          <p:stCondLst>
+                                            <p:cond delay="0"/>
+                                          </p:stCondLst>
+                                        </p:cTn>
+                                        <p:tgtEl>
+                                          <p:spTgt spid="7">
+                                            <p:txEl>
+                                              <p:pRg st="4" end="4"/>
+                                            </p:txEl>
+                                          </p:spTgt>
+                                        </p:tgtEl>
+                                        <p:attrNameLst>
+                                          <p:attrName>style.visibility</p:attrName>
+                                        </p:attrNameLst>
+                                      </p:cBhvr>
+                                      <p:to>
+                                        <p:strVal val="visible"/>
+                                      </p:to>
+                                    </p:set>
+                                  </p:childTnLst>
+                                </p:cTn>
+                              </p:par>
+                            </p:childTnLst>
+                          </p:cTn>
+                        </p:par>
+                      </p:childTnLst>
+                    </p:cTn>
+                  </p:par>
+                  <p:par>
+                    <p:cTn id="23" fill="hold">
+                      <p:stCondLst>
+                        <p:cond delay="indefinite"/>
+                      </p:stCondLst>
+                      <p:childTnLst>
+                        <p:par>
+                          <p:cTn id="24" fill="hold">
+                            <p:stCondLst>
+                              <p:cond delay="0"/>
+                            </p:stCondLst>
+                            <p:childTnLst>
+                              <p:par>
+                                <p:cTn id="25" presetID="1" presetClass="entr" presetSubtype="0" fill="hold" nodeType="clickEffect">
+                                  <p:stCondLst>
+                                    <p:cond delay="0"/>
+                                  </p:stCondLst>
+                                  <p:childTnLst>
+                                    <p:set>
+                                      <p:cBhvr>
+                                        <p:cTn id="26" dur="1" fill="hold">
+                                          <p:stCondLst>
+                                            <p:cond delay="0"/>
+                                          </p:stCondLst>
+                                        </p:cTn>
+                                        <p:tgtEl>
+                                          <p:spTgt spid="7">
+                                            <p:txEl>
+                                              <p:pRg st="5" end="5"/>
+                                            </p:txEl>
+                                          </p:spTgt>
+                                        </p:tgtEl>
+                                        <p:attrNameLst>
+                                          <p:attrName>style.visibility</p:attrName>
+                                        </p:attrNameLst>
+                                      </p:cBhvr>
+                                      <p:to>
+                                        <p:strVal val="visible"/>
+                                      </p:to>
+                                    </p:set>
+                                  </p:childTnLst>
+                                </p:cTn>
+                              </p:par>
+                            </p:childTnLst>
+                          </p:cTn>
+                        </p:par>
+                      </p:childTnLst>
+                    </p:cTn>
+                  </p:par>
+                </p:childTnLst>
+              </p:cTn>
+              <p:prevCondLst>
+                <p:cond evt="onPrev" delay="0">
+                  <p:tgtEl>
+                    <p:sldTgt/>
+                  </p:tgtEl>
+                </p:cond>
+              </p:prevCondLst>
+              <p:nextCondLst>
+                <p:cond evt="onNext" delay="0">
+                  <p:tgtEl>
+                    <p:sldTgt/>
+                  </p:tgtEl>
+                </p:cond>
+              </p:nextCondLst>
+            </p:seq>
+          </p:childTnLst>
+        </p:cTn>
+      </p:par>
+    </p:tnLst>
+  </p:timing>
+</p:sld>
+</file>
+
+<file path=ppt/slides/slide8.xml><?xml version="1.0" encoding="utf-8"?>
+<p:sld xmlns:a="http://schemas.openxmlformats.org/drawingml/2006/main" xmlns:r="http://schemas.openxmlformats.org/officeDocument/2006/relationships" xmlns:p="http://schemas.openxmlformats.org/presentationml/2006/main">
+  <p:cSld>
+    <p:spTree>
+      <p:nvGrpSpPr>
+        <p:cNvPr id="1" name=""/>
+        <p:cNvGrpSpPr/>
+        <p:nvPr/>
+      </p:nvGrpSpPr>
+      <p:grpSpPr>
+        <a:xfrm>
+          <a:off x="0" y="0"/>
+          <a:ext cx="0" cy="0"/>
+          <a:chOff x="0" y="0"/>
+          <a:chExt cx="0" cy="0"/>
+        </a:xfrm>
+      </p:grpSpPr>
+      <p:sp>
+        <p:nvSpPr>
+          <p:cNvPr id="6" name="Прямоугольник 5"/>
+          <p:cNvSpPr/>
+          <p:nvPr/>
+        </p:nvSpPr>
+        <p:spPr>
+          <a:xfrm>
+            <a:off x="713449" y="344617"/>
+            <a:ext cx="1521570" cy="523220"/>
+          </a:xfrm>
+          <a:prstGeom prst="rect">
+            <a:avLst/>
+          </a:prstGeom>
+        </p:spPr>
+        <p:txBody>
+          <a:bodyPr wrap="none">
+            <a:spAutoFit/>
+          </a:bodyPr>
+          <a:lstStyle/>
+          <a:p>
+            <a:r>
+              <a:rPr lang="en-US" sz="2800" dirty="0" smtClean="0"/>
+              <a:t>Upgrade</a:t>
+            </a:r>
+            <a:endParaRPr lang="ru-RU" sz="2800" dirty="0"/>
+          </a:p>
+        </p:txBody>
+      </p:sp>
+      <p:sp>
+        <p:nvSpPr>
+          <p:cNvPr id="7" name="TextBox 6"/>
+          <p:cNvSpPr txBox="1"/>
+          <p:nvPr/>
+        </p:nvSpPr>
+        <p:spPr>
+          <a:xfrm>
+            <a:off x="1136824" y="867837"/>
+            <a:ext cx="8544327" cy="3693319"/>
+          </a:xfrm>
+          <a:prstGeom prst="rect">
+            <a:avLst/>
+          </a:prstGeom>
+          <a:noFill/>
+        </p:spPr>
+        <p:txBody>
+          <a:bodyPr wrap="none" rtlCol="0">
+            <a:spAutoFit/>
+          </a:bodyPr>
+          <a:lstStyle/>
+          <a:p>
+            <a:pPr>
+              <a:lnSpc>
+                <a:spcPct val="150000"/>
+              </a:lnSpc>
+            </a:pPr>
+            <a:r>
+              <a:rPr lang="en-US" dirty="0" smtClean="0"/>
+              <a:t>The installer should follow the requirements:</a:t>
+            </a:r>
+          </a:p>
+          <a:p>
+            <a:pPr marL="285750" indent="-285750">
+              <a:lnSpc>
+                <a:spcPct val="150000"/>
+              </a:lnSpc>
+              <a:buFont typeface="Arial" panose="020B0604020202020204" pitchFamily="34" charset="0"/>
+              <a:buChar char="•"/>
+            </a:pPr>
+            <a:r>
+              <a:rPr lang="en-US" dirty="0" smtClean="0">
+                <a:solidFill>
+                  <a:srgbClr val="FF0000"/>
+                </a:solidFill>
+              </a:rPr>
+              <a:t>Product</a:t>
+            </a:r>
+            <a:r>
+              <a:rPr lang="en-US" dirty="0" smtClean="0"/>
+              <a:t> element should have an </a:t>
+            </a:r>
+            <a:r>
+              <a:rPr lang="en-US" dirty="0" err="1" smtClean="0">
+                <a:solidFill>
+                  <a:srgbClr val="FF0000"/>
+                </a:solidFill>
+              </a:rPr>
+              <a:t>UpgradeCode</a:t>
+            </a:r>
+            <a:r>
+              <a:rPr lang="en-US" dirty="0" smtClean="0"/>
+              <a:t> GUID. It should be the same</a:t>
+            </a:r>
+            <a:br>
+              <a:rPr lang="en-US" dirty="0" smtClean="0"/>
+            </a:br>
+            <a:r>
+              <a:rPr lang="en-US" dirty="0" smtClean="0"/>
+              <a:t>from version to version.</a:t>
+            </a:r>
+          </a:p>
+          <a:p>
+            <a:pPr marL="285750" indent="-285750">
+              <a:lnSpc>
+                <a:spcPct val="150000"/>
+              </a:lnSpc>
+              <a:buFont typeface="Arial" panose="020B0604020202020204" pitchFamily="34" charset="0"/>
+              <a:buChar char="•"/>
+            </a:pPr>
+            <a:r>
+              <a:rPr lang="en-US" dirty="0" smtClean="0"/>
+              <a:t>Add a </a:t>
+            </a:r>
+            <a:r>
+              <a:rPr lang="en-US" dirty="0" err="1" smtClean="0">
+                <a:solidFill>
+                  <a:srgbClr val="FF0000"/>
+                </a:solidFill>
+              </a:rPr>
+              <a:t>MajorUpgrade</a:t>
+            </a:r>
+            <a:r>
+              <a:rPr lang="en-US" dirty="0" smtClean="0"/>
+              <a:t> element to the </a:t>
+            </a:r>
+            <a:r>
+              <a:rPr lang="en-US" dirty="0" smtClean="0">
+                <a:solidFill>
+                  <a:srgbClr val="FF0000"/>
+                </a:solidFill>
+              </a:rPr>
+              <a:t>Product</a:t>
+            </a:r>
+            <a:r>
+              <a:rPr lang="en-US" dirty="0" smtClean="0"/>
+              <a:t>:</a:t>
+            </a:r>
+            <a:r>
+              <a:rPr lang="en-US" dirty="0"/>
+              <a:t/>
+            </a:r>
+            <a:br>
+              <a:rPr lang="en-US" dirty="0"/>
+            </a:br>
+            <a:r>
+              <a:rPr lang="en-US" sz="1200" dirty="0">
+                <a:solidFill>
+                  <a:srgbClr val="FF0000"/>
+                </a:solidFill>
+                <a:latin typeface="Consolas" panose="020B0609020204030204" pitchFamily="49" charset="0"/>
+                <a:cs typeface="Consolas" panose="020B0609020204030204" pitchFamily="49" charset="0"/>
+              </a:rPr>
+              <a:t>&lt;</a:t>
+            </a:r>
+            <a:r>
+              <a:rPr lang="en-US" sz="1200" dirty="0" err="1">
+                <a:solidFill>
+                  <a:srgbClr val="FF0000"/>
+                </a:solidFill>
+                <a:latin typeface="Consolas" panose="020B0609020204030204" pitchFamily="49" charset="0"/>
+                <a:cs typeface="Consolas" panose="020B0609020204030204" pitchFamily="49" charset="0"/>
+              </a:rPr>
+              <a:t>MajorUpgrade</a:t>
+            </a:r>
+            <a:r>
+              <a:rPr lang="en-US" sz="1200" dirty="0">
+                <a:solidFill>
+                  <a:srgbClr val="FF0000"/>
+                </a:solidFill>
+                <a:latin typeface="Consolas" panose="020B0609020204030204" pitchFamily="49" charset="0"/>
+                <a:cs typeface="Consolas" panose="020B0609020204030204" pitchFamily="49" charset="0"/>
+              </a:rPr>
+              <a:t> </a:t>
+            </a:r>
+            <a:r>
+              <a:rPr lang="en-US" sz="1200" dirty="0" err="1">
+                <a:solidFill>
+                  <a:srgbClr val="FF0000"/>
+                </a:solidFill>
+                <a:latin typeface="Consolas" panose="020B0609020204030204" pitchFamily="49" charset="0"/>
+                <a:cs typeface="Consolas" panose="020B0609020204030204" pitchFamily="49" charset="0"/>
+              </a:rPr>
+              <a:t>DowngradeErrorMessage</a:t>
+            </a:r>
+            <a:r>
+              <a:rPr lang="en-US" sz="1200" dirty="0">
+                <a:solidFill>
+                  <a:srgbClr val="FF0000"/>
+                </a:solidFill>
+                <a:latin typeface="Consolas" panose="020B0609020204030204" pitchFamily="49" charset="0"/>
+                <a:cs typeface="Consolas" panose="020B0609020204030204" pitchFamily="49" charset="0"/>
+              </a:rPr>
+              <a:t>="</a:t>
+            </a:r>
+            <a:r>
+              <a:rPr lang="en-US" sz="1200" dirty="0">
+                <a:solidFill>
+                  <a:srgbClr val="00B050"/>
+                </a:solidFill>
+                <a:latin typeface="Consolas" panose="020B0609020204030204" pitchFamily="49" charset="0"/>
+                <a:cs typeface="Consolas" panose="020B0609020204030204" pitchFamily="49" charset="0"/>
+              </a:rPr>
+              <a:t>A newer version of </a:t>
+            </a:r>
+            <a:r>
+              <a:rPr lang="en-US" sz="1200" dirty="0">
+                <a:solidFill>
+                  <a:srgbClr val="FF0000"/>
+                </a:solidFill>
+                <a:latin typeface="Consolas" panose="020B0609020204030204" pitchFamily="49" charset="0"/>
+                <a:cs typeface="Consolas" panose="020B0609020204030204" pitchFamily="49" charset="0"/>
+              </a:rPr>
+              <a:t>[</a:t>
+            </a:r>
+            <a:r>
+              <a:rPr lang="en-US" sz="1200" dirty="0" err="1">
+                <a:solidFill>
+                  <a:srgbClr val="FF0000"/>
+                </a:solidFill>
+                <a:latin typeface="Consolas" panose="020B0609020204030204" pitchFamily="49" charset="0"/>
+                <a:cs typeface="Consolas" panose="020B0609020204030204" pitchFamily="49" charset="0"/>
+              </a:rPr>
+              <a:t>ProductName</a:t>
+            </a:r>
+            <a:r>
+              <a:rPr lang="en-US" sz="1200" dirty="0">
+                <a:solidFill>
+                  <a:srgbClr val="FF0000"/>
+                </a:solidFill>
+                <a:latin typeface="Consolas" panose="020B0609020204030204" pitchFamily="49" charset="0"/>
+                <a:cs typeface="Consolas" panose="020B0609020204030204" pitchFamily="49" charset="0"/>
+              </a:rPr>
+              <a:t>]</a:t>
+            </a:r>
+            <a:r>
+              <a:rPr lang="en-US" sz="1200" dirty="0">
+                <a:solidFill>
+                  <a:srgbClr val="00B050"/>
+                </a:solidFill>
+                <a:latin typeface="Consolas" panose="020B0609020204030204" pitchFamily="49" charset="0"/>
+                <a:cs typeface="Consolas" panose="020B0609020204030204" pitchFamily="49" charset="0"/>
+              </a:rPr>
+              <a:t> is already installed.</a:t>
+            </a:r>
+            <a:r>
+              <a:rPr lang="en-US" sz="1200" dirty="0">
+                <a:solidFill>
+                  <a:srgbClr val="FF0000"/>
+                </a:solidFill>
+                <a:latin typeface="Consolas" panose="020B0609020204030204" pitchFamily="49" charset="0"/>
+                <a:cs typeface="Consolas" panose="020B0609020204030204" pitchFamily="49" charset="0"/>
+              </a:rPr>
+              <a:t>" </a:t>
+            </a:r>
+            <a:r>
+              <a:rPr lang="en-US" sz="1200" dirty="0" smtClean="0">
+                <a:solidFill>
+                  <a:srgbClr val="FF0000"/>
+                </a:solidFill>
+                <a:latin typeface="Consolas" panose="020B0609020204030204" pitchFamily="49" charset="0"/>
+                <a:cs typeface="Consolas" panose="020B0609020204030204" pitchFamily="49" charset="0"/>
+              </a:rPr>
+              <a:t>/&gt;</a:t>
+            </a:r>
+          </a:p>
+          <a:p>
+            <a:pPr marL="285750" indent="-285750">
+              <a:lnSpc>
+                <a:spcPct val="150000"/>
+              </a:lnSpc>
+              <a:buFont typeface="Arial" panose="020B0604020202020204" pitchFamily="34" charset="0"/>
+              <a:buChar char="•"/>
+            </a:pPr>
+            <a:r>
+              <a:rPr lang="en-US" dirty="0" smtClean="0"/>
+              <a:t>Each new version installer should have a new ID (or simply make </a:t>
+            </a:r>
+            <a:r>
+              <a:rPr lang="en-US" dirty="0" smtClean="0">
+                <a:solidFill>
+                  <a:srgbClr val="FF0000"/>
+                </a:solidFill>
+              </a:rPr>
+              <a:t>Id=</a:t>
+            </a:r>
+            <a:r>
+              <a:rPr lang="en-US" dirty="0" smtClean="0">
+                <a:solidFill>
+                  <a:srgbClr val="FF0000"/>
+                </a:solidFill>
+                <a:latin typeface="Consolas" panose="020B0609020204030204" pitchFamily="49" charset="0"/>
+                <a:cs typeface="Consolas" panose="020B0609020204030204" pitchFamily="49" charset="0"/>
+              </a:rPr>
+              <a:t>"</a:t>
+            </a:r>
+            <a:r>
+              <a:rPr lang="en-US" dirty="0" smtClean="0">
+                <a:solidFill>
+                  <a:srgbClr val="00B050"/>
+                </a:solidFill>
+              </a:rPr>
+              <a:t>*</a:t>
+            </a:r>
+            <a:r>
+              <a:rPr lang="en-US" dirty="0" smtClean="0">
+                <a:solidFill>
+                  <a:srgbClr val="FF0000"/>
+                </a:solidFill>
+                <a:latin typeface="Consolas" panose="020B0609020204030204" pitchFamily="49" charset="0"/>
+                <a:cs typeface="Consolas" panose="020B0609020204030204" pitchFamily="49" charset="0"/>
+              </a:rPr>
+              <a:t>"</a:t>
+            </a:r>
+            <a:r>
+              <a:rPr lang="en-US" dirty="0" smtClean="0"/>
+              <a:t>)</a:t>
+            </a:r>
+            <a:r>
+              <a:rPr lang="en-US" dirty="0"/>
+              <a:t/>
+            </a:r>
+            <a:br>
+              <a:rPr lang="en-US" dirty="0"/>
+            </a:br>
+            <a:r>
+              <a:rPr lang="en-US" dirty="0" smtClean="0"/>
+              <a:t>and </a:t>
+            </a:r>
+            <a:r>
+              <a:rPr lang="en-US" dirty="0" smtClean="0">
+                <a:solidFill>
+                  <a:srgbClr val="FF0000"/>
+                </a:solidFill>
+              </a:rPr>
+              <a:t>Version</a:t>
+            </a:r>
+            <a:r>
+              <a:rPr lang="en-US" dirty="0" smtClean="0"/>
+              <a:t> value should be incremented.</a:t>
+            </a:r>
+          </a:p>
+          <a:p>
+            <a:pPr>
+              <a:lnSpc>
+                <a:spcPct val="150000"/>
+              </a:lnSpc>
+            </a:pPr>
+            <a:endParaRPr lang="en-US" dirty="0" smtClean="0"/>
+          </a:p>
+          <a:p>
+            <a:pPr>
+              <a:lnSpc>
+                <a:spcPct val="150000"/>
+              </a:lnSpc>
+            </a:pPr>
+            <a:r>
+              <a:rPr lang="en-US" dirty="0">
+                <a:solidFill>
+                  <a:srgbClr val="FF0000"/>
+                </a:solidFill>
+              </a:rPr>
+              <a:t>Windows Installer takes into account only first 3 numbers in Version</a:t>
+            </a:r>
+            <a:r>
+              <a:rPr lang="en-US" dirty="0" smtClean="0">
+                <a:solidFill>
+                  <a:srgbClr val="FF0000"/>
+                </a:solidFill>
+              </a:rPr>
+              <a:t>!</a:t>
+            </a:r>
+            <a:endParaRPr lang="en-US" dirty="0">
+              <a:solidFill>
+                <a:srgbClr val="FF0000"/>
+              </a:solidFill>
+            </a:endParaRPr>
+          </a:p>
+        </p:txBody>
+      </p:sp>
+      <p:sp>
+        <p:nvSpPr>
+          <p:cNvPr id="3" name="Прямоугольник 2"/>
+          <p:cNvSpPr/>
+          <p:nvPr/>
+        </p:nvSpPr>
+        <p:spPr>
+          <a:xfrm>
+            <a:off x="715442" y="5084376"/>
+            <a:ext cx="9387089" cy="369332"/>
+          </a:xfrm>
+          <a:prstGeom prst="rect">
+            <a:avLst/>
+          </a:prstGeom>
+        </p:spPr>
+        <p:txBody>
+          <a:bodyPr wrap="square">
+            <a:spAutoFit/>
+          </a:bodyPr>
+          <a:lstStyle/>
+          <a:p>
+            <a:r>
+              <a:rPr lang="ru-RU" dirty="0">
+                <a:hlinkClick r:id="rId2"/>
+              </a:rPr>
+              <a:t>http://</a:t>
+            </a:r>
+            <a:r>
+              <a:rPr lang="ru-RU" dirty="0" smtClean="0">
+                <a:hlinkClick r:id="rId2"/>
+              </a:rPr>
+              <a:t>wixtoolset.org/documentation/manual/v3/howtos/updates/major_upgrade.html</a:t>
+            </a:r>
+            <a:endParaRPr lang="en-US" dirty="0" smtClean="0"/>
+          </a:p>
+        </p:txBody>
+      </p:sp>
+    </p:spTree>
+    <p:extLst>
+      <p:ext uri="{BB962C8B-B14F-4D97-AF65-F5344CB8AC3E}">
+        <p14:creationId xmlns:p14="http://schemas.microsoft.com/office/powerpoint/2010/main" val="3577319802"/>
+      </p:ext>
+    </p:extLst>
+  </p:cSld>
+  <p:clrMapOvr>
+    <a:masterClrMapping/>
+  </p:clrMapOvr>
+  <p:timing>
+    <p:tnLst>
+      <p:par>
+        <p:cTn id="1" dur="indefinite" restart="never" nodeType="tmRoot">
+          <p:childTnLst>
+            <p:seq concurrent="1" nextAc="seek">
+              <p:cTn id="2" dur="indefinite" nodeType="mainSeq">
+                <p:childTnLst>
+                  <p:par>
+                    <p:cTn id="3" fill="hold">
+                      <p:stCondLst>
+                        <p:cond delay="indefinite"/>
+                      </p:stCondLst>
+                      <p:childTnLst>
+                        <p:par>
+                          <p:cTn id="4" fill="hold">
+                            <p:stCondLst>
+                              <p:cond delay="0"/>
+                            </p:stCondLst>
+                            <p:childTnLst>
+                              <p:par>
+                                <p:cTn id="5" presetID="1" presetClass="entr" presetSubtype="0" fill="hold" nodeType="clickEffect">
+                                  <p:stCondLst>
+                                    <p:cond delay="0"/>
+                                  </p:stCondLst>
+                                  <p:childTnLst>
+                                    <p:set>
+                                      <p:cBhvr>
+                                        <p:cTn id="6" dur="1" fill="hold">
+                                          <p:stCondLst>
+                                            <p:cond delay="0"/>
+                                          </p:stCondLst>
+                                        </p:cTn>
+                                        <p:tgtEl>
+                                          <p:spTgt spid="7">
+                                            <p:txEl>
+                                              <p:pRg st="0" end="0"/>
+                                            </p:txEl>
+                                          </p:spTgt>
+                                        </p:tgtEl>
+                                        <p:attrNameLst>
+                                          <p:attrName>style.visibility</p:attrName>
+                                        </p:attrNameLst>
+                                      </p:cBhvr>
+                                      <p:to>
+                                        <p:strVal val="visible"/>
+                                      </p:to>
+                                    </p:set>
+                                  </p:childTnLst>
+                                </p:cTn>
+                              </p:par>
+                            </p:childTnLst>
+                          </p:cTn>
+                        </p:par>
+                      </p:childTnLst>
+                    </p:cTn>
+                  </p:par>
+                  <p:par>
+                    <p:cTn id="7" fill="hold">
+                      <p:stCondLst>
+                        <p:cond delay="indefinite"/>
+                      </p:stCondLst>
+                      <p:childTnLst>
+                        <p:par>
+                          <p:cTn id="8" fill="hold">
+                            <p:stCondLst>
+                              <p:cond delay="0"/>
+                            </p:stCondLst>
+                            <p:childTnLst>
+                              <p:par>
+                                <p:cTn id="9" presetID="1" presetClass="entr" presetSubtype="0" fill="hold" nodeType="clickEffect">
+                                  <p:stCondLst>
+                                    <p:cond delay="0"/>
+                                  </p:stCondLst>
+                                  <p:childTnLst>
+                                    <p:set>
+                                      <p:cBhvr>
+                                        <p:cTn id="10" dur="1" fill="hold">
+                                          <p:stCondLst>
+                                            <p:cond delay="0"/>
+                                          </p:stCondLst>
+                                        </p:cTn>
+                                        <p:tgtEl>
+                                          <p:spTgt spid="7">
+                                            <p:txEl>
+                                              <p:pRg st="1" end="1"/>
+                                            </p:txEl>
+                                          </p:spTgt>
+                                        </p:tgtEl>
+                                        <p:attrNameLst>
+                                          <p:attrName>style.visibility</p:attrName>
+                                        </p:attrNameLst>
+                                      </p:cBhvr>
+                                      <p:to>
+                                        <p:strVal val="visible"/>
+                                      </p:to>
+                                    </p:set>
+                                  </p:childTnLst>
+                                </p:cTn>
+                              </p:par>
+                            </p:childTnLst>
+                          </p:cTn>
+                        </p:par>
+                      </p:childTnLst>
+                    </p:cTn>
+                  </p:par>
+                  <p:par>
+                    <p:cTn id="11" fill="hold">
+                      <p:stCondLst>
+                        <p:cond delay="indefinite"/>
+                      </p:stCondLst>
+                      <p:childTnLst>
+                        <p:par>
+                          <p:cTn id="12" fill="hold">
+                            <p:stCondLst>
+                              <p:cond delay="0"/>
+                            </p:stCondLst>
+                            <p:childTnLst>
+                              <p:par>
+                                <p:cTn id="13" presetID="1" presetClass="entr" presetSubtype="0" fill="hold" nodeType="clickEffect">
+                                  <p:stCondLst>
+                                    <p:cond delay="0"/>
+                                  </p:stCondLst>
+                                  <p:childTnLst>
+                                    <p:set>
+                                      <p:cBhvr>
+                                        <p:cTn id="14" dur="1" fill="hold">
+                                          <p:stCondLst>
+                                            <p:cond delay="0"/>
+                                          </p:stCondLst>
+                                        </p:cTn>
+                                        <p:tgtEl>
+                                          <p:spTgt spid="7">
+                                            <p:txEl>
+                                              <p:pRg st="2" end="2"/>
+                                            </p:txEl>
+                                          </p:spTgt>
+                                        </p:tgtEl>
+                                        <p:attrNameLst>
+                                          <p:attrName>style.visibility</p:attrName>
+                                        </p:attrNameLst>
+                                      </p:cBhvr>
+                                      <p:to>
+                                        <p:strVal val="visible"/>
+                                      </p:to>
+                                    </p:set>
+                                  </p:childTnLst>
+                                </p:cTn>
+                              </p:par>
+                            </p:childTnLst>
+                          </p:cTn>
+                        </p:par>
+                      </p:childTnLst>
+                    </p:cTn>
+                  </p:par>
+                  <p:par>
+                    <p:cTn id="15" fill="hold">
+                      <p:stCondLst>
+                        <p:cond delay="indefinite"/>
+                      </p:stCondLst>
+                      <p:childTnLst>
+                        <p:par>
+                          <p:cTn id="16" fill="hold">
+                            <p:stCondLst>
+                              <p:cond delay="0"/>
+                            </p:stCondLst>
+                            <p:childTnLst>
+                              <p:par>
+                                <p:cTn id="17" presetID="1" presetClass="entr" presetSubtype="0" fill="hold" nodeType="clickEffect">
+                                  <p:stCondLst>
+                                    <p:cond delay="0"/>
+                                  </p:stCondLst>
+                                  <p:childTnLst>
+                                    <p:set>
+                                      <p:cBhvr>
+                                        <p:cTn id="18" dur="1" fill="hold">
+                                          <p:stCondLst>
+                                            <p:cond delay="0"/>
+                                          </p:stCondLst>
+                                        </p:cTn>
+                                        <p:tgtEl>
+                                          <p:spTgt spid="7">
+                                            <p:txEl>
+                                              <p:pRg st="3" end="3"/>
+                                            </p:txEl>
+                                          </p:spTgt>
+                                        </p:tgtEl>
+                                        <p:attrNameLst>
+                                          <p:attrName>style.visibility</p:attrName>
+                                        </p:attrNameLst>
+                                      </p:cBhvr>
+                                      <p:to>
+                                        <p:strVal val="visible"/>
+                                      </p:to>
+                                    </p:set>
+                                  </p:childTnLst>
+                                </p:cTn>
+                              </p:par>
+                            </p:childTnLst>
+                          </p:cTn>
+                        </p:par>
+                      </p:childTnLst>
+                    </p:cTn>
+                  </p:par>
+                  <p:par>
+                    <p:cTn id="19" fill="hold">
+                      <p:stCondLst>
+                        <p:cond delay="indefinite"/>
+                      </p:stCondLst>
+                      <p:childTnLst>
+                        <p:par>
+                          <p:cTn id="20" fill="hold">
+                            <p:stCondLst>
+                              <p:cond delay="0"/>
+                            </p:stCondLst>
+                            <p:childTnLst>
+                              <p:par>
+                                <p:cTn id="21" presetID="1" presetClass="entr" presetSubtype="0" fill="hold" nodeType="clickEffect">
+                                  <p:stCondLst>
+                                    <p:cond delay="0"/>
+                                  </p:stCondLst>
+                                  <p:childTnLst>
+                                    <p:set>
+                                      <p:cBhvr>
+                                        <p:cTn id="22" dur="1" fill="hold">
+                                          <p:stCondLst>
+                                            <p:cond delay="0"/>
+                                          </p:stCondLst>
+                                        </p:cTn>
+                                        <p:tgtEl>
+                                          <p:spTgt spid="7">
+                                            <p:txEl>
+                                              <p:pRg st="5" end="5"/>
+                                            </p:txEl>
+                                          </p:spTgt>
+                                        </p:tgtEl>
+                                        <p:attrNameLst>
+                                          <p:attrName>style.visibility</p:attrName>
+                                        </p:attrNameLst>
+                                      </p:cBhvr>
+                                      <p:to>
+                                        <p:strVal val="visible"/>
+                                      </p:to>
+                                    </p:set>
+                                  </p:childTnLst>
+                                </p:cTn>
+                              </p:par>
+                            </p:childTnLst>
+                          </p:cTn>
+                        </p:par>
+                      </p:childTnLst>
+                    </p:cTn>
+                  </p:par>
+                  <p:par>
+                    <p:cTn id="23" fill="hold">
+                      <p:stCondLst>
+                        <p:cond delay="indefinite"/>
+                      </p:stCondLst>
+                      <p:childTnLst>
+                        <p:par>
+                          <p:cTn id="24" fill="hold">
+                            <p:stCondLst>
+                              <p:cond delay="0"/>
+                            </p:stCondLst>
+                            <p:childTnLst>
+                              <p:par>
+                                <p:cTn id="25" presetID="1" presetClass="entr" presetSubtype="0" fill="hold" grpId="0" nodeType="clickEffect">
+                                  <p:stCondLst>
+                                    <p:cond delay="0"/>
+                                  </p:stCondLst>
+                                  <p:childTnLst>
+                                    <p:set>
+                                      <p:cBhvr>
+                                        <p:cTn id="26" dur="1" fill="hold">
+                                          <p:stCondLst>
+                                            <p:cond delay="0"/>
+                                          </p:stCondLst>
+                                        </p:cTn>
+                                        <p:tgtEl>
+                                          <p:spTgt spid="3"/>
+                                        </p:tgtEl>
+                                        <p:attrNameLst>
+                                          <p:attrName>style.visibility</p:attrName>
+                                        </p:attrNameLst>
+                                      </p:cBhvr>
+                                      <p:to>
+                                        <p:strVal val="visible"/>
+                                      </p:to>
+                                    </p:set>
+                                  </p:childTnLst>
+                                </p:cTn>
+                              </p:par>
+                            </p:childTnLst>
+                          </p:cTn>
+                        </p:par>
+                      </p:childTnLst>
+                    </p:cTn>
+                  </p:par>
+                </p:childTnLst>
+              </p:cTn>
+              <p:prevCondLst>
+                <p:cond evt="onPrev" delay="0">
+                  <p:tgtEl>
+                    <p:sldTgt/>
+                  </p:tgtEl>
+                </p:cond>
+              </p:prevCondLst>
+              <p:nextCondLst>
+                <p:cond evt="onNext" delay="0">
+                  <p:tgtEl>
+                    <p:sldTgt/>
+                  </p:tgtEl>
+                </p:cond>
+              </p:nextCondLst>
+            </p:seq>
+          </p:childTnLst>
+        </p:cTn>
+      </p:par>
+    </p:tnLst>
+    <p:bldLst>
+      <p:bldP spid="3" grpId="0"/>
+    </p:bldLst>
+  </p:timing>
+</p:sld>
+</file>
+
+<file path=ppt/slides/slide9.xml><?xml version="1.0" encoding="utf-8"?>
+<p:sld xmlns:a="http://schemas.openxmlformats.org/drawingml/2006/main" xmlns:r="http://schemas.openxmlformats.org/officeDocument/2006/relationships" xmlns:p="http://schemas.openxmlformats.org/presentationml/2006/main">
+  <p:cSld>
+    <p:spTree>
+      <p:nvGrpSpPr>
+        <p:cNvPr id="1" name=""/>
+        <p:cNvGrpSpPr/>
+        <p:nvPr/>
+      </p:nvGrpSpPr>
+      <p:grpSpPr>
+        <a:xfrm>
+          <a:off x="0" y="0"/>
+          <a:ext cx="0" cy="0"/>
+          <a:chOff x="0" y="0"/>
+          <a:chExt cx="0" cy="0"/>
+        </a:xfrm>
+      </p:grpSpPr>
+      <p:sp>
+        <p:nvSpPr>
+          <p:cNvPr id="6" name="Прямоугольник 5"/>
+          <p:cNvSpPr/>
+          <p:nvPr/>
+        </p:nvSpPr>
+        <p:spPr>
+          <a:xfrm>
+            <a:off x="713449" y="344617"/>
+            <a:ext cx="5468164" cy="523220"/>
+          </a:xfrm>
+          <a:prstGeom prst="rect">
+            <a:avLst/>
+          </a:prstGeom>
+        </p:spPr>
+        <p:txBody>
+          <a:bodyPr wrap="none">
+            <a:spAutoFit/>
+          </a:bodyPr>
+          <a:lstStyle/>
+          <a:p>
+            <a:r>
+              <a:rPr lang="en-US" sz="2800" dirty="0" smtClean="0"/>
+              <a:t>Do some action after installation</a:t>
+            </a:r>
+            <a:endParaRPr lang="ru-RU" sz="2800" dirty="0"/>
+          </a:p>
+        </p:txBody>
+      </p:sp>
+      <p:sp>
+        <p:nvSpPr>
+          <p:cNvPr id="7" name="TextBox 6"/>
+          <p:cNvSpPr txBox="1"/>
+          <p:nvPr/>
+        </p:nvSpPr>
+        <p:spPr>
+          <a:xfrm>
+            <a:off x="1136824" y="867837"/>
+            <a:ext cx="8799204" cy="4524315"/>
+          </a:xfrm>
+          <a:prstGeom prst="rect">
+            <a:avLst/>
+          </a:prstGeom>
+          <a:noFill/>
+        </p:spPr>
+        <p:txBody>
+          <a:bodyPr wrap="none" rtlCol="0">
+            <a:spAutoFit/>
+          </a:bodyPr>
+          <a:lstStyle/>
+          <a:p>
+            <a:pPr>
+              <a:lnSpc>
+                <a:spcPct val="150000"/>
+              </a:lnSpc>
+            </a:pPr>
+            <a:r>
+              <a:rPr lang="en-US" dirty="0" smtClean="0"/>
+              <a:t>How to open Readme.txt file:</a:t>
+            </a:r>
+          </a:p>
+          <a:p>
+            <a:pPr marL="285750" indent="-285750">
+              <a:lnSpc>
+                <a:spcPct val="150000"/>
+              </a:lnSpc>
+              <a:buFont typeface="Arial" panose="020B0604020202020204" pitchFamily="34" charset="0"/>
+              <a:buChar char="•"/>
+            </a:pPr>
+            <a:r>
+              <a:rPr lang="en-US" dirty="0" smtClean="0"/>
+              <a:t>Enable checkbox on the built-in </a:t>
+            </a:r>
+            <a:r>
+              <a:rPr lang="en-US" dirty="0" err="1" smtClean="0">
+                <a:solidFill>
+                  <a:srgbClr val="FF0000"/>
+                </a:solidFill>
+              </a:rPr>
+              <a:t>ExitDialog</a:t>
+            </a:r>
+            <a:r>
+              <a:rPr lang="en-US" dirty="0" smtClean="0"/>
+              <a:t> by setting it’s caption</a:t>
+            </a:r>
+            <a:r>
+              <a:rPr lang="en-US" dirty="0"/>
+              <a:t/>
+            </a:r>
+            <a:br>
+              <a:rPr lang="en-US" dirty="0"/>
+            </a:br>
+            <a:r>
+              <a:rPr lang="en-US" sz="1200" dirty="0">
+                <a:solidFill>
+                  <a:srgbClr val="FF0000"/>
+                </a:solidFill>
+                <a:latin typeface="Consolas" panose="020B0609020204030204" pitchFamily="49" charset="0"/>
+                <a:cs typeface="Consolas" panose="020B0609020204030204" pitchFamily="49" charset="0"/>
+              </a:rPr>
+              <a:t>&lt;Property Id="</a:t>
+            </a:r>
+            <a:r>
+              <a:rPr lang="en-US" sz="1200" dirty="0">
+                <a:solidFill>
+                  <a:srgbClr val="00B050"/>
+                </a:solidFill>
+                <a:latin typeface="Consolas" panose="020B0609020204030204" pitchFamily="49" charset="0"/>
+                <a:cs typeface="Consolas" panose="020B0609020204030204" pitchFamily="49" charset="0"/>
+              </a:rPr>
+              <a:t>WIXUI_EXITDIALOGOPTIONALCHECKBOXTEXT</a:t>
+            </a:r>
+            <a:r>
+              <a:rPr lang="en-US" sz="1200" dirty="0">
+                <a:solidFill>
+                  <a:srgbClr val="FF0000"/>
+                </a:solidFill>
+                <a:latin typeface="Consolas" panose="020B0609020204030204" pitchFamily="49" charset="0"/>
+                <a:cs typeface="Consolas" panose="020B0609020204030204" pitchFamily="49" charset="0"/>
+              </a:rPr>
+              <a:t>" Value="</a:t>
+            </a:r>
+            <a:r>
+              <a:rPr lang="en-US" sz="1200" dirty="0">
+                <a:solidFill>
+                  <a:srgbClr val="00B050"/>
+                </a:solidFill>
+                <a:latin typeface="Consolas" panose="020B0609020204030204" pitchFamily="49" charset="0"/>
+                <a:cs typeface="Consolas" panose="020B0609020204030204" pitchFamily="49" charset="0"/>
+              </a:rPr>
+              <a:t>Open Readme file</a:t>
+            </a:r>
+            <a:r>
+              <a:rPr lang="en-US" sz="1200" dirty="0">
+                <a:solidFill>
+                  <a:srgbClr val="FF0000"/>
+                </a:solidFill>
+                <a:latin typeface="Consolas" panose="020B0609020204030204" pitchFamily="49" charset="0"/>
+                <a:cs typeface="Consolas" panose="020B0609020204030204" pitchFamily="49" charset="0"/>
+              </a:rPr>
+              <a:t>" /&gt;</a:t>
+            </a:r>
+          </a:p>
+          <a:p>
+            <a:pPr marL="285750" indent="-285750">
+              <a:lnSpc>
+                <a:spcPct val="150000"/>
+              </a:lnSpc>
+              <a:buFont typeface="Arial" panose="020B0604020202020204" pitchFamily="34" charset="0"/>
+              <a:buChar char="•"/>
+            </a:pPr>
+            <a:r>
+              <a:rPr lang="en-US" dirty="0" smtClean="0"/>
+              <a:t>Set the target for the execution</a:t>
+            </a:r>
+            <a:r>
+              <a:rPr lang="en-US" dirty="0"/>
+              <a:t/>
+            </a:r>
+            <a:br>
+              <a:rPr lang="en-US" dirty="0"/>
+            </a:br>
+            <a:r>
+              <a:rPr lang="en-US" sz="1200" dirty="0">
+                <a:solidFill>
+                  <a:srgbClr val="FF0000"/>
+                </a:solidFill>
+                <a:latin typeface="Consolas" panose="020B0609020204030204" pitchFamily="49" charset="0"/>
+                <a:cs typeface="Consolas" panose="020B0609020204030204" pitchFamily="49" charset="0"/>
+              </a:rPr>
+              <a:t>&lt;Property Id="</a:t>
+            </a:r>
+            <a:r>
+              <a:rPr lang="en-US" sz="1200" dirty="0" err="1">
+                <a:solidFill>
+                  <a:srgbClr val="00B050"/>
+                </a:solidFill>
+                <a:latin typeface="Consolas" panose="020B0609020204030204" pitchFamily="49" charset="0"/>
+                <a:cs typeface="Consolas" panose="020B0609020204030204" pitchFamily="49" charset="0"/>
+              </a:rPr>
+              <a:t>WixShellExecTarget</a:t>
+            </a:r>
+            <a:r>
+              <a:rPr lang="en-US" sz="1200" dirty="0">
+                <a:solidFill>
+                  <a:srgbClr val="FF0000"/>
+                </a:solidFill>
+                <a:latin typeface="Consolas" panose="020B0609020204030204" pitchFamily="49" charset="0"/>
+                <a:cs typeface="Consolas" panose="020B0609020204030204" pitchFamily="49" charset="0"/>
+              </a:rPr>
+              <a:t>" Value="</a:t>
+            </a:r>
+            <a:r>
+              <a:rPr lang="en-US" sz="1200" dirty="0">
+                <a:solidFill>
+                  <a:srgbClr val="00B050"/>
+                </a:solidFill>
+                <a:latin typeface="Consolas" panose="020B0609020204030204" pitchFamily="49" charset="0"/>
+                <a:cs typeface="Consolas" panose="020B0609020204030204" pitchFamily="49" charset="0"/>
+              </a:rPr>
+              <a:t>[#</a:t>
+            </a:r>
+            <a:r>
+              <a:rPr lang="en-US" sz="1200" dirty="0" err="1" smtClean="0">
+                <a:solidFill>
+                  <a:srgbClr val="00B050"/>
+                </a:solidFill>
+                <a:latin typeface="Consolas" panose="020B0609020204030204" pitchFamily="49" charset="0"/>
+                <a:cs typeface="Consolas" panose="020B0609020204030204" pitchFamily="49" charset="0"/>
+              </a:rPr>
+              <a:t>ReadmeTxtComponentId</a:t>
+            </a:r>
+            <a:r>
+              <a:rPr lang="en-US" sz="1200" dirty="0" smtClean="0">
+                <a:solidFill>
+                  <a:srgbClr val="00B050"/>
+                </a:solidFill>
+                <a:latin typeface="Consolas" panose="020B0609020204030204" pitchFamily="49" charset="0"/>
+                <a:cs typeface="Consolas" panose="020B0609020204030204" pitchFamily="49" charset="0"/>
+              </a:rPr>
+              <a:t>]</a:t>
+            </a:r>
+            <a:r>
+              <a:rPr lang="en-US" sz="1200" dirty="0" smtClean="0">
+                <a:solidFill>
+                  <a:srgbClr val="FF0000"/>
+                </a:solidFill>
+                <a:latin typeface="Consolas" panose="020B0609020204030204" pitchFamily="49" charset="0"/>
+                <a:cs typeface="Consolas" panose="020B0609020204030204" pitchFamily="49" charset="0"/>
+              </a:rPr>
+              <a:t>" /&gt;</a:t>
+            </a:r>
+          </a:p>
+          <a:p>
+            <a:pPr marL="285750" indent="-285750">
+              <a:lnSpc>
+                <a:spcPct val="150000"/>
+              </a:lnSpc>
+              <a:buFont typeface="Arial" panose="020B0604020202020204" pitchFamily="34" charset="0"/>
+              <a:buChar char="•"/>
+            </a:pPr>
+            <a:r>
+              <a:rPr lang="en-US" dirty="0" smtClean="0"/>
+              <a:t>Create a </a:t>
+            </a:r>
+            <a:r>
+              <a:rPr lang="en-US" dirty="0" err="1" smtClean="0">
+                <a:solidFill>
+                  <a:srgbClr val="FF0000"/>
+                </a:solidFill>
+              </a:rPr>
+              <a:t>CustomAction</a:t>
+            </a:r>
+            <a:r>
+              <a:rPr lang="en-US" dirty="0"/>
+              <a:t/>
+            </a:r>
+            <a:br>
+              <a:rPr lang="en-US" dirty="0"/>
+            </a:br>
+            <a:r>
+              <a:rPr lang="en-US" sz="1200" dirty="0">
+                <a:solidFill>
+                  <a:srgbClr val="FF0000"/>
+                </a:solidFill>
+                <a:latin typeface="Consolas" panose="020B0609020204030204" pitchFamily="49" charset="0"/>
+                <a:cs typeface="Consolas" panose="020B0609020204030204" pitchFamily="49" charset="0"/>
+              </a:rPr>
+              <a:t>&lt;</a:t>
+            </a:r>
+            <a:r>
+              <a:rPr lang="en-US" sz="1200" dirty="0" err="1">
+                <a:solidFill>
+                  <a:srgbClr val="FF0000"/>
+                </a:solidFill>
+                <a:latin typeface="Consolas" panose="020B0609020204030204" pitchFamily="49" charset="0"/>
+                <a:cs typeface="Consolas" panose="020B0609020204030204" pitchFamily="49" charset="0"/>
+              </a:rPr>
+              <a:t>CustomAction</a:t>
+            </a:r>
+            <a:r>
+              <a:rPr lang="en-US" sz="1200" dirty="0">
+                <a:solidFill>
+                  <a:srgbClr val="FF0000"/>
+                </a:solidFill>
+                <a:latin typeface="Consolas" panose="020B0609020204030204" pitchFamily="49" charset="0"/>
+                <a:cs typeface="Consolas" panose="020B0609020204030204" pitchFamily="49" charset="0"/>
+              </a:rPr>
+              <a:t> Id="</a:t>
+            </a:r>
+            <a:r>
+              <a:rPr lang="en-US" sz="1200" dirty="0" err="1">
+                <a:solidFill>
+                  <a:srgbClr val="00B050"/>
+                </a:solidFill>
+                <a:latin typeface="Consolas" panose="020B0609020204030204" pitchFamily="49" charset="0"/>
+                <a:cs typeface="Consolas" panose="020B0609020204030204" pitchFamily="49" charset="0"/>
+              </a:rPr>
+              <a:t>OpenReadmeAction</a:t>
+            </a:r>
+            <a:r>
+              <a:rPr lang="en-US" sz="1200" dirty="0">
+                <a:solidFill>
+                  <a:srgbClr val="FF0000"/>
+                </a:solidFill>
+                <a:latin typeface="Consolas" panose="020B0609020204030204" pitchFamily="49" charset="0"/>
+                <a:cs typeface="Consolas" panose="020B0609020204030204" pitchFamily="49" charset="0"/>
+              </a:rPr>
+              <a:t>" </a:t>
+            </a:r>
+            <a:r>
+              <a:rPr lang="en-US" sz="1200" dirty="0" err="1">
+                <a:solidFill>
+                  <a:srgbClr val="FF0000"/>
+                </a:solidFill>
+                <a:latin typeface="Consolas" panose="020B0609020204030204" pitchFamily="49" charset="0"/>
+                <a:cs typeface="Consolas" panose="020B0609020204030204" pitchFamily="49" charset="0"/>
+              </a:rPr>
+              <a:t>BinaryKey</a:t>
+            </a:r>
+            <a:r>
+              <a:rPr lang="en-US" sz="1200" dirty="0">
+                <a:solidFill>
+                  <a:srgbClr val="FF0000"/>
+                </a:solidFill>
+                <a:latin typeface="Consolas" panose="020B0609020204030204" pitchFamily="49" charset="0"/>
+                <a:cs typeface="Consolas" panose="020B0609020204030204" pitchFamily="49" charset="0"/>
+              </a:rPr>
+              <a:t>="</a:t>
+            </a:r>
+            <a:r>
+              <a:rPr lang="en-US" sz="1200" dirty="0" err="1">
+                <a:solidFill>
+                  <a:srgbClr val="00B050"/>
+                </a:solidFill>
+                <a:latin typeface="Consolas" panose="020B0609020204030204" pitchFamily="49" charset="0"/>
+                <a:cs typeface="Consolas" panose="020B0609020204030204" pitchFamily="49" charset="0"/>
+              </a:rPr>
+              <a:t>WixCA</a:t>
+            </a:r>
+            <a:r>
+              <a:rPr lang="en-US" sz="1200" dirty="0">
+                <a:solidFill>
+                  <a:srgbClr val="FF0000"/>
+                </a:solidFill>
+                <a:latin typeface="Consolas" panose="020B0609020204030204" pitchFamily="49" charset="0"/>
+                <a:cs typeface="Consolas" panose="020B0609020204030204" pitchFamily="49" charset="0"/>
+              </a:rPr>
+              <a:t>" </a:t>
+            </a:r>
+            <a:r>
+              <a:rPr lang="en-US" sz="1200" dirty="0" err="1">
+                <a:solidFill>
+                  <a:srgbClr val="FF0000"/>
+                </a:solidFill>
+                <a:latin typeface="Consolas" panose="020B0609020204030204" pitchFamily="49" charset="0"/>
+                <a:cs typeface="Consolas" panose="020B0609020204030204" pitchFamily="49" charset="0"/>
+              </a:rPr>
+              <a:t>DllEntry</a:t>
+            </a:r>
+            <a:r>
+              <a:rPr lang="en-US" sz="1200" dirty="0">
+                <a:solidFill>
+                  <a:srgbClr val="FF0000"/>
+                </a:solidFill>
+                <a:latin typeface="Consolas" panose="020B0609020204030204" pitchFamily="49" charset="0"/>
+                <a:cs typeface="Consolas" panose="020B0609020204030204" pitchFamily="49" charset="0"/>
+              </a:rPr>
+              <a:t>="</a:t>
+            </a:r>
+            <a:r>
+              <a:rPr lang="en-US" sz="1200" dirty="0" err="1">
+                <a:solidFill>
+                  <a:srgbClr val="00B050"/>
+                </a:solidFill>
+                <a:latin typeface="Consolas" panose="020B0609020204030204" pitchFamily="49" charset="0"/>
+                <a:cs typeface="Consolas" panose="020B0609020204030204" pitchFamily="49" charset="0"/>
+              </a:rPr>
+              <a:t>WixShellExec</a:t>
+            </a:r>
+            <a:r>
+              <a:rPr lang="en-US" sz="1200" dirty="0">
+                <a:solidFill>
+                  <a:srgbClr val="FF0000"/>
+                </a:solidFill>
+                <a:latin typeface="Consolas" panose="020B0609020204030204" pitchFamily="49" charset="0"/>
+                <a:cs typeface="Consolas" panose="020B0609020204030204" pitchFamily="49" charset="0"/>
+              </a:rPr>
+              <a:t>" Impersonate="</a:t>
+            </a:r>
+            <a:r>
+              <a:rPr lang="en-US" sz="1200" dirty="0">
+                <a:solidFill>
+                  <a:srgbClr val="00B050"/>
+                </a:solidFill>
+                <a:latin typeface="Consolas" panose="020B0609020204030204" pitchFamily="49" charset="0"/>
+                <a:cs typeface="Consolas" panose="020B0609020204030204" pitchFamily="49" charset="0"/>
+              </a:rPr>
+              <a:t>yes</a:t>
+            </a:r>
+            <a:r>
+              <a:rPr lang="en-US" sz="1200" dirty="0">
+                <a:solidFill>
+                  <a:srgbClr val="FF0000"/>
+                </a:solidFill>
+                <a:latin typeface="Consolas" panose="020B0609020204030204" pitchFamily="49" charset="0"/>
+                <a:cs typeface="Consolas" panose="020B0609020204030204" pitchFamily="49" charset="0"/>
+              </a:rPr>
+              <a:t>" </a:t>
+            </a:r>
+            <a:r>
+              <a:rPr lang="en-US" sz="1200" dirty="0">
+                <a:solidFill>
+                  <a:srgbClr val="FF0000"/>
+                </a:solidFill>
+                <a:latin typeface="Consolas" panose="020B0609020204030204" pitchFamily="49" charset="0"/>
+                <a:cs typeface="Consolas" panose="020B0609020204030204" pitchFamily="49" charset="0"/>
+              </a:rPr>
+              <a:t>/&gt;</a:t>
+            </a:r>
+          </a:p>
+          <a:p>
+            <a:pPr marL="285750" indent="-285750">
+              <a:lnSpc>
+                <a:spcPct val="150000"/>
+              </a:lnSpc>
+              <a:buFont typeface="Arial" panose="020B0604020202020204" pitchFamily="34" charset="0"/>
+              <a:buChar char="•"/>
+            </a:pPr>
+            <a:r>
+              <a:rPr lang="en-US" dirty="0" smtClean="0"/>
+              <a:t>Bind action to the </a:t>
+            </a:r>
+            <a:r>
+              <a:rPr lang="en-US" dirty="0" smtClean="0">
+                <a:solidFill>
+                  <a:srgbClr val="FF0000"/>
+                </a:solidFill>
+              </a:rPr>
+              <a:t>Finish</a:t>
+            </a:r>
+            <a:r>
+              <a:rPr lang="en-US" dirty="0" smtClean="0"/>
+              <a:t> control of the </a:t>
+            </a:r>
+            <a:r>
+              <a:rPr lang="en-US" dirty="0" err="1" smtClean="0">
+                <a:solidFill>
+                  <a:srgbClr val="FF0000"/>
+                </a:solidFill>
+              </a:rPr>
+              <a:t>ExitDialog</a:t>
+            </a:r>
+            <a:r>
+              <a:rPr lang="en-US" dirty="0"/>
+              <a:t/>
+            </a:r>
+            <a:br>
+              <a:rPr lang="en-US" dirty="0"/>
+            </a:br>
+            <a:r>
+              <a:rPr lang="en-US" sz="1200" dirty="0">
+                <a:solidFill>
+                  <a:srgbClr val="FF0000"/>
+                </a:solidFill>
+                <a:latin typeface="Consolas" panose="020B0609020204030204" pitchFamily="49" charset="0"/>
+                <a:cs typeface="Consolas" panose="020B0609020204030204" pitchFamily="49" charset="0"/>
+              </a:rPr>
+              <a:t>&lt;Publish Dialog="</a:t>
+            </a:r>
+            <a:r>
+              <a:rPr lang="en-US" sz="1200" dirty="0" err="1">
+                <a:solidFill>
+                  <a:srgbClr val="00B050"/>
+                </a:solidFill>
+                <a:latin typeface="Consolas" panose="020B0609020204030204" pitchFamily="49" charset="0"/>
+                <a:cs typeface="Consolas" panose="020B0609020204030204" pitchFamily="49" charset="0"/>
+              </a:rPr>
+              <a:t>ExitDialog</a:t>
+            </a:r>
+            <a:r>
+              <a:rPr lang="en-US" sz="1200" dirty="0">
+                <a:solidFill>
+                  <a:srgbClr val="FF0000"/>
+                </a:solidFill>
+                <a:latin typeface="Consolas" panose="020B0609020204030204" pitchFamily="49" charset="0"/>
+                <a:cs typeface="Consolas" panose="020B0609020204030204" pitchFamily="49" charset="0"/>
+              </a:rPr>
+              <a:t>" Control="</a:t>
+            </a:r>
+            <a:r>
+              <a:rPr lang="en-US" sz="1200" dirty="0">
+                <a:solidFill>
+                  <a:srgbClr val="00B050"/>
+                </a:solidFill>
+                <a:latin typeface="Consolas" panose="020B0609020204030204" pitchFamily="49" charset="0"/>
+                <a:cs typeface="Consolas" panose="020B0609020204030204" pitchFamily="49" charset="0"/>
+              </a:rPr>
+              <a:t>Finish</a:t>
+            </a:r>
+            <a:r>
+              <a:rPr lang="en-US" sz="1200" dirty="0">
+                <a:solidFill>
+                  <a:srgbClr val="FF0000"/>
+                </a:solidFill>
+                <a:latin typeface="Consolas" panose="020B0609020204030204" pitchFamily="49" charset="0"/>
+                <a:cs typeface="Consolas" panose="020B0609020204030204" pitchFamily="49" charset="0"/>
+              </a:rPr>
+              <a:t>" Event="</a:t>
+            </a:r>
+            <a:r>
+              <a:rPr lang="en-US" sz="1200" dirty="0" err="1">
+                <a:solidFill>
+                  <a:srgbClr val="00B050"/>
+                </a:solidFill>
+                <a:latin typeface="Consolas" panose="020B0609020204030204" pitchFamily="49" charset="0"/>
+                <a:cs typeface="Consolas" panose="020B0609020204030204" pitchFamily="49" charset="0"/>
+              </a:rPr>
+              <a:t>DoAction</a:t>
+            </a:r>
+            <a:r>
+              <a:rPr lang="en-US" sz="1200" dirty="0">
+                <a:solidFill>
+                  <a:srgbClr val="FF0000"/>
+                </a:solidFill>
+                <a:latin typeface="Consolas" panose="020B0609020204030204" pitchFamily="49" charset="0"/>
+                <a:cs typeface="Consolas" panose="020B0609020204030204" pitchFamily="49" charset="0"/>
+              </a:rPr>
+              <a:t>" Value="</a:t>
+            </a:r>
+            <a:r>
+              <a:rPr lang="en-US" sz="1200" dirty="0" err="1">
+                <a:solidFill>
+                  <a:srgbClr val="00B050"/>
+                </a:solidFill>
+                <a:latin typeface="Consolas" panose="020B0609020204030204" pitchFamily="49" charset="0"/>
+                <a:cs typeface="Consolas" panose="020B0609020204030204" pitchFamily="49" charset="0"/>
+              </a:rPr>
+              <a:t>OpenReadmeAction</a:t>
+            </a:r>
+            <a:r>
+              <a:rPr lang="en-US" sz="1200" dirty="0">
+                <a:solidFill>
+                  <a:srgbClr val="FF0000"/>
+                </a:solidFill>
+                <a:latin typeface="Consolas" panose="020B0609020204030204" pitchFamily="49" charset="0"/>
+                <a:cs typeface="Consolas" panose="020B0609020204030204" pitchFamily="49" charset="0"/>
+              </a:rPr>
+              <a:t>"&gt;</a:t>
+            </a:r>
+            <a:br>
+              <a:rPr lang="en-US" sz="1200" dirty="0">
+                <a:solidFill>
+                  <a:srgbClr val="FF0000"/>
+                </a:solidFill>
+                <a:latin typeface="Consolas" panose="020B0609020204030204" pitchFamily="49" charset="0"/>
+                <a:cs typeface="Consolas" panose="020B0609020204030204" pitchFamily="49" charset="0"/>
+              </a:rPr>
+            </a:br>
+            <a:r>
+              <a:rPr lang="en-US" sz="1200" dirty="0">
+                <a:solidFill>
+                  <a:srgbClr val="FF0000"/>
+                </a:solidFill>
+                <a:latin typeface="Consolas" panose="020B0609020204030204" pitchFamily="49" charset="0"/>
+                <a:cs typeface="Consolas" panose="020B0609020204030204" pitchFamily="49" charset="0"/>
+              </a:rPr>
+              <a:t>    </a:t>
+            </a:r>
+            <a:r>
+              <a:rPr lang="en-US" sz="1200" dirty="0">
+                <a:solidFill>
+                  <a:srgbClr val="00B050"/>
+                </a:solidFill>
+                <a:latin typeface="Consolas" panose="020B0609020204030204" pitchFamily="49" charset="0"/>
+                <a:cs typeface="Consolas" panose="020B0609020204030204" pitchFamily="49" charset="0"/>
+              </a:rPr>
+              <a:t>&lt;![</a:t>
+            </a:r>
+            <a:r>
+              <a:rPr lang="en-US" sz="1200" dirty="0">
+                <a:solidFill>
+                  <a:srgbClr val="00B050"/>
+                </a:solidFill>
+                <a:latin typeface="Consolas" panose="020B0609020204030204" pitchFamily="49" charset="0"/>
+                <a:cs typeface="Consolas" panose="020B0609020204030204" pitchFamily="49" charset="0"/>
+              </a:rPr>
+              <a:t>CDATA[WIXUI_EXITDIALOGOPTIONALCHECKBOX = 1 and NOT Installed</a:t>
+            </a:r>
+            <a:r>
+              <a:rPr lang="en-US" sz="1200" dirty="0">
+                <a:solidFill>
+                  <a:srgbClr val="00B050"/>
+                </a:solidFill>
+                <a:latin typeface="Consolas" panose="020B0609020204030204" pitchFamily="49" charset="0"/>
+                <a:cs typeface="Consolas" panose="020B0609020204030204" pitchFamily="49" charset="0"/>
+              </a:rPr>
+              <a:t>]]&gt;</a:t>
+            </a:r>
+            <a:r>
+              <a:rPr lang="en-US" sz="1200" dirty="0">
+                <a:solidFill>
+                  <a:srgbClr val="FF0000"/>
+                </a:solidFill>
+                <a:latin typeface="Consolas" panose="020B0609020204030204" pitchFamily="49" charset="0"/>
+                <a:cs typeface="Consolas" panose="020B0609020204030204" pitchFamily="49" charset="0"/>
+              </a:rPr>
+              <a:t/>
+            </a:r>
+            <a:br>
+              <a:rPr lang="en-US" sz="1200" dirty="0">
+                <a:solidFill>
+                  <a:srgbClr val="FF0000"/>
+                </a:solidFill>
+                <a:latin typeface="Consolas" panose="020B0609020204030204" pitchFamily="49" charset="0"/>
+                <a:cs typeface="Consolas" panose="020B0609020204030204" pitchFamily="49" charset="0"/>
+              </a:rPr>
+            </a:br>
+            <a:r>
+              <a:rPr lang="en-US" sz="1200" dirty="0">
+                <a:solidFill>
+                  <a:srgbClr val="FF0000"/>
+                </a:solidFill>
+                <a:latin typeface="Consolas" panose="020B0609020204030204" pitchFamily="49" charset="0"/>
+                <a:cs typeface="Consolas" panose="020B0609020204030204" pitchFamily="49" charset="0"/>
+              </a:rPr>
+              <a:t>&lt;/</a:t>
+            </a:r>
+            <a:r>
+              <a:rPr lang="en-US" sz="1200" dirty="0">
+                <a:solidFill>
+                  <a:srgbClr val="FF0000"/>
+                </a:solidFill>
+                <a:latin typeface="Consolas" panose="020B0609020204030204" pitchFamily="49" charset="0"/>
+                <a:cs typeface="Consolas" panose="020B0609020204030204" pitchFamily="49" charset="0"/>
+              </a:rPr>
+              <a:t>Publish</a:t>
+            </a:r>
+            <a:r>
+              <a:rPr lang="en-US" sz="1200" dirty="0" smtClean="0">
+                <a:solidFill>
+                  <a:srgbClr val="FF0000"/>
+                </a:solidFill>
+                <a:latin typeface="Consolas" panose="020B0609020204030204" pitchFamily="49" charset="0"/>
+                <a:cs typeface="Consolas" panose="020B0609020204030204" pitchFamily="49" charset="0"/>
+              </a:rPr>
+              <a:t>&gt;</a:t>
+            </a:r>
+          </a:p>
+          <a:p>
+            <a:pPr marL="285750" indent="-285750">
+              <a:lnSpc>
+                <a:spcPct val="150000"/>
+              </a:lnSpc>
+              <a:buFont typeface="Arial" panose="020B0604020202020204" pitchFamily="34" charset="0"/>
+              <a:buChar char="•"/>
+            </a:pPr>
+            <a:endParaRPr lang="en-US" sz="1200" dirty="0">
+              <a:solidFill>
+                <a:srgbClr val="FF0000"/>
+              </a:solidFill>
+              <a:latin typeface="Consolas" panose="020B0609020204030204" pitchFamily="49" charset="0"/>
+              <a:cs typeface="Consolas" panose="020B0609020204030204" pitchFamily="49" charset="0"/>
+            </a:endParaRPr>
+          </a:p>
+          <a:p>
+            <a:pPr>
+              <a:lnSpc>
+                <a:spcPct val="150000"/>
+              </a:lnSpc>
+            </a:pPr>
+            <a:r>
+              <a:rPr lang="en-US" dirty="0"/>
+              <a:t>The same way can be executed application file or something else.</a:t>
+            </a:r>
+            <a:endParaRPr lang="en-US" dirty="0"/>
+          </a:p>
+        </p:txBody>
+      </p:sp>
+    </p:spTree>
+    <p:extLst>
+      <p:ext uri="{BB962C8B-B14F-4D97-AF65-F5344CB8AC3E}">
+        <p14:creationId xmlns:p14="http://schemas.microsoft.com/office/powerpoint/2010/main" val="2799888962"/>
+      </p:ext>
+    </p:extLst>
+  </p:cSld>
+  <p:clrMapOvr>
+    <a:masterClrMapping/>
+  </p:clrMapOvr>
+  <p:timing>
+    <p:tnLst>
+      <p:par>
+        <p:cTn id="1" dur="indefinite" restart="never" nodeType="tmRoot">
+          <p:childTnLst>
+            <p:seq concurrent="1" nextAc="seek">
+              <p:cTn id="2" dur="indefinite" nodeType="mainSeq">
+                <p:childTnLst>
+                  <p:par>
+                    <p:cTn id="3" fill="hold">
+                      <p:stCondLst>
+                        <p:cond delay="indefinite"/>
+                      </p:stCondLst>
+                      <p:childTnLst>
+                        <p:par>
+                          <p:cTn id="4" fill="hold">
+                            <p:stCondLst>
+                              <p:cond delay="0"/>
+                            </p:stCondLst>
+                            <p:childTnLst>
+                              <p:par>
+                                <p:cTn id="5" presetID="1" presetClass="entr" presetSubtype="0" fill="hold" nodeType="clickEffect">
+                                  <p:stCondLst>
+                                    <p:cond delay="0"/>
+                                  </p:stCondLst>
+                                  <p:childTnLst>
+                                    <p:set>
+                                      <p:cBhvr>
+                                        <p:cTn id="6" dur="1" fill="hold">
+                                          <p:stCondLst>
+                                            <p:cond delay="0"/>
+                                          </p:stCondLst>
+                                        </p:cTn>
+                                        <p:tgtEl>
+                                          <p:spTgt spid="7">
+                                            <p:txEl>
+                                              <p:pRg st="0" end="0"/>
+                                            </p:txEl>
+                                          </p:spTgt>
+                                        </p:tgtEl>
+                                        <p:attrNameLst>
+                                          <p:attrName>style.visibility</p:attrName>
+                                        </p:attrNameLst>
+                                      </p:cBhvr>
+                                      <p:to>
+                                        <p:strVal val="visible"/>
+                                      </p:to>
+                                    </p:set>
+                                  </p:childTnLst>
+                                </p:cTn>
+                              </p:par>
+                            </p:childTnLst>
+                          </p:cTn>
+                        </p:par>
+                      </p:childTnLst>
+                    </p:cTn>
+                  </p:par>
+                  <p:par>
+                    <p:cTn id="7" fill="hold">
+                      <p:stCondLst>
+                        <p:cond delay="indefinite"/>
+                      </p:stCondLst>
+                      <p:childTnLst>
+                        <p:par>
+                          <p:cTn id="8" fill="hold">
+                            <p:stCondLst>
+                              <p:cond delay="0"/>
+                            </p:stCondLst>
+                            <p:childTnLst>
+                              <p:par>
+                                <p:cTn id="9" presetID="1" presetClass="entr" presetSubtype="0" fill="hold" nodeType="clickEffect">
+                                  <p:stCondLst>
+                                    <p:cond delay="0"/>
+                                  </p:stCondLst>
+                                  <p:childTnLst>
+                                    <p:set>
+                                      <p:cBhvr>
+                                        <p:cTn id="10" dur="1" fill="hold">
+                                          <p:stCondLst>
+                                            <p:cond delay="0"/>
+                                          </p:stCondLst>
+                                        </p:cTn>
+                                        <p:tgtEl>
+                                          <p:spTgt spid="7">
+                                            <p:txEl>
+                                              <p:pRg st="1" end="1"/>
+                                            </p:txEl>
+                                          </p:spTgt>
+                                        </p:tgtEl>
+                                        <p:attrNameLst>
+                                          <p:attrName>style.visibility</p:attrName>
+                                        </p:attrNameLst>
+                                      </p:cBhvr>
+                                      <p:to>
+                                        <p:strVal val="visible"/>
+                                      </p:to>
+                                    </p:set>
+                                  </p:childTnLst>
+                                </p:cTn>
+                              </p:par>
+                            </p:childTnLst>
+                          </p:cTn>
+                        </p:par>
+                      </p:childTnLst>
+                    </p:cTn>
+                  </p:par>
+                  <p:par>
+                    <p:cTn id="11" fill="hold">
+                      <p:stCondLst>
+                        <p:cond delay="indefinite"/>
+                      </p:stCondLst>
+                      <p:childTnLst>
+                        <p:par>
+                          <p:cTn id="12" fill="hold">
+                            <p:stCondLst>
+                              <p:cond delay="0"/>
+                            </p:stCondLst>
+                            <p:childTnLst>
+                              <p:par>
+                                <p:cTn id="13" presetID="1" presetClass="entr" presetSubtype="0" fill="hold" nodeType="clickEffect">
+                                  <p:stCondLst>
+                                    <p:cond delay="0"/>
+                                  </p:stCondLst>
+                                  <p:childTnLst>
+                                    <p:set>
+                                      <p:cBhvr>
+                                        <p:cTn id="14" dur="1" fill="hold">
+                                          <p:stCondLst>
+                                            <p:cond delay="0"/>
+                                          </p:stCondLst>
+                                        </p:cTn>
+                                        <p:tgtEl>
+                                          <p:spTgt spid="7">
+                                            <p:txEl>
+                                              <p:pRg st="2" end="2"/>
+                                            </p:txEl>
+                                          </p:spTgt>
+                                        </p:tgtEl>
+                                        <p:attrNameLst>
+                                          <p:attrName>style.visibility</p:attrName>
+                                        </p:attrNameLst>
+                                      </p:cBhvr>
+                                      <p:to>
+                                        <p:strVal val="visible"/>
+                                      </p:to>
+                                    </p:set>
+                                  </p:childTnLst>
+                                </p:cTn>
+                              </p:par>
+                            </p:childTnLst>
+                          </p:cTn>
+                        </p:par>
+                      </p:childTnLst>
+                    </p:cTn>
+                  </p:par>
+                  <p:par>
+                    <p:cTn id="15" fill="hold">
+                      <p:stCondLst>
+                        <p:cond delay="indefinite"/>
+                      </p:stCondLst>
+                      <p:childTnLst>
+                        <p:par>
+                          <p:cTn id="16" fill="hold">
+                            <p:stCondLst>
+                              <p:cond delay="0"/>
+                            </p:stCondLst>
+                            <p:childTnLst>
+                              <p:par>
+                                <p:cTn id="17" presetID="1" presetClass="entr" presetSubtype="0" fill="hold" nodeType="clickEffect">
+                                  <p:stCondLst>
+                                    <p:cond delay="0"/>
+                                  </p:stCondLst>
+                                  <p:childTnLst>
+                                    <p:set>
+                                      <p:cBhvr>
+                                        <p:cTn id="18" dur="1" fill="hold">
+                                          <p:stCondLst>
+                                            <p:cond delay="0"/>
+                                          </p:stCondLst>
+                                        </p:cTn>
+                                        <p:tgtEl>
+                                          <p:spTgt spid="7">
+                                            <p:txEl>
+                                              <p:pRg st="3" end="3"/>
+                                            </p:txEl>
+                                          </p:spTgt>
+                                        </p:tgtEl>
+                                        <p:attrNameLst>
+                                          <p:attrName>style.visibility</p:attrName>
+                                        </p:attrNameLst>
+                                      </p:cBhvr>
+                                      <p:to>
+                                        <p:strVal val="visible"/>
+                                      </p:to>
+                                    </p:set>
+                                  </p:childTnLst>
+                                </p:cTn>
+                              </p:par>
+                            </p:childTnLst>
+                          </p:cTn>
+                        </p:par>
+                      </p:childTnLst>
+                    </p:cTn>
+                  </p:par>
+                  <p:par>
+                    <p:cTn id="19" fill="hold">
+                      <p:stCondLst>
+                        <p:cond delay="indefinite"/>
+                      </p:stCondLst>
+                      <p:childTnLst>
+                        <p:par>
+                          <p:cTn id="20" fill="hold">
+                            <p:stCondLst>
+                              <p:cond delay="0"/>
+                            </p:stCondLst>
+                            <p:childTnLst>
+                              <p:par>
+                                <p:cTn id="21" presetID="1" presetClass="entr" presetSubtype="0" fill="hold" nodeType="clickEffect">
+                                  <p:stCondLst>
+                                    <p:cond delay="0"/>
+                                  </p:stCondLst>
+                                  <p:childTnLst>
+                                    <p:set>
+                                      <p:cBhvr>
+                                        <p:cTn id="22" dur="1" fill="hold">
+                                          <p:stCondLst>
+                                            <p:cond delay="0"/>
+                                          </p:stCondLst>
+                                        </p:cTn>
+                                        <p:tgtEl>
+                                          <p:spTgt spid="7">
+                                            <p:txEl>
+                                              <p:pRg st="4" end="4"/>
+                                            </p:txEl>
+                                          </p:spTgt>
+                                        </p:tgtEl>
+                                        <p:attrNameLst>
+                                          <p:attrName>style.visibility</p:attrName>
+                                        </p:attrNameLst>
+                                      </p:cBhvr>
+                                      <p:to>
+                                        <p:strVal val="visible"/>
+                                      </p:to>
+                                    </p:set>
+                                  </p:childTnLst>
+                                </p:cTn>
+                              </p:par>
+                            </p:childTnLst>
+                          </p:cTn>
+                        </p:par>
+                      </p:childTnLst>
+                    </p:cTn>
+                  </p:par>
+                  <p:par>
+                    <p:cTn id="23" fill="hold">
+                      <p:stCondLst>
+                        <p:cond delay="indefinite"/>
+                      </p:stCondLst>
+                      <p:childTnLst>
+                        <p:par>
+                          <p:cTn id="24" fill="hold">
+                            <p:stCondLst>
+                              <p:cond delay="0"/>
+                            </p:stCondLst>
+                            <p:childTnLst>
+                              <p:par>
+                                <p:cTn id="25" presetID="1" presetClass="entr" presetSubtype="0" fill="hold" nodeType="clickEffect">
+                                  <p:stCondLst>
+                                    <p:cond delay="0"/>
+                                  </p:stCondLst>
+                                  <p:childTnLst>
+                                    <p:set>
+                                      <p:cBhvr>
+                                        <p:cTn id="26" dur="1" fill="hold">
+                                          <p:stCondLst>
+                                            <p:cond delay="0"/>
+                                          </p:stCondLst>
+                                        </p:cTn>
+                                        <p:tgtEl>
+                                          <p:spTgt spid="7">
+                                            <p:txEl>
+                                              <p:pRg st="6" end="6"/>
+                                            </p:txEl>
+                                          </p:spTgt>
+                                        </p:tgtEl>
+                                        <p:attrNameLst>
+                                          <p:attrName>style.visibility</p:attrName>
+                                        </p:attrNameLst>
+                                      </p:cBhvr>
+                                      <p:to>
+                                        <p:strVal val="visible"/>
+                                      </p:to>
+                                    </p:set>
+                                  </p:childTnLst>
+                                </p:cTn>
+                              </p:par>
+                            </p:childTnLst>
+                          </p:cTn>
+                        </p:par>
+                      </p:childTnLst>
+                    </p:cTn>
+                  </p:par>
+                </p:childTnLst>
+              </p:cTn>
+              <p:prevCondLst>
+                <p:cond evt="onPrev" delay="0">
+                  <p:tgtEl>
+                    <p:sldTgt/>
+                  </p:tgtEl>
+                </p:cond>
+              </p:prevCondLst>
+              <p:nextCondLst>
+                <p:cond evt="onNext" delay="0">
+                  <p:tgtEl>
+                    <p:sldTgt/>
+                  </p:tgtEl>
+                </p:cond>
+              </p:nextCondLst>
+            </p:seq>
+          </p:childTnLst>
+        </p:cTn>
       </p:par>
     </p:tnLst>
   </p:timing>

--- a/Part 2/WiX Part 2.pptx
+++ b/Part 2/WiX Part 2.pptx
@@ -7697,7 +7697,7 @@
         <p:spPr>
           <a:xfrm>
             <a:off x="713449" y="344617"/>
-            <a:ext cx="3785011" cy="523220"/>
+            <a:ext cx="1463862" cy="523220"/>
           </a:xfrm>
           <a:prstGeom prst="rect">
             <a:avLst/>
@@ -7711,11 +7711,7 @@
           <a:p>
             <a:r>
               <a:rPr lang="en-US" sz="2800" dirty="0" smtClean="0"/>
-              <a:t>An advanced </a:t>
-            </a:r>
-            <a:r>
-              <a:rPr lang="en-US" sz="2800" dirty="0" smtClean="0"/>
-              <a:t>installer</a:t>
+              <a:t>Content</a:t>
             </a:r>
             <a:endParaRPr lang="ru-RU" sz="2800" dirty="0"/>
           </a:p>
@@ -8394,11 +8390,7 @@
           <a:p>
             <a:r>
               <a:rPr lang="en-US" sz="2800" dirty="0" smtClean="0"/>
-              <a:t>Binder </a:t>
-            </a:r>
-            <a:r>
-              <a:rPr lang="en-US" sz="2800" dirty="0" smtClean="0"/>
-              <a:t>Variables</a:t>
+              <a:t>Binder Variables</a:t>
             </a:r>
             <a:endParaRPr lang="ru-RU" sz="2800" dirty="0"/>
           </a:p>
@@ -11971,11 +11963,7 @@
           <a:p>
             <a:r>
               <a:rPr lang="en-US" sz="2800" dirty="0" smtClean="0"/>
-              <a:t>A Start Menu </a:t>
-            </a:r>
-            <a:r>
-              <a:rPr lang="en-US" sz="2800" dirty="0" smtClean="0"/>
-              <a:t>shortcut</a:t>
+              <a:t>A Start Menu shortcut</a:t>
             </a:r>
             <a:endParaRPr lang="ru-RU" sz="2800" dirty="0"/>
           </a:p>
@@ -12037,11 +12025,7 @@
             </a:pPr>
             <a:r>
               <a:rPr lang="en-US" dirty="0" smtClean="0"/>
-              <a:t>Create a </a:t>
-            </a:r>
-            <a:r>
-              <a:rPr lang="en-US" dirty="0" smtClean="0"/>
-              <a:t>separate components that contains:</a:t>
+              <a:t>Create a separate components that contains:</a:t>
             </a:r>
           </a:p>
           <a:p>
@@ -12062,22 +12046,14 @@
             </a:r>
             <a:r>
               <a:rPr lang="en-US" dirty="0" smtClean="0"/>
-              <a:t> element that describes shortcut </a:t>
-            </a:r>
-            <a:r>
-              <a:rPr lang="en-US" dirty="0" smtClean="0"/>
-              <a:t>itself:</a:t>
+              <a:t> element that describes shortcut itself:</a:t>
             </a:r>
             <a:br>
               <a:rPr lang="en-US" dirty="0" smtClean="0"/>
             </a:br>
             <a:r>
               <a:rPr lang="en-US" dirty="0" smtClean="0"/>
-              <a:t>Target </a:t>
-            </a:r>
-            <a:r>
-              <a:rPr lang="en-US" dirty="0" smtClean="0"/>
-              <a:t>EXE file of the application </a:t>
+              <a:t>Target EXE file of the application </a:t>
             </a:r>
             <a:r>
               <a:rPr lang="en-US" dirty="0"/>
@@ -13734,17 +13710,7 @@
                 <a:latin typeface="Consolas" panose="020B0609020204030204" pitchFamily="49" charset="0"/>
                 <a:cs typeface="Consolas" panose="020B0609020204030204" pitchFamily="49" charset="0"/>
               </a:rPr>
-              <a:t>" </a:t>
-            </a:r>
-            <a:r>
-              <a:rPr lang="en-US" sz="1200" dirty="0">
-                <a:solidFill>
-                  <a:srgbClr val="FF0000"/>
-                </a:solidFill>
-                <a:latin typeface="Consolas" panose="020B0609020204030204" pitchFamily="49" charset="0"/>
-                <a:cs typeface="Consolas" panose="020B0609020204030204" pitchFamily="49" charset="0"/>
-              </a:rPr>
-              <a:t>/&gt;</a:t>
+              <a:t>" /&gt;</a:t>
             </a:r>
           </a:p>
           <a:p>
@@ -13903,27 +13869,7 @@
                 <a:latin typeface="Consolas" panose="020B0609020204030204" pitchFamily="49" charset="0"/>
                 <a:cs typeface="Consolas" panose="020B0609020204030204" pitchFamily="49" charset="0"/>
               </a:rPr>
-              <a:t>&lt;![</a:t>
-            </a:r>
-            <a:r>
-              <a:rPr lang="en-US" sz="1200" dirty="0">
-                <a:solidFill>
-                  <a:srgbClr val="00B050"/>
-                </a:solidFill>
-                <a:latin typeface="Consolas" panose="020B0609020204030204" pitchFamily="49" charset="0"/>
-                <a:cs typeface="Consolas" panose="020B0609020204030204" pitchFamily="49" charset="0"/>
-              </a:rPr>
-              <a:t>CDATA[WIXUI_EXITDIALOGOPTIONALCHECKBOX = 1 and NOT Installed</a:t>
-            </a:r>
-            <a:r>
-              <a:rPr lang="en-US" sz="1200" dirty="0">
-                <a:solidFill>
-                  <a:srgbClr val="00B050"/>
-                </a:solidFill>
-                <a:latin typeface="Consolas" panose="020B0609020204030204" pitchFamily="49" charset="0"/>
-                <a:cs typeface="Consolas" panose="020B0609020204030204" pitchFamily="49" charset="0"/>
-              </a:rPr>
-              <a:t>]]&gt;</a:t>
+              <a:t>&lt;![CDATA[WIXUI_EXITDIALOGOPTIONALCHECKBOX = 1 and NOT Installed]]&gt;</a:t>
             </a:r>
             <a:r>
               <a:rPr lang="en-US" sz="1200" dirty="0">
@@ -13952,17 +13898,7 @@
                 <a:latin typeface="Consolas" panose="020B0609020204030204" pitchFamily="49" charset="0"/>
                 <a:cs typeface="Consolas" panose="020B0609020204030204" pitchFamily="49" charset="0"/>
               </a:rPr>
-              <a:t>&lt;/</a:t>
-            </a:r>
-            <a:r>
-              <a:rPr lang="en-US" sz="1200" dirty="0">
-                <a:solidFill>
-                  <a:srgbClr val="FF0000"/>
-                </a:solidFill>
-                <a:latin typeface="Consolas" panose="020B0609020204030204" pitchFamily="49" charset="0"/>
-                <a:cs typeface="Consolas" panose="020B0609020204030204" pitchFamily="49" charset="0"/>
-              </a:rPr>
-              <a:t>Publish</a:t>
+              <a:t>&lt;/Publish</a:t>
             </a:r>
             <a:r>
               <a:rPr lang="en-US" sz="1200" dirty="0" smtClean="0">
@@ -14001,7 +13937,6 @@
               <a:rPr lang="en-US" dirty="0"/>
               <a:t>The same way can be executed application file or something else.</a:t>
             </a:r>
-            <a:endParaRPr lang="en-US" dirty="0"/>
           </a:p>
         </p:txBody>
       </p:sp>
